--- a/doc/ADS Project 4 Presentation.pptx
+++ b/doc/ADS Project 4 Presentation.pptx
@@ -12,10 +12,12 @@
     <p:sldId id="260" r:id="rId6"/>
     <p:sldId id="261" r:id="rId7"/>
     <p:sldId id="262" r:id="rId8"/>
-    <p:sldId id="263" r:id="rId9"/>
-    <p:sldId id="264" r:id="rId10"/>
-    <p:sldId id="265" r:id="rId11"/>
-    <p:sldId id="266" r:id="rId12"/>
+    <p:sldId id="267" r:id="rId9"/>
+    <p:sldId id="263" r:id="rId10"/>
+    <p:sldId id="264" r:id="rId11"/>
+    <p:sldId id="265" r:id="rId12"/>
+    <p:sldId id="268" r:id="rId13"/>
+    <p:sldId id="266" r:id="rId14"/>
   </p:sldIdLst>
   <p:sldSz cx="12192000" cy="6858000"/>
   <p:notesSz cx="6858000" cy="9144000"/>
@@ -393,6 +395,18 @@
   <p:clrMapOvr>
     <a:masterClrMapping/>
   </p:clrMapOvr>
+  <mc:AlternateContent xmlns:mc="http://schemas.openxmlformats.org/markup-compatibility/2006">
+    <mc:Choice xmlns:p14="http://schemas.microsoft.com/office/powerpoint/2010/main" Requires="p14">
+      <p:transition spd="slow" p14:dur="800">
+        <p:fade/>
+      </p:transition>
+    </mc:Choice>
+    <mc:Fallback>
+      <p:transition spd="slow">
+        <p:fade/>
+      </p:transition>
+    </mc:Fallback>
+  </mc:AlternateContent>
 </p:sldLayout>
 </file>
 
@@ -684,6 +698,18 @@
   <p:clrMapOvr>
     <a:masterClrMapping/>
   </p:clrMapOvr>
+  <mc:AlternateContent xmlns:mc="http://schemas.openxmlformats.org/markup-compatibility/2006">
+    <mc:Choice xmlns:p14="http://schemas.microsoft.com/office/powerpoint/2010/main" Requires="p14">
+      <p:transition spd="slow" p14:dur="800">
+        <p:fade/>
+      </p:transition>
+    </mc:Choice>
+    <mc:Fallback>
+      <p:transition spd="slow">
+        <p:fade/>
+      </p:transition>
+    </mc:Fallback>
+  </mc:AlternateContent>
 </p:sldLayout>
 </file>
 
@@ -943,6 +969,18 @@
   <p:clrMapOvr>
     <a:masterClrMapping/>
   </p:clrMapOvr>
+  <mc:AlternateContent xmlns:mc="http://schemas.openxmlformats.org/markup-compatibility/2006">
+    <mc:Choice xmlns:p14="http://schemas.microsoft.com/office/powerpoint/2010/main" Requires="p14">
+      <p:transition spd="slow" p14:dur="800">
+        <p:fade/>
+      </p:transition>
+    </mc:Choice>
+    <mc:Fallback>
+      <p:transition spd="slow">
+        <p:fade/>
+      </p:transition>
+    </mc:Fallback>
+  </mc:AlternateContent>
 </p:sldLayout>
 </file>
 
@@ -1412,6 +1450,18 @@
   <p:clrMapOvr>
     <a:masterClrMapping/>
   </p:clrMapOvr>
+  <mc:AlternateContent xmlns:mc="http://schemas.openxmlformats.org/markup-compatibility/2006">
+    <mc:Choice xmlns:p14="http://schemas.microsoft.com/office/powerpoint/2010/main" Requires="p14">
+      <p:transition spd="slow" p14:dur="800">
+        <p:fade/>
+      </p:transition>
+    </mc:Choice>
+    <mc:Fallback>
+      <p:transition spd="slow">
+        <p:fade/>
+      </p:transition>
+    </mc:Fallback>
+  </mc:AlternateContent>
 </p:sldLayout>
 </file>
 
@@ -1592,6 +1642,18 @@
   <p:clrMapOvr>
     <a:masterClrMapping/>
   </p:clrMapOvr>
+  <mc:AlternateContent xmlns:mc="http://schemas.openxmlformats.org/markup-compatibility/2006">
+    <mc:Choice xmlns:p14="http://schemas.microsoft.com/office/powerpoint/2010/main" Requires="p14">
+      <p:transition spd="slow" p14:dur="800">
+        <p:fade/>
+      </p:transition>
+    </mc:Choice>
+    <mc:Fallback>
+      <p:transition spd="slow">
+        <p:fade/>
+      </p:transition>
+    </mc:Fallback>
+  </mc:AlternateContent>
 </p:sldLayout>
 </file>
 
@@ -2168,6 +2230,18 @@
   <p:clrMapOvr>
     <a:masterClrMapping/>
   </p:clrMapOvr>
+  <mc:AlternateContent xmlns:mc="http://schemas.openxmlformats.org/markup-compatibility/2006">
+    <mc:Choice xmlns:p14="http://schemas.microsoft.com/office/powerpoint/2010/main" Requires="p14">
+      <p:transition spd="slow" p14:dur="800">
+        <p:fade/>
+      </p:transition>
+    </mc:Choice>
+    <mc:Fallback>
+      <p:transition spd="slow">
+        <p:fade/>
+      </p:transition>
+    </mc:Fallback>
+  </mc:AlternateContent>
 </p:sldLayout>
 </file>
 
@@ -2500,6 +2574,18 @@
   <p:clrMapOvr>
     <a:masterClrMapping/>
   </p:clrMapOvr>
+  <mc:AlternateContent xmlns:mc="http://schemas.openxmlformats.org/markup-compatibility/2006">
+    <mc:Choice xmlns:p14="http://schemas.microsoft.com/office/powerpoint/2010/main" Requires="p14">
+      <p:transition spd="slow" p14:dur="800">
+        <p:fade/>
+      </p:transition>
+    </mc:Choice>
+    <mc:Fallback>
+      <p:transition spd="slow">
+        <p:fade/>
+      </p:transition>
+    </mc:Fallback>
+  </mc:AlternateContent>
 </p:sldLayout>
 </file>
 
@@ -2675,6 +2761,18 @@
   <p:clrMapOvr>
     <a:masterClrMapping/>
   </p:clrMapOvr>
+  <mc:AlternateContent xmlns:mc="http://schemas.openxmlformats.org/markup-compatibility/2006">
+    <mc:Choice xmlns:p14="http://schemas.microsoft.com/office/powerpoint/2010/main" Requires="p14">
+      <p:transition spd="slow" p14:dur="800">
+        <p:fade/>
+      </p:transition>
+    </mc:Choice>
+    <mc:Fallback>
+      <p:transition spd="slow">
+        <p:fade/>
+      </p:transition>
+    </mc:Fallback>
+  </mc:AlternateContent>
 </p:sldLayout>
 </file>
 
@@ -2855,6 +2953,18 @@
   <p:clrMapOvr>
     <a:masterClrMapping/>
   </p:clrMapOvr>
+  <mc:AlternateContent xmlns:mc="http://schemas.openxmlformats.org/markup-compatibility/2006">
+    <mc:Choice xmlns:p14="http://schemas.microsoft.com/office/powerpoint/2010/main" Requires="p14">
+      <p:transition spd="slow" p14:dur="800">
+        <p:fade/>
+      </p:transition>
+    </mc:Choice>
+    <mc:Fallback>
+      <p:transition spd="slow">
+        <p:fade/>
+      </p:transition>
+    </mc:Fallback>
+  </mc:AlternateContent>
 </p:sldLayout>
 </file>
 
@@ -3025,6 +3135,18 @@
   <p:clrMapOvr>
     <a:masterClrMapping/>
   </p:clrMapOvr>
+  <mc:AlternateContent xmlns:mc="http://schemas.openxmlformats.org/markup-compatibility/2006">
+    <mc:Choice xmlns:p14="http://schemas.microsoft.com/office/powerpoint/2010/main" Requires="p14">
+      <p:transition spd="slow" p14:dur="800">
+        <p:fade/>
+      </p:transition>
+    </mc:Choice>
+    <mc:Fallback>
+      <p:transition spd="slow">
+        <p:fade/>
+      </p:transition>
+    </mc:Fallback>
+  </mc:AlternateContent>
 </p:sldLayout>
 </file>
 
@@ -3282,6 +3404,18 @@
   <p:clrMapOvr>
     <a:masterClrMapping/>
   </p:clrMapOvr>
+  <mc:AlternateContent xmlns:mc="http://schemas.openxmlformats.org/markup-compatibility/2006">
+    <mc:Choice xmlns:p14="http://schemas.microsoft.com/office/powerpoint/2010/main" Requires="p14">
+      <p:transition spd="slow" p14:dur="800">
+        <p:fade/>
+      </p:transition>
+    </mc:Choice>
+    <mc:Fallback>
+      <p:transition spd="slow">
+        <p:fade/>
+      </p:transition>
+    </mc:Fallback>
+  </mc:AlternateContent>
 </p:sldLayout>
 </file>
 
@@ -3574,6 +3708,18 @@
   <p:clrMapOvr>
     <a:masterClrMapping/>
   </p:clrMapOvr>
+  <mc:AlternateContent xmlns:mc="http://schemas.openxmlformats.org/markup-compatibility/2006">
+    <mc:Choice xmlns:p14="http://schemas.microsoft.com/office/powerpoint/2010/main" Requires="p14">
+      <p:transition spd="slow" p14:dur="800">
+        <p:fade/>
+      </p:transition>
+    </mc:Choice>
+    <mc:Fallback>
+      <p:transition spd="slow">
+        <p:fade/>
+      </p:transition>
+    </mc:Fallback>
+  </mc:AlternateContent>
 </p:sldLayout>
 </file>
 
@@ -4004,6 +4150,18 @@
   <p:clrMapOvr>
     <a:masterClrMapping/>
   </p:clrMapOvr>
+  <mc:AlternateContent xmlns:mc="http://schemas.openxmlformats.org/markup-compatibility/2006">
+    <mc:Choice xmlns:p14="http://schemas.microsoft.com/office/powerpoint/2010/main" Requires="p14">
+      <p:transition spd="slow" p14:dur="800">
+        <p:fade/>
+      </p:transition>
+    </mc:Choice>
+    <mc:Fallback>
+      <p:transition spd="slow">
+        <p:fade/>
+      </p:transition>
+    </mc:Fallback>
+  </mc:AlternateContent>
 </p:sldLayout>
 </file>
 
@@ -4122,6 +4280,18 @@
   <p:clrMapOvr>
     <a:masterClrMapping/>
   </p:clrMapOvr>
+  <mc:AlternateContent xmlns:mc="http://schemas.openxmlformats.org/markup-compatibility/2006">
+    <mc:Choice xmlns:p14="http://schemas.microsoft.com/office/powerpoint/2010/main" Requires="p14">
+      <p:transition spd="slow" p14:dur="800">
+        <p:fade/>
+      </p:transition>
+    </mc:Choice>
+    <mc:Fallback>
+      <p:transition spd="slow">
+        <p:fade/>
+      </p:transition>
+    </mc:Fallback>
+  </mc:AlternateContent>
 </p:sldLayout>
 </file>
 
@@ -4217,6 +4387,18 @@
   <p:clrMapOvr>
     <a:masterClrMapping/>
   </p:clrMapOvr>
+  <mc:AlternateContent xmlns:mc="http://schemas.openxmlformats.org/markup-compatibility/2006">
+    <mc:Choice xmlns:p14="http://schemas.microsoft.com/office/powerpoint/2010/main" Requires="p14">
+      <p:transition spd="slow" p14:dur="800">
+        <p:fade/>
+      </p:transition>
+    </mc:Choice>
+    <mc:Fallback>
+      <p:transition spd="slow">
+        <p:fade/>
+      </p:transition>
+    </mc:Fallback>
+  </mc:AlternateContent>
 </p:sldLayout>
 </file>
 
@@ -4500,6 +4682,18 @@
   <p:clrMapOvr>
     <a:masterClrMapping/>
   </p:clrMapOvr>
+  <mc:AlternateContent xmlns:mc="http://schemas.openxmlformats.org/markup-compatibility/2006">
+    <mc:Choice xmlns:p14="http://schemas.microsoft.com/office/powerpoint/2010/main" Requires="p14">
+      <p:transition spd="slow" p14:dur="800">
+        <p:fade/>
+      </p:transition>
+    </mc:Choice>
+    <mc:Fallback>
+      <p:transition spd="slow">
+        <p:fade/>
+      </p:transition>
+    </mc:Fallback>
+  </mc:AlternateContent>
 </p:sldLayout>
 </file>
 
@@ -4801,6 +4995,18 @@
   <p:clrMapOvr>
     <a:masterClrMapping/>
   </p:clrMapOvr>
+  <mc:AlternateContent xmlns:mc="http://schemas.openxmlformats.org/markup-compatibility/2006">
+    <mc:Choice xmlns:p14="http://schemas.microsoft.com/office/powerpoint/2010/main" Requires="p14">
+      <p:transition spd="slow" p14:dur="800">
+        <p:fade/>
+      </p:transition>
+    </mc:Choice>
+    <mc:Fallback>
+      <p:transition spd="slow">
+        <p:fade/>
+      </p:transition>
+    </mc:Fallback>
+  </mc:AlternateContent>
 </p:sldLayout>
 </file>
 
@@ -5091,6 +5297,18 @@
     <p:sldLayoutId id="2147483676" r:id="rId16"/>
     <p:sldLayoutId id="2147483677" r:id="rId17"/>
   </p:sldLayoutIdLst>
+  <mc:AlternateContent xmlns:mc="http://schemas.openxmlformats.org/markup-compatibility/2006">
+    <mc:Choice xmlns:p14="http://schemas.microsoft.com/office/powerpoint/2010/main" Requires="p14">
+      <p:transition spd="slow" p14:dur="800">
+        <p:fade/>
+      </p:transition>
+    </mc:Choice>
+    <mc:Fallback>
+      <p:transition spd="slow">
+        <p:fade/>
+      </p:transition>
+    </mc:Fallback>
+  </mc:AlternateContent>
   <p:txStyles>
     <p:titleStyle>
       <a:lvl1pPr algn="l" defTabSz="457200" rtl="0" eaLnBrk="1" latinLnBrk="0" hangingPunct="1">
@@ -5831,8 +6049,8 @@
           </a:p>
         </p:txBody>
       </p:sp>
-      <mc:AlternateContent xmlns:mc="http://schemas.openxmlformats.org/markup-compatibility/2006">
-        <mc:Choice xmlns:a14="http://schemas.microsoft.com/office/drawing/2010/main" Requires="a14">
+      <mc:AlternateContent xmlns:mc="http://schemas.openxmlformats.org/markup-compatibility/2006" xmlns:a14="http://schemas.microsoft.com/office/drawing/2010/main">
+        <mc:Choice Requires="a14">
           <p:sp>
             <p:nvSpPr>
               <p:cNvPr id="5" name="TextBox 4">
@@ -5861,6 +6079,7 @@
               </a:bodyPr>
               <a:lstStyle/>
               <a:p>
+                <a:pPr/>
                 <a14:m>
                   <m:oMathPara xmlns:m="http://schemas.openxmlformats.org/officeDocument/2006/math">
                     <m:oMathParaPr>
@@ -5903,7 +6122,7 @@
             </p:txBody>
           </p:sp>
         </mc:Choice>
-        <mc:Fallback>
+        <mc:Fallback xmlns="">
           <p:sp>
             <p:nvSpPr>
               <p:cNvPr id="5" name="TextBox 4">
@@ -5948,8 +6167,8 @@
           </p:sp>
         </mc:Fallback>
       </mc:AlternateContent>
-      <mc:AlternateContent xmlns:mc="http://schemas.openxmlformats.org/markup-compatibility/2006">
-        <mc:Choice xmlns:a14="http://schemas.microsoft.com/office/drawing/2010/main" Requires="a14">
+      <mc:AlternateContent xmlns:mc="http://schemas.openxmlformats.org/markup-compatibility/2006" xmlns:a14="http://schemas.microsoft.com/office/drawing/2010/main">
+        <mc:Choice Requires="a14">
           <p:sp>
             <p:nvSpPr>
               <p:cNvPr id="9" name="TextBox 8">
@@ -5978,6 +6197,7 @@
               </a:bodyPr>
               <a:lstStyle/>
               <a:p>
+                <a:pPr/>
                 <a14:m>
                   <m:oMathPara xmlns:m="http://schemas.openxmlformats.org/officeDocument/2006/math">
                     <m:oMathParaPr>
@@ -6067,7 +6287,7 @@
             </p:txBody>
           </p:sp>
         </mc:Choice>
-        <mc:Fallback>
+        <mc:Fallback xmlns="">
           <p:sp>
             <p:nvSpPr>
               <p:cNvPr id="9" name="TextBox 8">
@@ -6112,8 +6332,8 @@
           </p:sp>
         </mc:Fallback>
       </mc:AlternateContent>
-      <mc:AlternateContent xmlns:mc="http://schemas.openxmlformats.org/markup-compatibility/2006">
-        <mc:Choice xmlns:a14="http://schemas.microsoft.com/office/drawing/2010/main" Requires="a14">
+      <mc:AlternateContent xmlns:mc="http://schemas.openxmlformats.org/markup-compatibility/2006" xmlns:a14="http://schemas.microsoft.com/office/drawing/2010/main">
+        <mc:Choice Requires="a14">
           <p:sp>
             <p:nvSpPr>
               <p:cNvPr id="10" name="TextBox 9">
@@ -6142,6 +6362,7 @@
               </a:bodyPr>
               <a:lstStyle/>
               <a:p>
+                <a:pPr/>
                 <a14:m>
                   <m:oMathPara xmlns:m="http://schemas.openxmlformats.org/officeDocument/2006/math">
                     <m:oMathParaPr>
@@ -6204,7 +6425,7 @@
             </p:txBody>
           </p:sp>
         </mc:Choice>
-        <mc:Fallback>
+        <mc:Fallback xmlns="">
           <p:sp>
             <p:nvSpPr>
               <p:cNvPr id="10" name="TextBox 9">
@@ -6249,8 +6470,8 @@
           </p:sp>
         </mc:Fallback>
       </mc:AlternateContent>
-      <mc:AlternateContent xmlns:mc="http://schemas.openxmlformats.org/markup-compatibility/2006">
-        <mc:Choice xmlns:a14="http://schemas.microsoft.com/office/drawing/2010/main" Requires="a14">
+      <mc:AlternateContent xmlns:mc="http://schemas.openxmlformats.org/markup-compatibility/2006" xmlns:a14="http://schemas.microsoft.com/office/drawing/2010/main">
+        <mc:Choice Requires="a14">
           <p:sp>
             <p:nvSpPr>
               <p:cNvPr id="11" name="TextBox 10">
@@ -6279,6 +6500,7 @@
               </a:bodyPr>
               <a:lstStyle/>
               <a:p>
+                <a:pPr/>
                 <a14:m>
                   <m:oMathPara xmlns:m="http://schemas.openxmlformats.org/officeDocument/2006/math">
                     <m:oMathParaPr>
@@ -6421,7 +6643,7 @@
             </p:txBody>
           </p:sp>
         </mc:Choice>
-        <mc:Fallback>
+        <mc:Fallback xmlns="">
           <p:sp>
             <p:nvSpPr>
               <p:cNvPr id="11" name="TextBox 10">
@@ -6476,10 +6698,668 @@
   <p:clrMapOvr>
     <a:masterClrMapping/>
   </p:clrMapOvr>
+  <mc:AlternateContent xmlns:mc="http://schemas.openxmlformats.org/markup-compatibility/2006">
+    <mc:Choice xmlns:p14="http://schemas.microsoft.com/office/powerpoint/2010/main" Requires="p14">
+      <p:transition spd="slow" p14:dur="800">
+        <p:fade/>
+      </p:transition>
+    </mc:Choice>
+    <mc:Fallback>
+      <p:transition spd="slow">
+        <p:fade/>
+      </p:transition>
+    </mc:Fallback>
+  </mc:AlternateContent>
 </p:sld>
 </file>
 
 <file path=ppt/slides/slide10.xml><?xml version="1.0" encoding="utf-8"?>
+<p:sld xmlns:a="http://schemas.openxmlformats.org/drawingml/2006/main" xmlns:r="http://schemas.openxmlformats.org/officeDocument/2006/relationships" xmlns:p="http://schemas.openxmlformats.org/presentationml/2006/main">
+  <p:cSld>
+    <p:spTree>
+      <p:nvGrpSpPr>
+        <p:cNvPr id="1" name=""/>
+        <p:cNvGrpSpPr/>
+        <p:nvPr/>
+      </p:nvGrpSpPr>
+      <p:grpSpPr>
+        <a:xfrm>
+          <a:off x="0" y="0"/>
+          <a:ext cx="0" cy="0"/>
+          <a:chOff x="0" y="0"/>
+          <a:chExt cx="0" cy="0"/>
+        </a:xfrm>
+      </p:grpSpPr>
+      <p:sp>
+        <p:nvSpPr>
+          <p:cNvPr id="2" name="Title 1">
+            <a:extLst>
+              <a:ext uri="{FF2B5EF4-FFF2-40B4-BE49-F238E27FC236}">
+                <a16:creationId xmlns:a16="http://schemas.microsoft.com/office/drawing/2014/main" id="{A288C8C4-22B4-D94E-9E4E-5DDD0BA32575}"/>
+              </a:ext>
+            </a:extLst>
+          </p:cNvPr>
+          <p:cNvSpPr>
+            <a:spLocks noGrp="1"/>
+          </p:cNvSpPr>
+          <p:nvPr>
+            <p:ph type="title"/>
+          </p:nvPr>
+        </p:nvSpPr>
+        <p:spPr>
+          <a:xfrm>
+            <a:off x="663431" y="0"/>
+            <a:ext cx="9905998" cy="813955"/>
+          </a:xfrm>
+        </p:spPr>
+        <p:txBody>
+          <a:bodyPr/>
+          <a:lstStyle/>
+          <a:p>
+            <a:r>
+              <a:rPr lang="en-US" dirty="0"/>
+              <a:t>ATE Estimation Results</a:t>
+            </a:r>
+          </a:p>
+        </p:txBody>
+      </p:sp>
+      <p:graphicFrame>
+        <p:nvGraphicFramePr>
+          <p:cNvPr id="4" name="Content Placeholder 3">
+            <a:extLst>
+              <a:ext uri="{FF2B5EF4-FFF2-40B4-BE49-F238E27FC236}">
+                <a16:creationId xmlns:a16="http://schemas.microsoft.com/office/drawing/2014/main" id="{47726FA4-F73A-E94F-95A6-8BB49C990CCF}"/>
+              </a:ext>
+            </a:extLst>
+          </p:cNvPr>
+          <p:cNvGraphicFramePr>
+            <a:graphicFrameLocks noGrp="1"/>
+          </p:cNvGraphicFramePr>
+          <p:nvPr>
+            <p:ph idx="1"/>
+            <p:extLst>
+              <p:ext uri="{D42A27DB-BD31-4B8C-83A1-F6EECF244321}">
+                <p14:modId xmlns:p14="http://schemas.microsoft.com/office/powerpoint/2010/main" val="1665930179"/>
+              </p:ext>
+            </p:extLst>
+          </p:nvPr>
+        </p:nvGraphicFramePr>
+        <p:xfrm>
+          <a:off x="663431" y="1519084"/>
+          <a:ext cx="11002540" cy="4689984"/>
+        </p:xfrm>
+        <a:graphic>
+          <a:graphicData uri="http://schemas.openxmlformats.org/drawingml/2006/table">
+            <a:tbl>
+              <a:tblPr firstRow="1" bandRow="1">
+                <a:tableStyleId>{5C22544A-7EE6-4342-B048-85BDC9FD1C3A}</a:tableStyleId>
+              </a:tblPr>
+              <a:tblGrid>
+                <a:gridCol w="2200508">
+                  <a:extLst>
+                    <a:ext uri="{9D8B030D-6E8A-4147-A177-3AD203B41FA5}">
+                      <a16:colId xmlns:a16="http://schemas.microsoft.com/office/drawing/2014/main" val="4172883840"/>
+                    </a:ext>
+                  </a:extLst>
+                </a:gridCol>
+                <a:gridCol w="2200508">
+                  <a:extLst>
+                    <a:ext uri="{9D8B030D-6E8A-4147-A177-3AD203B41FA5}">
+                      <a16:colId xmlns:a16="http://schemas.microsoft.com/office/drawing/2014/main" val="1001523375"/>
+                    </a:ext>
+                  </a:extLst>
+                </a:gridCol>
+                <a:gridCol w="2200508">
+                  <a:extLst>
+                    <a:ext uri="{9D8B030D-6E8A-4147-A177-3AD203B41FA5}">
+                      <a16:colId xmlns:a16="http://schemas.microsoft.com/office/drawing/2014/main" val="2616206518"/>
+                    </a:ext>
+                  </a:extLst>
+                </a:gridCol>
+                <a:gridCol w="2200508">
+                  <a:extLst>
+                    <a:ext uri="{9D8B030D-6E8A-4147-A177-3AD203B41FA5}">
+                      <a16:colId xmlns:a16="http://schemas.microsoft.com/office/drawing/2014/main" val="2559281583"/>
+                    </a:ext>
+                  </a:extLst>
+                </a:gridCol>
+                <a:gridCol w="2200508">
+                  <a:extLst>
+                    <a:ext uri="{9D8B030D-6E8A-4147-A177-3AD203B41FA5}">
+                      <a16:colId xmlns:a16="http://schemas.microsoft.com/office/drawing/2014/main" val="3316237672"/>
+                    </a:ext>
+                  </a:extLst>
+                </a:gridCol>
+              </a:tblGrid>
+              <a:tr h="1047762">
+                <a:tc>
+                  <a:txBody>
+                    <a:bodyPr/>
+                    <a:lstStyle/>
+                    <a:p>
+                      <a:endParaRPr lang="en-US" dirty="0"/>
+                    </a:p>
+                  </a:txBody>
+                  <a:tcPr/>
+                </a:tc>
+                <a:tc>
+                  <a:txBody>
+                    <a:bodyPr/>
+                    <a:lstStyle/>
+                    <a:p>
+                      <a:r>
+                        <a:rPr lang="en-US" dirty="0"/>
+                        <a:t>Low-Dim ATE Estimate</a:t>
+                      </a:r>
+                    </a:p>
+                  </a:txBody>
+                  <a:tcPr/>
+                </a:tc>
+                <a:tc>
+                  <a:txBody>
+                    <a:bodyPr/>
+                    <a:lstStyle/>
+                    <a:p>
+                      <a:r>
+                        <a:rPr lang="en-US" dirty="0"/>
+                        <a:t>Low-Dim Error (SDs)</a:t>
+                      </a:r>
+                    </a:p>
+                  </a:txBody>
+                  <a:tcPr/>
+                </a:tc>
+                <a:tc>
+                  <a:txBody>
+                    <a:bodyPr/>
+                    <a:lstStyle/>
+                    <a:p>
+                      <a:r>
+                        <a:rPr lang="en-US" dirty="0"/>
+                        <a:t>High-Dim ATE Estimate</a:t>
+                      </a:r>
+                    </a:p>
+                  </a:txBody>
+                  <a:tcPr/>
+                </a:tc>
+                <a:tc>
+                  <a:txBody>
+                    <a:bodyPr/>
+                    <a:lstStyle/>
+                    <a:p>
+                      <a:r>
+                        <a:rPr lang="en-US" dirty="0"/>
+                        <a:t>High-Dim Error (SDs)</a:t>
+                      </a:r>
+                    </a:p>
+                  </a:txBody>
+                  <a:tcPr/>
+                </a:tc>
+                <a:extLst>
+                  <a:ext uri="{0D108BD9-81ED-4DB2-BD59-A6C34878D82A}">
+                    <a16:rowId xmlns:a16="http://schemas.microsoft.com/office/drawing/2014/main" val="2321825210"/>
+                  </a:ext>
+                </a:extLst>
+              </a:tr>
+              <a:tr h="607037">
+                <a:tc>
+                  <a:txBody>
+                    <a:bodyPr/>
+                    <a:lstStyle/>
+                    <a:p>
+                      <a:r>
+                        <a:rPr lang="en-US" dirty="0"/>
+                        <a:t>A1 + D3 + P1</a:t>
+                      </a:r>
+                    </a:p>
+                  </a:txBody>
+                  <a:tcPr/>
+                </a:tc>
+                <a:tc>
+                  <a:txBody>
+                    <a:bodyPr/>
+                    <a:lstStyle/>
+                    <a:p>
+                      <a:r>
+                        <a:rPr lang="en-US" dirty="0"/>
+                        <a:t>1.725128</a:t>
+                      </a:r>
+                    </a:p>
+                  </a:txBody>
+                  <a:tcPr/>
+                </a:tc>
+                <a:tc>
+                  <a:txBody>
+                    <a:bodyPr/>
+                    <a:lstStyle/>
+                    <a:p>
+                      <a:r>
+                        <a:rPr lang="en-US" dirty="0"/>
+                        <a:t>-0.02925137</a:t>
+                      </a:r>
+                    </a:p>
+                  </a:txBody>
+                  <a:tcPr/>
+                </a:tc>
+                <a:tc>
+                  <a:txBody>
+                    <a:bodyPr/>
+                    <a:lstStyle/>
+                    <a:p>
+                      <a:r>
+                        <a:rPr lang="en-US" dirty="0"/>
+                        <a:t>-60.14118</a:t>
+                      </a:r>
+                    </a:p>
+                  </a:txBody>
+                  <a:tcPr/>
+                </a:tc>
+                <a:tc>
+                  <a:txBody>
+                    <a:bodyPr/>
+                    <a:lstStyle/>
+                    <a:p>
+                      <a:r>
+                        <a:rPr lang="en-US" dirty="0"/>
+                        <a:t>-0.09748049</a:t>
+                      </a:r>
+                    </a:p>
+                  </a:txBody>
+                  <a:tcPr/>
+                </a:tc>
+                <a:extLst>
+                  <a:ext uri="{0D108BD9-81ED-4DB2-BD59-A6C34878D82A}">
+                    <a16:rowId xmlns:a16="http://schemas.microsoft.com/office/drawing/2014/main" val="1632148400"/>
+                  </a:ext>
+                </a:extLst>
+              </a:tr>
+              <a:tr h="607037">
+                <a:tc>
+                  <a:txBody>
+                    <a:bodyPr/>
+                    <a:lstStyle/>
+                    <a:p>
+                      <a:r>
+                        <a:rPr lang="en-US" dirty="0"/>
+                        <a:t>A1 + D3 + P2</a:t>
+                      </a:r>
+                    </a:p>
+                  </a:txBody>
+                  <a:tcPr/>
+                </a:tc>
+                <a:tc>
+                  <a:txBody>
+                    <a:bodyPr/>
+                    <a:lstStyle/>
+                    <a:p>
+                      <a:r>
+                        <a:rPr lang="en-US" dirty="0"/>
+                        <a:t>1.171943</a:t>
+                      </a:r>
+                    </a:p>
+                  </a:txBody>
+                  <a:tcPr/>
+                </a:tc>
+                <a:tc>
+                  <a:txBody>
+                    <a:bodyPr/>
+                    <a:lstStyle/>
+                    <a:p>
+                      <a:r>
+                        <a:rPr lang="en-US" dirty="0"/>
+                        <a:t>-0.07358735</a:t>
+                      </a:r>
+                    </a:p>
+                  </a:txBody>
+                  <a:tcPr/>
+                </a:tc>
+                <a:tc>
+                  <a:txBody>
+                    <a:bodyPr/>
+                    <a:lstStyle/>
+                    <a:p>
+                      <a:r>
+                        <a:rPr lang="en-US" dirty="0"/>
+                        <a:t>-57.18506</a:t>
+                      </a:r>
+                    </a:p>
+                  </a:txBody>
+                  <a:tcPr/>
+                </a:tc>
+                <a:tc>
+                  <a:txBody>
+                    <a:bodyPr/>
+                    <a:lstStyle/>
+                    <a:p>
+                      <a:r>
+                        <a:rPr lang="en-US" dirty="0"/>
+                        <a:t>-0.04295943</a:t>
+                      </a:r>
+                    </a:p>
+                  </a:txBody>
+                  <a:tcPr/>
+                </a:tc>
+                <a:extLst>
+                  <a:ext uri="{0D108BD9-81ED-4DB2-BD59-A6C34878D82A}">
+                    <a16:rowId xmlns:a16="http://schemas.microsoft.com/office/drawing/2014/main" val="1632524358"/>
+                  </a:ext>
+                </a:extLst>
+              </a:tr>
+              <a:tr h="607037">
+                <a:tc>
+                  <a:txBody>
+                    <a:bodyPr/>
+                    <a:lstStyle/>
+                    <a:p>
+                      <a:r>
+                        <a:rPr lang="en-US" dirty="0"/>
+                        <a:t>A1 + D3 + P3</a:t>
+                      </a:r>
+                    </a:p>
+                  </a:txBody>
+                  <a:tcPr/>
+                </a:tc>
+                <a:tc>
+                  <a:txBody>
+                    <a:bodyPr/>
+                    <a:lstStyle/>
+                    <a:p>
+                      <a:r>
+                        <a:rPr lang="en-US" dirty="0"/>
+                        <a:t>1.666441</a:t>
+                      </a:r>
+                    </a:p>
+                  </a:txBody>
+                  <a:tcPr/>
+                </a:tc>
+                <a:tc>
+                  <a:txBody>
+                    <a:bodyPr/>
+                    <a:lstStyle/>
+                    <a:p>
+                      <a:r>
+                        <a:rPr lang="en-US" dirty="0"/>
+                        <a:t>-0.03395494</a:t>
+                      </a:r>
+                    </a:p>
+                  </a:txBody>
+                  <a:tcPr/>
+                </a:tc>
+                <a:tc>
+                  <a:txBody>
+                    <a:bodyPr/>
+                    <a:lstStyle/>
+                    <a:p>
+                      <a:r>
+                        <a:rPr lang="en-US" dirty="0"/>
+                        <a:t>-59.20897</a:t>
+                      </a:r>
+                    </a:p>
+                  </a:txBody>
+                  <a:tcPr/>
+                </a:tc>
+                <a:tc>
+                  <a:txBody>
+                    <a:bodyPr/>
+                    <a:lstStyle/>
+                    <a:p>
+                      <a:r>
+                        <a:rPr lang="en-US" dirty="0"/>
+                        <a:t>-0.08028740</a:t>
+                      </a:r>
+                    </a:p>
+                  </a:txBody>
+                  <a:tcPr/>
+                </a:tc>
+                <a:extLst>
+                  <a:ext uri="{0D108BD9-81ED-4DB2-BD59-A6C34878D82A}">
+                    <a16:rowId xmlns:a16="http://schemas.microsoft.com/office/drawing/2014/main" val="1200616311"/>
+                  </a:ext>
+                </a:extLst>
+              </a:tr>
+              <a:tr h="607037">
+                <a:tc>
+                  <a:txBody>
+                    <a:bodyPr/>
+                    <a:lstStyle/>
+                    <a:p>
+                      <a:pPr marL="0" marR="0" lvl="0" indent="0" algn="l" defTabSz="457200" rtl="0" eaLnBrk="1" fontAlgn="auto" latinLnBrk="0" hangingPunct="1">
+                        <a:lnSpc>
+                          <a:spcPct val="100000"/>
+                        </a:lnSpc>
+                        <a:spcBef>
+                          <a:spcPts val="0"/>
+                        </a:spcBef>
+                        <a:spcAft>
+                          <a:spcPts val="0"/>
+                        </a:spcAft>
+                        <a:buClrTx/>
+                        <a:buSzTx/>
+                        <a:buFontTx/>
+                        <a:buNone/>
+                        <a:tabLst/>
+                        <a:defRPr/>
+                      </a:pPr>
+                      <a:r>
+                        <a:rPr lang="en-US" dirty="0"/>
+                        <a:t>A1 + D3 + P4</a:t>
+                      </a:r>
+                    </a:p>
+                  </a:txBody>
+                  <a:tcPr/>
+                </a:tc>
+                <a:tc>
+                  <a:txBody>
+                    <a:bodyPr/>
+                    <a:lstStyle/>
+                    <a:p>
+                      <a:endParaRPr lang="en-US"/>
+                    </a:p>
+                  </a:txBody>
+                  <a:tcPr/>
+                </a:tc>
+                <a:tc>
+                  <a:txBody>
+                    <a:bodyPr/>
+                    <a:lstStyle/>
+                    <a:p>
+                      <a:endParaRPr lang="en-US"/>
+                    </a:p>
+                  </a:txBody>
+                  <a:tcPr/>
+                </a:tc>
+                <a:tc>
+                  <a:txBody>
+                    <a:bodyPr/>
+                    <a:lstStyle/>
+                    <a:p>
+                      <a:endParaRPr lang="en-US"/>
+                    </a:p>
+                  </a:txBody>
+                  <a:tcPr/>
+                </a:tc>
+                <a:tc>
+                  <a:txBody>
+                    <a:bodyPr/>
+                    <a:lstStyle/>
+                    <a:p>
+                      <a:endParaRPr lang="en-US"/>
+                    </a:p>
+                  </a:txBody>
+                  <a:tcPr/>
+                </a:tc>
+                <a:extLst>
+                  <a:ext uri="{0D108BD9-81ED-4DB2-BD59-A6C34878D82A}">
+                    <a16:rowId xmlns:a16="http://schemas.microsoft.com/office/drawing/2014/main" val="2700486332"/>
+                  </a:ext>
+                </a:extLst>
+              </a:tr>
+              <a:tr h="607037">
+                <a:tc>
+                  <a:txBody>
+                    <a:bodyPr/>
+                    <a:lstStyle/>
+                    <a:p>
+                      <a:pPr marL="0" marR="0" lvl="0" indent="0" algn="l" defTabSz="457200" rtl="0" eaLnBrk="1" fontAlgn="auto" latinLnBrk="0" hangingPunct="1">
+                        <a:lnSpc>
+                          <a:spcPct val="100000"/>
+                        </a:lnSpc>
+                        <a:spcBef>
+                          <a:spcPts val="0"/>
+                        </a:spcBef>
+                        <a:spcAft>
+                          <a:spcPts val="0"/>
+                        </a:spcAft>
+                        <a:buClrTx/>
+                        <a:buSzTx/>
+                        <a:buFontTx/>
+                        <a:buNone/>
+                        <a:tabLst/>
+                        <a:defRPr/>
+                      </a:pPr>
+                      <a:r>
+                        <a:rPr lang="en-US" dirty="0"/>
+                        <a:t>A1 + D3 + P5</a:t>
+                      </a:r>
+                    </a:p>
+                  </a:txBody>
+                  <a:tcPr/>
+                </a:tc>
+                <a:tc>
+                  <a:txBody>
+                    <a:bodyPr/>
+                    <a:lstStyle/>
+                    <a:p>
+                      <a:endParaRPr lang="en-US"/>
+                    </a:p>
+                  </a:txBody>
+                  <a:tcPr/>
+                </a:tc>
+                <a:tc>
+                  <a:txBody>
+                    <a:bodyPr/>
+                    <a:lstStyle/>
+                    <a:p>
+                      <a:endParaRPr lang="en-US"/>
+                    </a:p>
+                  </a:txBody>
+                  <a:tcPr/>
+                </a:tc>
+                <a:tc>
+                  <a:txBody>
+                    <a:bodyPr/>
+                    <a:lstStyle/>
+                    <a:p>
+                      <a:endParaRPr lang="en-US"/>
+                    </a:p>
+                  </a:txBody>
+                  <a:tcPr/>
+                </a:tc>
+                <a:tc>
+                  <a:txBody>
+                    <a:bodyPr/>
+                    <a:lstStyle/>
+                    <a:p>
+                      <a:endParaRPr lang="en-US"/>
+                    </a:p>
+                  </a:txBody>
+                  <a:tcPr/>
+                </a:tc>
+                <a:extLst>
+                  <a:ext uri="{0D108BD9-81ED-4DB2-BD59-A6C34878D82A}">
+                    <a16:rowId xmlns:a16="http://schemas.microsoft.com/office/drawing/2014/main" val="3528308903"/>
+                  </a:ext>
+                </a:extLst>
+              </a:tr>
+              <a:tr h="607037">
+                <a:tc>
+                  <a:txBody>
+                    <a:bodyPr/>
+                    <a:lstStyle/>
+                    <a:p>
+                      <a:r>
+                        <a:rPr lang="en-US" dirty="0"/>
+                        <a:t>A7 + P2</a:t>
+                      </a:r>
+                    </a:p>
+                  </a:txBody>
+                  <a:tcPr/>
+                </a:tc>
+                <a:tc>
+                  <a:txBody>
+                    <a:bodyPr/>
+                    <a:lstStyle/>
+                    <a:p>
+                      <a:endParaRPr lang="en-US"/>
+                    </a:p>
+                  </a:txBody>
+                  <a:tcPr/>
+                </a:tc>
+                <a:tc>
+                  <a:txBody>
+                    <a:bodyPr/>
+                    <a:lstStyle/>
+                    <a:p>
+                      <a:endParaRPr lang="en-US"/>
+                    </a:p>
+                  </a:txBody>
+                  <a:tcPr/>
+                </a:tc>
+                <a:tc>
+                  <a:txBody>
+                    <a:bodyPr/>
+                    <a:lstStyle/>
+                    <a:p>
+                      <a:endParaRPr lang="en-US"/>
+                    </a:p>
+                  </a:txBody>
+                  <a:tcPr/>
+                </a:tc>
+                <a:tc>
+                  <a:txBody>
+                    <a:bodyPr/>
+                    <a:lstStyle/>
+                    <a:p>
+                      <a:endParaRPr lang="en-US" dirty="0"/>
+                    </a:p>
+                  </a:txBody>
+                  <a:tcPr/>
+                </a:tc>
+                <a:extLst>
+                  <a:ext uri="{0D108BD9-81ED-4DB2-BD59-A6C34878D82A}">
+                    <a16:rowId xmlns:a16="http://schemas.microsoft.com/office/drawing/2014/main" val="3949335024"/>
+                  </a:ext>
+                </a:extLst>
+              </a:tr>
+            </a:tbl>
+          </a:graphicData>
+        </a:graphic>
+      </p:graphicFrame>
+    </p:spTree>
+    <p:extLst>
+      <p:ext uri="{BB962C8B-B14F-4D97-AF65-F5344CB8AC3E}">
+        <p14:creationId xmlns:p14="http://schemas.microsoft.com/office/powerpoint/2010/main" val="2385975659"/>
+      </p:ext>
+    </p:extLst>
+  </p:cSld>
+  <p:clrMapOvr>
+    <a:masterClrMapping/>
+  </p:clrMapOvr>
+  <mc:AlternateContent xmlns:mc="http://schemas.openxmlformats.org/markup-compatibility/2006">
+    <mc:Choice xmlns:p14="http://schemas.microsoft.com/office/powerpoint/2010/main" Requires="p14">
+      <p:transition spd="slow" p14:dur="800">
+        <p:fade/>
+      </p:transition>
+    </mc:Choice>
+    <mc:Fallback>
+      <p:transition spd="slow">
+        <p:fade/>
+      </p:transition>
+    </mc:Fallback>
+  </mc:AlternateContent>
+</p:sld>
+</file>
+
+<file path=ppt/slides/slide11.xml><?xml version="1.0" encoding="utf-8"?>
 <p:sld xmlns:a="http://schemas.openxmlformats.org/drawingml/2006/main" xmlns:r="http://schemas.openxmlformats.org/officeDocument/2006/relationships" xmlns:p="http://schemas.openxmlformats.org/presentationml/2006/main">
   <p:cSld>
     <p:spTree>
@@ -6514,7 +7394,7 @@
         </p:nvSpPr>
         <p:spPr>
           <a:xfrm>
-            <a:off x="840077" y="0"/>
+            <a:off x="663431" y="265471"/>
             <a:ext cx="9905998" cy="616527"/>
           </a:xfrm>
         </p:spPr>
@@ -6529,31 +7409,571 @@
           </a:p>
         </p:txBody>
       </p:sp>
-      <p:sp>
-        <p:nvSpPr>
-          <p:cNvPr id="3" name="Content Placeholder 2">
+      <p:graphicFrame>
+        <p:nvGraphicFramePr>
+          <p:cNvPr id="4" name="Content Placeholder 3">
             <a:extLst>
               <a:ext uri="{FF2B5EF4-FFF2-40B4-BE49-F238E27FC236}">
-                <a16:creationId xmlns:a16="http://schemas.microsoft.com/office/drawing/2014/main" id="{5183A22F-5601-3D49-9BE9-84173D8E2AF2}"/>
+                <a16:creationId xmlns:a16="http://schemas.microsoft.com/office/drawing/2014/main" id="{B487712B-83B9-214B-9C02-2331B50A80F8}"/>
               </a:ext>
             </a:extLst>
           </p:cNvPr>
-          <p:cNvSpPr>
-            <a:spLocks noGrp="1"/>
-          </p:cNvSpPr>
+          <p:cNvGraphicFramePr>
+            <a:graphicFrameLocks noGrp="1"/>
+          </p:cNvGraphicFramePr>
           <p:nvPr>
             <p:ph idx="1"/>
+            <p:extLst>
+              <p:ext uri="{D42A27DB-BD31-4B8C-83A1-F6EECF244321}">
+                <p14:modId xmlns:p14="http://schemas.microsoft.com/office/powerpoint/2010/main" val="801634835"/>
+              </p:ext>
+            </p:extLst>
           </p:nvPr>
-        </p:nvSpPr>
-        <p:spPr/>
-        <p:txBody>
-          <a:bodyPr/>
-          <a:lstStyle/>
-          <a:p>
-            <a:endParaRPr lang="en-US"/>
-          </a:p>
-        </p:txBody>
-      </p:sp>
+        </p:nvGraphicFramePr>
+        <p:xfrm>
+          <a:off x="663431" y="1519084"/>
+          <a:ext cx="11002540" cy="4689984"/>
+        </p:xfrm>
+        <a:graphic>
+          <a:graphicData uri="http://schemas.openxmlformats.org/drawingml/2006/table">
+            <a:tbl>
+              <a:tblPr firstRow="1" bandRow="1">
+                <a:tableStyleId>{5C22544A-7EE6-4342-B048-85BDC9FD1C3A}</a:tableStyleId>
+              </a:tblPr>
+              <a:tblGrid>
+                <a:gridCol w="2200508">
+                  <a:extLst>
+                    <a:ext uri="{9D8B030D-6E8A-4147-A177-3AD203B41FA5}">
+                      <a16:colId xmlns:a16="http://schemas.microsoft.com/office/drawing/2014/main" val="4172883840"/>
+                    </a:ext>
+                  </a:extLst>
+                </a:gridCol>
+                <a:gridCol w="2200508">
+                  <a:extLst>
+                    <a:ext uri="{9D8B030D-6E8A-4147-A177-3AD203B41FA5}">
+                      <a16:colId xmlns:a16="http://schemas.microsoft.com/office/drawing/2014/main" val="1001523375"/>
+                    </a:ext>
+                  </a:extLst>
+                </a:gridCol>
+                <a:gridCol w="2200508">
+                  <a:extLst>
+                    <a:ext uri="{9D8B030D-6E8A-4147-A177-3AD203B41FA5}">
+                      <a16:colId xmlns:a16="http://schemas.microsoft.com/office/drawing/2014/main" val="2616206518"/>
+                    </a:ext>
+                  </a:extLst>
+                </a:gridCol>
+                <a:gridCol w="2200508">
+                  <a:extLst>
+                    <a:ext uri="{9D8B030D-6E8A-4147-A177-3AD203B41FA5}">
+                      <a16:colId xmlns:a16="http://schemas.microsoft.com/office/drawing/2014/main" val="2559281583"/>
+                    </a:ext>
+                  </a:extLst>
+                </a:gridCol>
+                <a:gridCol w="2200508">
+                  <a:extLst>
+                    <a:ext uri="{9D8B030D-6E8A-4147-A177-3AD203B41FA5}">
+                      <a16:colId xmlns:a16="http://schemas.microsoft.com/office/drawing/2014/main" val="3316237672"/>
+                    </a:ext>
+                  </a:extLst>
+                </a:gridCol>
+              </a:tblGrid>
+              <a:tr h="1047762">
+                <a:tc>
+                  <a:txBody>
+                    <a:bodyPr/>
+                    <a:lstStyle/>
+                    <a:p>
+                      <a:r>
+                        <a:rPr lang="en-US" dirty="0"/>
+                        <a:t>Low-Dimensional Dataset:</a:t>
+                      </a:r>
+                    </a:p>
+                  </a:txBody>
+                  <a:tcPr/>
+                </a:tc>
+                <a:tc>
+                  <a:txBody>
+                    <a:bodyPr/>
+                    <a:lstStyle/>
+                    <a:p>
+                      <a:r>
+                        <a:rPr lang="en-US" dirty="0"/>
+                        <a:t>Propensity Scoring Model Training</a:t>
+                      </a:r>
+                    </a:p>
+                  </a:txBody>
+                  <a:tcPr/>
+                </a:tc>
+                <a:tc>
+                  <a:txBody>
+                    <a:bodyPr/>
+                    <a:lstStyle/>
+                    <a:p>
+                      <a:r>
+                        <a:rPr lang="en-US" dirty="0"/>
+                        <a:t>Propensity Score Estimation</a:t>
+                      </a:r>
+                    </a:p>
+                  </a:txBody>
+                  <a:tcPr/>
+                </a:tc>
+                <a:tc>
+                  <a:txBody>
+                    <a:bodyPr/>
+                    <a:lstStyle/>
+                    <a:p>
+                      <a:r>
+                        <a:rPr lang="en-US" dirty="0"/>
+                        <a:t>Propensity Matching</a:t>
+                      </a:r>
+                    </a:p>
+                  </a:txBody>
+                  <a:tcPr/>
+                </a:tc>
+                <a:tc>
+                  <a:txBody>
+                    <a:bodyPr/>
+                    <a:lstStyle/>
+                    <a:p>
+                      <a:r>
+                        <a:rPr lang="en-US" dirty="0"/>
+                        <a:t>Total</a:t>
+                      </a:r>
+                    </a:p>
+                  </a:txBody>
+                  <a:tcPr/>
+                </a:tc>
+                <a:extLst>
+                  <a:ext uri="{0D108BD9-81ED-4DB2-BD59-A6C34878D82A}">
+                    <a16:rowId xmlns:a16="http://schemas.microsoft.com/office/drawing/2014/main" val="2321825210"/>
+                  </a:ext>
+                </a:extLst>
+              </a:tr>
+              <a:tr h="607037">
+                <a:tc>
+                  <a:txBody>
+                    <a:bodyPr/>
+                    <a:lstStyle/>
+                    <a:p>
+                      <a:r>
+                        <a:rPr lang="en-US" dirty="0"/>
+                        <a:t>A1 + D3 + P1</a:t>
+                      </a:r>
+                    </a:p>
+                  </a:txBody>
+                  <a:tcPr/>
+                </a:tc>
+                <a:tc>
+                  <a:txBody>
+                    <a:bodyPr/>
+                    <a:lstStyle/>
+                    <a:p>
+                      <a:r>
+                        <a:rPr lang="en-US" dirty="0"/>
+                        <a:t>0.021</a:t>
+                      </a:r>
+                    </a:p>
+                  </a:txBody>
+                  <a:tcPr/>
+                </a:tc>
+                <a:tc>
+                  <a:txBody>
+                    <a:bodyPr/>
+                    <a:lstStyle/>
+                    <a:p>
+                      <a:r>
+                        <a:rPr lang="en-US" dirty="0"/>
+                        <a:t>0.001</a:t>
+                      </a:r>
+                    </a:p>
+                  </a:txBody>
+                  <a:tcPr/>
+                </a:tc>
+                <a:tc>
+                  <a:txBody>
+                    <a:bodyPr/>
+                    <a:lstStyle/>
+                    <a:p>
+                      <a:r>
+                        <a:rPr lang="en-US" dirty="0"/>
+                        <a:t>0.309</a:t>
+                      </a:r>
+                    </a:p>
+                  </a:txBody>
+                  <a:tcPr/>
+                </a:tc>
+                <a:tc>
+                  <a:txBody>
+                    <a:bodyPr/>
+                    <a:lstStyle/>
+                    <a:p>
+                      <a:endParaRPr lang="en-US"/>
+                    </a:p>
+                  </a:txBody>
+                  <a:tcPr/>
+                </a:tc>
+                <a:extLst>
+                  <a:ext uri="{0D108BD9-81ED-4DB2-BD59-A6C34878D82A}">
+                    <a16:rowId xmlns:a16="http://schemas.microsoft.com/office/drawing/2014/main" val="1632148400"/>
+                  </a:ext>
+                </a:extLst>
+              </a:tr>
+              <a:tr h="607037">
+                <a:tc>
+                  <a:txBody>
+                    <a:bodyPr/>
+                    <a:lstStyle/>
+                    <a:p>
+                      <a:r>
+                        <a:rPr lang="en-US" dirty="0"/>
+                        <a:t>A1 + D3 + P2</a:t>
+                      </a:r>
+                    </a:p>
+                  </a:txBody>
+                  <a:tcPr/>
+                </a:tc>
+                <a:tc>
+                  <a:txBody>
+                    <a:bodyPr/>
+                    <a:lstStyle/>
+                    <a:p>
+                      <a:r>
+                        <a:rPr lang="en-US" dirty="0"/>
+                        <a:t>0.036</a:t>
+                      </a:r>
+                    </a:p>
+                  </a:txBody>
+                  <a:tcPr/>
+                </a:tc>
+                <a:tc>
+                  <a:txBody>
+                    <a:bodyPr/>
+                    <a:lstStyle/>
+                    <a:p>
+                      <a:r>
+                        <a:rPr lang="en-US" dirty="0"/>
+                        <a:t>0.029</a:t>
+                      </a:r>
+                    </a:p>
+                  </a:txBody>
+                  <a:tcPr/>
+                </a:tc>
+                <a:tc>
+                  <a:txBody>
+                    <a:bodyPr/>
+                    <a:lstStyle/>
+                    <a:p>
+                      <a:r>
+                        <a:rPr lang="en-US" dirty="0"/>
+                        <a:t>0.330</a:t>
+                      </a:r>
+                    </a:p>
+                  </a:txBody>
+                  <a:tcPr/>
+                </a:tc>
+                <a:tc>
+                  <a:txBody>
+                    <a:bodyPr/>
+                    <a:lstStyle/>
+                    <a:p>
+                      <a:endParaRPr lang="en-US"/>
+                    </a:p>
+                  </a:txBody>
+                  <a:tcPr/>
+                </a:tc>
+                <a:extLst>
+                  <a:ext uri="{0D108BD9-81ED-4DB2-BD59-A6C34878D82A}">
+                    <a16:rowId xmlns:a16="http://schemas.microsoft.com/office/drawing/2014/main" val="1632524358"/>
+                  </a:ext>
+                </a:extLst>
+              </a:tr>
+              <a:tr h="607037">
+                <a:tc>
+                  <a:txBody>
+                    <a:bodyPr/>
+                    <a:lstStyle/>
+                    <a:p>
+                      <a:r>
+                        <a:rPr lang="en-US" dirty="0"/>
+                        <a:t>A1 + D3 + P3</a:t>
+                      </a:r>
+                    </a:p>
+                  </a:txBody>
+                  <a:tcPr/>
+                </a:tc>
+                <a:tc>
+                  <a:txBody>
+                    <a:bodyPr/>
+                    <a:lstStyle/>
+                    <a:p>
+                      <a:r>
+                        <a:rPr lang="en-US" dirty="0"/>
+                        <a:t>0.033</a:t>
+                      </a:r>
+                    </a:p>
+                  </a:txBody>
+                  <a:tcPr/>
+                </a:tc>
+                <a:tc>
+                  <a:txBody>
+                    <a:bodyPr/>
+                    <a:lstStyle/>
+                    <a:p>
+                      <a:r>
+                        <a:rPr lang="en-US" dirty="0"/>
+                        <a:t>0.010</a:t>
+                      </a:r>
+                    </a:p>
+                  </a:txBody>
+                  <a:tcPr/>
+                </a:tc>
+                <a:tc>
+                  <a:txBody>
+                    <a:bodyPr/>
+                    <a:lstStyle/>
+                    <a:p>
+                      <a:r>
+                        <a:rPr lang="en-US" dirty="0"/>
+                        <a:t>0.233</a:t>
+                      </a:r>
+                    </a:p>
+                  </a:txBody>
+                  <a:tcPr/>
+                </a:tc>
+                <a:tc>
+                  <a:txBody>
+                    <a:bodyPr/>
+                    <a:lstStyle/>
+                    <a:p>
+                      <a:endParaRPr lang="en-US"/>
+                    </a:p>
+                  </a:txBody>
+                  <a:tcPr/>
+                </a:tc>
+                <a:extLst>
+                  <a:ext uri="{0D108BD9-81ED-4DB2-BD59-A6C34878D82A}">
+                    <a16:rowId xmlns:a16="http://schemas.microsoft.com/office/drawing/2014/main" val="1200616311"/>
+                  </a:ext>
+                </a:extLst>
+              </a:tr>
+              <a:tr h="607037">
+                <a:tc>
+                  <a:txBody>
+                    <a:bodyPr/>
+                    <a:lstStyle/>
+                    <a:p>
+                      <a:pPr marL="0" marR="0" lvl="0" indent="0" algn="l" defTabSz="457200" rtl="0" eaLnBrk="1" fontAlgn="auto" latinLnBrk="0" hangingPunct="1">
+                        <a:lnSpc>
+                          <a:spcPct val="100000"/>
+                        </a:lnSpc>
+                        <a:spcBef>
+                          <a:spcPts val="0"/>
+                        </a:spcBef>
+                        <a:spcAft>
+                          <a:spcPts val="0"/>
+                        </a:spcAft>
+                        <a:buClrTx/>
+                        <a:buSzTx/>
+                        <a:buFontTx/>
+                        <a:buNone/>
+                        <a:tabLst/>
+                        <a:defRPr/>
+                      </a:pPr>
+                      <a:r>
+                        <a:rPr lang="en-US" dirty="0"/>
+                        <a:t>A1 + D3 + P4</a:t>
+                      </a:r>
+                    </a:p>
+                  </a:txBody>
+                  <a:tcPr/>
+                </a:tc>
+                <a:tc>
+                  <a:txBody>
+                    <a:bodyPr/>
+                    <a:lstStyle/>
+                    <a:p>
+                      <a:endParaRPr lang="en-US"/>
+                    </a:p>
+                  </a:txBody>
+                  <a:tcPr/>
+                </a:tc>
+                <a:tc>
+                  <a:txBody>
+                    <a:bodyPr/>
+                    <a:lstStyle/>
+                    <a:p>
+                      <a:endParaRPr lang="en-US"/>
+                    </a:p>
+                  </a:txBody>
+                  <a:tcPr/>
+                </a:tc>
+                <a:tc>
+                  <a:txBody>
+                    <a:bodyPr/>
+                    <a:lstStyle/>
+                    <a:p>
+                      <a:endParaRPr lang="en-US"/>
+                    </a:p>
+                  </a:txBody>
+                  <a:tcPr/>
+                </a:tc>
+                <a:tc>
+                  <a:txBody>
+                    <a:bodyPr/>
+                    <a:lstStyle/>
+                    <a:p>
+                      <a:endParaRPr lang="en-US"/>
+                    </a:p>
+                  </a:txBody>
+                  <a:tcPr/>
+                </a:tc>
+                <a:extLst>
+                  <a:ext uri="{0D108BD9-81ED-4DB2-BD59-A6C34878D82A}">
+                    <a16:rowId xmlns:a16="http://schemas.microsoft.com/office/drawing/2014/main" val="2700486332"/>
+                  </a:ext>
+                </a:extLst>
+              </a:tr>
+              <a:tr h="607037">
+                <a:tc>
+                  <a:txBody>
+                    <a:bodyPr/>
+                    <a:lstStyle/>
+                    <a:p>
+                      <a:pPr marL="0" marR="0" lvl="0" indent="0" algn="l" defTabSz="457200" rtl="0" eaLnBrk="1" fontAlgn="auto" latinLnBrk="0" hangingPunct="1">
+                        <a:lnSpc>
+                          <a:spcPct val="100000"/>
+                        </a:lnSpc>
+                        <a:spcBef>
+                          <a:spcPts val="0"/>
+                        </a:spcBef>
+                        <a:spcAft>
+                          <a:spcPts val="0"/>
+                        </a:spcAft>
+                        <a:buClrTx/>
+                        <a:buSzTx/>
+                        <a:buFontTx/>
+                        <a:buNone/>
+                        <a:tabLst/>
+                        <a:defRPr/>
+                      </a:pPr>
+                      <a:r>
+                        <a:rPr lang="en-US" dirty="0"/>
+                        <a:t>A1 + D3 + P5</a:t>
+                      </a:r>
+                    </a:p>
+                  </a:txBody>
+                  <a:tcPr/>
+                </a:tc>
+                <a:tc>
+                  <a:txBody>
+                    <a:bodyPr/>
+                    <a:lstStyle/>
+                    <a:p>
+                      <a:endParaRPr lang="en-US"/>
+                    </a:p>
+                  </a:txBody>
+                  <a:tcPr/>
+                </a:tc>
+                <a:tc>
+                  <a:txBody>
+                    <a:bodyPr/>
+                    <a:lstStyle/>
+                    <a:p>
+                      <a:endParaRPr lang="en-US"/>
+                    </a:p>
+                  </a:txBody>
+                  <a:tcPr/>
+                </a:tc>
+                <a:tc>
+                  <a:txBody>
+                    <a:bodyPr/>
+                    <a:lstStyle/>
+                    <a:p>
+                      <a:endParaRPr lang="en-US"/>
+                    </a:p>
+                  </a:txBody>
+                  <a:tcPr/>
+                </a:tc>
+                <a:tc>
+                  <a:txBody>
+                    <a:bodyPr/>
+                    <a:lstStyle/>
+                    <a:p>
+                      <a:endParaRPr lang="en-US"/>
+                    </a:p>
+                  </a:txBody>
+                  <a:tcPr/>
+                </a:tc>
+                <a:extLst>
+                  <a:ext uri="{0D108BD9-81ED-4DB2-BD59-A6C34878D82A}">
+                    <a16:rowId xmlns:a16="http://schemas.microsoft.com/office/drawing/2014/main" val="3528308903"/>
+                  </a:ext>
+                </a:extLst>
+              </a:tr>
+              <a:tr h="607037">
+                <a:tc>
+                  <a:txBody>
+                    <a:bodyPr/>
+                    <a:lstStyle/>
+                    <a:p>
+                      <a:r>
+                        <a:rPr lang="en-US" dirty="0"/>
+                        <a:t>A7 + P2</a:t>
+                      </a:r>
+                    </a:p>
+                  </a:txBody>
+                  <a:tcPr/>
+                </a:tc>
+                <a:tc>
+                  <a:txBody>
+                    <a:bodyPr/>
+                    <a:lstStyle/>
+                    <a:p>
+                      <a:endParaRPr lang="en-US"/>
+                    </a:p>
+                  </a:txBody>
+                  <a:tcPr/>
+                </a:tc>
+                <a:tc>
+                  <a:txBody>
+                    <a:bodyPr/>
+                    <a:lstStyle/>
+                    <a:p>
+                      <a:endParaRPr lang="en-US"/>
+                    </a:p>
+                  </a:txBody>
+                  <a:tcPr/>
+                </a:tc>
+                <a:tc>
+                  <a:txBody>
+                    <a:bodyPr/>
+                    <a:lstStyle/>
+                    <a:p>
+                      <a:endParaRPr lang="en-US"/>
+                    </a:p>
+                  </a:txBody>
+                  <a:tcPr/>
+                </a:tc>
+                <a:tc>
+                  <a:txBody>
+                    <a:bodyPr/>
+                    <a:lstStyle/>
+                    <a:p>
+                      <a:endParaRPr lang="en-US" dirty="0"/>
+                    </a:p>
+                  </a:txBody>
+                  <a:tcPr/>
+                </a:tc>
+                <a:extLst>
+                  <a:ext uri="{0D108BD9-81ED-4DB2-BD59-A6C34878D82A}">
+                    <a16:rowId xmlns:a16="http://schemas.microsoft.com/office/drawing/2014/main" val="3949335024"/>
+                  </a:ext>
+                </a:extLst>
+              </a:tr>
+            </a:tbl>
+          </a:graphicData>
+        </a:graphic>
+      </p:graphicFrame>
     </p:spTree>
     <p:extLst>
       <p:ext uri="{BB962C8B-B14F-4D97-AF65-F5344CB8AC3E}">
@@ -6564,10 +7984,663 @@
   <p:clrMapOvr>
     <a:masterClrMapping/>
   </p:clrMapOvr>
+  <mc:AlternateContent xmlns:mc="http://schemas.openxmlformats.org/markup-compatibility/2006">
+    <mc:Choice xmlns:p14="http://schemas.microsoft.com/office/powerpoint/2010/main" Requires="p14">
+      <p:transition spd="slow" p14:dur="800">
+        <p:fade/>
+      </p:transition>
+    </mc:Choice>
+    <mc:Fallback>
+      <p:transition spd="slow">
+        <p:fade/>
+      </p:transition>
+    </mc:Fallback>
+  </mc:AlternateContent>
 </p:sld>
 </file>
 
-<file path=ppt/slides/slide11.xml><?xml version="1.0" encoding="utf-8"?>
+<file path=ppt/slides/slide12.xml><?xml version="1.0" encoding="utf-8"?>
+<p:sld xmlns:a="http://schemas.openxmlformats.org/drawingml/2006/main" xmlns:r="http://schemas.openxmlformats.org/officeDocument/2006/relationships" xmlns:p="http://schemas.openxmlformats.org/presentationml/2006/main">
+  <p:cSld>
+    <p:spTree>
+      <p:nvGrpSpPr>
+        <p:cNvPr id="1" name=""/>
+        <p:cNvGrpSpPr/>
+        <p:nvPr/>
+      </p:nvGrpSpPr>
+      <p:grpSpPr>
+        <a:xfrm>
+          <a:off x="0" y="0"/>
+          <a:ext cx="0" cy="0"/>
+          <a:chOff x="0" y="0"/>
+          <a:chExt cx="0" cy="0"/>
+        </a:xfrm>
+      </p:grpSpPr>
+      <p:sp>
+        <p:nvSpPr>
+          <p:cNvPr id="2" name="Title 1">
+            <a:extLst>
+              <a:ext uri="{FF2B5EF4-FFF2-40B4-BE49-F238E27FC236}">
+                <a16:creationId xmlns:a16="http://schemas.microsoft.com/office/drawing/2014/main" id="{457F7138-9F28-FC45-8DFA-0DAFD0A048C4}"/>
+              </a:ext>
+            </a:extLst>
+          </p:cNvPr>
+          <p:cNvSpPr>
+            <a:spLocks noGrp="1"/>
+          </p:cNvSpPr>
+          <p:nvPr>
+            <p:ph type="title"/>
+          </p:nvPr>
+        </p:nvSpPr>
+        <p:spPr>
+          <a:xfrm>
+            <a:off x="663431" y="265471"/>
+            <a:ext cx="9905998" cy="616527"/>
+          </a:xfrm>
+        </p:spPr>
+        <p:txBody>
+          <a:bodyPr/>
+          <a:lstStyle/>
+          <a:p>
+            <a:r>
+              <a:rPr lang="en-US" dirty="0"/>
+              <a:t>Empirical Time complexity results</a:t>
+            </a:r>
+          </a:p>
+        </p:txBody>
+      </p:sp>
+      <p:graphicFrame>
+        <p:nvGraphicFramePr>
+          <p:cNvPr id="4" name="Content Placeholder 3">
+            <a:extLst>
+              <a:ext uri="{FF2B5EF4-FFF2-40B4-BE49-F238E27FC236}">
+                <a16:creationId xmlns:a16="http://schemas.microsoft.com/office/drawing/2014/main" id="{B487712B-83B9-214B-9C02-2331B50A80F8}"/>
+              </a:ext>
+            </a:extLst>
+          </p:cNvPr>
+          <p:cNvGraphicFramePr>
+            <a:graphicFrameLocks noGrp="1"/>
+          </p:cNvGraphicFramePr>
+          <p:nvPr>
+            <p:ph idx="1"/>
+            <p:extLst>
+              <p:ext uri="{D42A27DB-BD31-4B8C-83A1-F6EECF244321}">
+                <p14:modId xmlns:p14="http://schemas.microsoft.com/office/powerpoint/2010/main" val="3018638305"/>
+              </p:ext>
+            </p:extLst>
+          </p:nvPr>
+        </p:nvGraphicFramePr>
+        <p:xfrm>
+          <a:off x="663431" y="1519084"/>
+          <a:ext cx="11002540" cy="4689984"/>
+        </p:xfrm>
+        <a:graphic>
+          <a:graphicData uri="http://schemas.openxmlformats.org/drawingml/2006/table">
+            <a:tbl>
+              <a:tblPr firstRow="1" bandRow="1">
+                <a:tableStyleId>{5C22544A-7EE6-4342-B048-85BDC9FD1C3A}</a:tableStyleId>
+              </a:tblPr>
+              <a:tblGrid>
+                <a:gridCol w="2200508">
+                  <a:extLst>
+                    <a:ext uri="{9D8B030D-6E8A-4147-A177-3AD203B41FA5}">
+                      <a16:colId xmlns:a16="http://schemas.microsoft.com/office/drawing/2014/main" val="4172883840"/>
+                    </a:ext>
+                  </a:extLst>
+                </a:gridCol>
+                <a:gridCol w="2200508">
+                  <a:extLst>
+                    <a:ext uri="{9D8B030D-6E8A-4147-A177-3AD203B41FA5}">
+                      <a16:colId xmlns:a16="http://schemas.microsoft.com/office/drawing/2014/main" val="1001523375"/>
+                    </a:ext>
+                  </a:extLst>
+                </a:gridCol>
+                <a:gridCol w="2200508">
+                  <a:extLst>
+                    <a:ext uri="{9D8B030D-6E8A-4147-A177-3AD203B41FA5}">
+                      <a16:colId xmlns:a16="http://schemas.microsoft.com/office/drawing/2014/main" val="2616206518"/>
+                    </a:ext>
+                  </a:extLst>
+                </a:gridCol>
+                <a:gridCol w="2200508">
+                  <a:extLst>
+                    <a:ext uri="{9D8B030D-6E8A-4147-A177-3AD203B41FA5}">
+                      <a16:colId xmlns:a16="http://schemas.microsoft.com/office/drawing/2014/main" val="2559281583"/>
+                    </a:ext>
+                  </a:extLst>
+                </a:gridCol>
+                <a:gridCol w="2200508">
+                  <a:extLst>
+                    <a:ext uri="{9D8B030D-6E8A-4147-A177-3AD203B41FA5}">
+                      <a16:colId xmlns:a16="http://schemas.microsoft.com/office/drawing/2014/main" val="3316237672"/>
+                    </a:ext>
+                  </a:extLst>
+                </a:gridCol>
+              </a:tblGrid>
+              <a:tr h="1047762">
+                <a:tc>
+                  <a:txBody>
+                    <a:bodyPr/>
+                    <a:lstStyle/>
+                    <a:p>
+                      <a:r>
+                        <a:rPr lang="en-US" dirty="0"/>
+                        <a:t>High-Dimensional Dataset:</a:t>
+                      </a:r>
+                    </a:p>
+                  </a:txBody>
+                  <a:tcPr/>
+                </a:tc>
+                <a:tc>
+                  <a:txBody>
+                    <a:bodyPr/>
+                    <a:lstStyle/>
+                    <a:p>
+                      <a:r>
+                        <a:rPr lang="en-US" dirty="0"/>
+                        <a:t>Propensity Scoring Model Training</a:t>
+                      </a:r>
+                    </a:p>
+                  </a:txBody>
+                  <a:tcPr/>
+                </a:tc>
+                <a:tc>
+                  <a:txBody>
+                    <a:bodyPr/>
+                    <a:lstStyle/>
+                    <a:p>
+                      <a:r>
+                        <a:rPr lang="en-US" dirty="0"/>
+                        <a:t>Propensity Score Estimation</a:t>
+                      </a:r>
+                    </a:p>
+                  </a:txBody>
+                  <a:tcPr/>
+                </a:tc>
+                <a:tc>
+                  <a:txBody>
+                    <a:bodyPr/>
+                    <a:lstStyle/>
+                    <a:p>
+                      <a:r>
+                        <a:rPr lang="en-US" dirty="0"/>
+                        <a:t>Propensity Matching</a:t>
+                      </a:r>
+                    </a:p>
+                  </a:txBody>
+                  <a:tcPr/>
+                </a:tc>
+                <a:tc>
+                  <a:txBody>
+                    <a:bodyPr/>
+                    <a:lstStyle/>
+                    <a:p>
+                      <a:r>
+                        <a:rPr lang="en-US" dirty="0"/>
+                        <a:t>Total</a:t>
+                      </a:r>
+                    </a:p>
+                  </a:txBody>
+                  <a:tcPr/>
+                </a:tc>
+                <a:extLst>
+                  <a:ext uri="{0D108BD9-81ED-4DB2-BD59-A6C34878D82A}">
+                    <a16:rowId xmlns:a16="http://schemas.microsoft.com/office/drawing/2014/main" val="2321825210"/>
+                  </a:ext>
+                </a:extLst>
+              </a:tr>
+              <a:tr h="607037">
+                <a:tc>
+                  <a:txBody>
+                    <a:bodyPr/>
+                    <a:lstStyle/>
+                    <a:p>
+                      <a:r>
+                        <a:rPr lang="en-US" dirty="0"/>
+                        <a:t>A1 + D3 + P1</a:t>
+                      </a:r>
+                    </a:p>
+                  </a:txBody>
+                  <a:tcPr/>
+                </a:tc>
+                <a:tc>
+                  <a:txBody>
+                    <a:bodyPr/>
+                    <a:lstStyle/>
+                    <a:p>
+                      <a:r>
+                        <a:rPr lang="en-US" dirty="0"/>
+                        <a:t>0.452</a:t>
+                      </a:r>
+                    </a:p>
+                  </a:txBody>
+                  <a:tcPr/>
+                </a:tc>
+                <a:tc>
+                  <a:txBody>
+                    <a:bodyPr/>
+                    <a:lstStyle/>
+                    <a:p>
+                      <a:r>
+                        <a:rPr lang="en-US" dirty="0"/>
+                        <a:t>0.006</a:t>
+                      </a:r>
+                    </a:p>
+                  </a:txBody>
+                  <a:tcPr/>
+                </a:tc>
+                <a:tc>
+                  <a:txBody>
+                    <a:bodyPr/>
+                    <a:lstStyle/>
+                    <a:p>
+                      <a:r>
+                        <a:rPr lang="en-US" dirty="0"/>
+                        <a:t>4.211</a:t>
+                      </a:r>
+                    </a:p>
+                  </a:txBody>
+                  <a:tcPr/>
+                </a:tc>
+                <a:tc>
+                  <a:txBody>
+                    <a:bodyPr/>
+                    <a:lstStyle/>
+                    <a:p>
+                      <a:endParaRPr lang="en-US"/>
+                    </a:p>
+                  </a:txBody>
+                  <a:tcPr/>
+                </a:tc>
+                <a:extLst>
+                  <a:ext uri="{0D108BD9-81ED-4DB2-BD59-A6C34878D82A}">
+                    <a16:rowId xmlns:a16="http://schemas.microsoft.com/office/drawing/2014/main" val="1632148400"/>
+                  </a:ext>
+                </a:extLst>
+              </a:tr>
+              <a:tr h="607037">
+                <a:tc>
+                  <a:txBody>
+                    <a:bodyPr/>
+                    <a:lstStyle/>
+                    <a:p>
+                      <a:r>
+                        <a:rPr lang="en-US" dirty="0"/>
+                        <a:t>A1 + D3 + P2</a:t>
+                      </a:r>
+                    </a:p>
+                  </a:txBody>
+                  <a:tcPr/>
+                </a:tc>
+                <a:tc>
+                  <a:txBody>
+                    <a:bodyPr/>
+                    <a:lstStyle/>
+                    <a:p>
+                      <a:r>
+                        <a:rPr lang="en-US" dirty="0"/>
+                        <a:t>3.788</a:t>
+                      </a:r>
+                    </a:p>
+                  </a:txBody>
+                  <a:tcPr/>
+                </a:tc>
+                <a:tc>
+                  <a:txBody>
+                    <a:bodyPr/>
+                    <a:lstStyle/>
+                    <a:p>
+                      <a:r>
+                        <a:rPr lang="en-US" dirty="0"/>
+                        <a:t>0.018</a:t>
+                      </a:r>
+                    </a:p>
+                  </a:txBody>
+                  <a:tcPr/>
+                </a:tc>
+                <a:tc>
+                  <a:txBody>
+                    <a:bodyPr/>
+                    <a:lstStyle/>
+                    <a:p>
+                      <a:r>
+                        <a:rPr lang="en-US" dirty="0"/>
+                        <a:t>2.934</a:t>
+                      </a:r>
+                    </a:p>
+                  </a:txBody>
+                  <a:tcPr/>
+                </a:tc>
+                <a:tc>
+                  <a:txBody>
+                    <a:bodyPr/>
+                    <a:lstStyle/>
+                    <a:p>
+                      <a:endParaRPr lang="en-US"/>
+                    </a:p>
+                  </a:txBody>
+                  <a:tcPr/>
+                </a:tc>
+                <a:extLst>
+                  <a:ext uri="{0D108BD9-81ED-4DB2-BD59-A6C34878D82A}">
+                    <a16:rowId xmlns:a16="http://schemas.microsoft.com/office/drawing/2014/main" val="1632524358"/>
+                  </a:ext>
+                </a:extLst>
+              </a:tr>
+              <a:tr h="607037">
+                <a:tc>
+                  <a:txBody>
+                    <a:bodyPr/>
+                    <a:lstStyle/>
+                    <a:p>
+                      <a:r>
+                        <a:rPr lang="en-US" dirty="0"/>
+                        <a:t>A1 + D3 + P3</a:t>
+                      </a:r>
+                    </a:p>
+                  </a:txBody>
+                  <a:tcPr/>
+                </a:tc>
+                <a:tc>
+                  <a:txBody>
+                    <a:bodyPr/>
+                    <a:lstStyle/>
+                    <a:p>
+                      <a:r>
+                        <a:rPr lang="en-US" dirty="0"/>
+                        <a:t>0.807</a:t>
+                      </a:r>
+                    </a:p>
+                  </a:txBody>
+                  <a:tcPr/>
+                </a:tc>
+                <a:tc>
+                  <a:txBody>
+                    <a:bodyPr/>
+                    <a:lstStyle/>
+                    <a:p>
+                      <a:r>
+                        <a:rPr lang="en-US" dirty="0"/>
+                        <a:t>0.014</a:t>
+                      </a:r>
+                    </a:p>
+                  </a:txBody>
+                  <a:tcPr/>
+                </a:tc>
+                <a:tc>
+                  <a:txBody>
+                    <a:bodyPr/>
+                    <a:lstStyle/>
+                    <a:p>
+                      <a:r>
+                        <a:rPr lang="en-US"/>
+                        <a:t>2.857</a:t>
+                      </a:r>
+                      <a:endParaRPr lang="en-US" dirty="0"/>
+                    </a:p>
+                  </a:txBody>
+                  <a:tcPr/>
+                </a:tc>
+                <a:tc>
+                  <a:txBody>
+                    <a:bodyPr/>
+                    <a:lstStyle/>
+                    <a:p>
+                      <a:endParaRPr lang="en-US"/>
+                    </a:p>
+                  </a:txBody>
+                  <a:tcPr/>
+                </a:tc>
+                <a:extLst>
+                  <a:ext uri="{0D108BD9-81ED-4DB2-BD59-A6C34878D82A}">
+                    <a16:rowId xmlns:a16="http://schemas.microsoft.com/office/drawing/2014/main" val="1200616311"/>
+                  </a:ext>
+                </a:extLst>
+              </a:tr>
+              <a:tr h="607037">
+                <a:tc>
+                  <a:txBody>
+                    <a:bodyPr/>
+                    <a:lstStyle/>
+                    <a:p>
+                      <a:pPr marL="0" marR="0" lvl="0" indent="0" algn="l" defTabSz="457200" rtl="0" eaLnBrk="1" fontAlgn="auto" latinLnBrk="0" hangingPunct="1">
+                        <a:lnSpc>
+                          <a:spcPct val="100000"/>
+                        </a:lnSpc>
+                        <a:spcBef>
+                          <a:spcPts val="0"/>
+                        </a:spcBef>
+                        <a:spcAft>
+                          <a:spcPts val="0"/>
+                        </a:spcAft>
+                        <a:buClrTx/>
+                        <a:buSzTx/>
+                        <a:buFontTx/>
+                        <a:buNone/>
+                        <a:tabLst/>
+                        <a:defRPr/>
+                      </a:pPr>
+                      <a:r>
+                        <a:rPr lang="en-US" dirty="0"/>
+                        <a:t>A1 + D3 + P4</a:t>
+                      </a:r>
+                    </a:p>
+                  </a:txBody>
+                  <a:tcPr/>
+                </a:tc>
+                <a:tc>
+                  <a:txBody>
+                    <a:bodyPr/>
+                    <a:lstStyle/>
+                    <a:p>
+                      <a:endParaRPr lang="en-US"/>
+                    </a:p>
+                  </a:txBody>
+                  <a:tcPr/>
+                </a:tc>
+                <a:tc>
+                  <a:txBody>
+                    <a:bodyPr/>
+                    <a:lstStyle/>
+                    <a:p>
+                      <a:endParaRPr lang="en-US"/>
+                    </a:p>
+                  </a:txBody>
+                  <a:tcPr/>
+                </a:tc>
+                <a:tc>
+                  <a:txBody>
+                    <a:bodyPr/>
+                    <a:lstStyle/>
+                    <a:p>
+                      <a:endParaRPr lang="en-US"/>
+                    </a:p>
+                  </a:txBody>
+                  <a:tcPr/>
+                </a:tc>
+                <a:tc>
+                  <a:txBody>
+                    <a:bodyPr/>
+                    <a:lstStyle/>
+                    <a:p>
+                      <a:endParaRPr lang="en-US"/>
+                    </a:p>
+                  </a:txBody>
+                  <a:tcPr/>
+                </a:tc>
+                <a:extLst>
+                  <a:ext uri="{0D108BD9-81ED-4DB2-BD59-A6C34878D82A}">
+                    <a16:rowId xmlns:a16="http://schemas.microsoft.com/office/drawing/2014/main" val="2700486332"/>
+                  </a:ext>
+                </a:extLst>
+              </a:tr>
+              <a:tr h="607037">
+                <a:tc>
+                  <a:txBody>
+                    <a:bodyPr/>
+                    <a:lstStyle/>
+                    <a:p>
+                      <a:pPr marL="0" marR="0" lvl="0" indent="0" algn="l" defTabSz="457200" rtl="0" eaLnBrk="1" fontAlgn="auto" latinLnBrk="0" hangingPunct="1">
+                        <a:lnSpc>
+                          <a:spcPct val="100000"/>
+                        </a:lnSpc>
+                        <a:spcBef>
+                          <a:spcPts val="0"/>
+                        </a:spcBef>
+                        <a:spcAft>
+                          <a:spcPts val="0"/>
+                        </a:spcAft>
+                        <a:buClrTx/>
+                        <a:buSzTx/>
+                        <a:buFontTx/>
+                        <a:buNone/>
+                        <a:tabLst/>
+                        <a:defRPr/>
+                      </a:pPr>
+                      <a:r>
+                        <a:rPr lang="en-US" dirty="0"/>
+                        <a:t>A1 + D3 + P5</a:t>
+                      </a:r>
+                    </a:p>
+                  </a:txBody>
+                  <a:tcPr/>
+                </a:tc>
+                <a:tc>
+                  <a:txBody>
+                    <a:bodyPr/>
+                    <a:lstStyle/>
+                    <a:p>
+                      <a:endParaRPr lang="en-US"/>
+                    </a:p>
+                  </a:txBody>
+                  <a:tcPr/>
+                </a:tc>
+                <a:tc>
+                  <a:txBody>
+                    <a:bodyPr/>
+                    <a:lstStyle/>
+                    <a:p>
+                      <a:endParaRPr lang="en-US"/>
+                    </a:p>
+                  </a:txBody>
+                  <a:tcPr/>
+                </a:tc>
+                <a:tc>
+                  <a:txBody>
+                    <a:bodyPr/>
+                    <a:lstStyle/>
+                    <a:p>
+                      <a:endParaRPr lang="en-US"/>
+                    </a:p>
+                  </a:txBody>
+                  <a:tcPr/>
+                </a:tc>
+                <a:tc>
+                  <a:txBody>
+                    <a:bodyPr/>
+                    <a:lstStyle/>
+                    <a:p>
+                      <a:endParaRPr lang="en-US"/>
+                    </a:p>
+                  </a:txBody>
+                  <a:tcPr/>
+                </a:tc>
+                <a:extLst>
+                  <a:ext uri="{0D108BD9-81ED-4DB2-BD59-A6C34878D82A}">
+                    <a16:rowId xmlns:a16="http://schemas.microsoft.com/office/drawing/2014/main" val="3528308903"/>
+                  </a:ext>
+                </a:extLst>
+              </a:tr>
+              <a:tr h="607037">
+                <a:tc>
+                  <a:txBody>
+                    <a:bodyPr/>
+                    <a:lstStyle/>
+                    <a:p>
+                      <a:r>
+                        <a:rPr lang="en-US" dirty="0"/>
+                        <a:t>A7 + P2</a:t>
+                      </a:r>
+                    </a:p>
+                  </a:txBody>
+                  <a:tcPr/>
+                </a:tc>
+                <a:tc>
+                  <a:txBody>
+                    <a:bodyPr/>
+                    <a:lstStyle/>
+                    <a:p>
+                      <a:endParaRPr lang="en-US"/>
+                    </a:p>
+                  </a:txBody>
+                  <a:tcPr/>
+                </a:tc>
+                <a:tc>
+                  <a:txBody>
+                    <a:bodyPr/>
+                    <a:lstStyle/>
+                    <a:p>
+                      <a:endParaRPr lang="en-US"/>
+                    </a:p>
+                  </a:txBody>
+                  <a:tcPr/>
+                </a:tc>
+                <a:tc>
+                  <a:txBody>
+                    <a:bodyPr/>
+                    <a:lstStyle/>
+                    <a:p>
+                      <a:endParaRPr lang="en-US"/>
+                    </a:p>
+                  </a:txBody>
+                  <a:tcPr/>
+                </a:tc>
+                <a:tc>
+                  <a:txBody>
+                    <a:bodyPr/>
+                    <a:lstStyle/>
+                    <a:p>
+                      <a:endParaRPr lang="en-US" dirty="0"/>
+                    </a:p>
+                  </a:txBody>
+                  <a:tcPr/>
+                </a:tc>
+                <a:extLst>
+                  <a:ext uri="{0D108BD9-81ED-4DB2-BD59-A6C34878D82A}">
+                    <a16:rowId xmlns:a16="http://schemas.microsoft.com/office/drawing/2014/main" val="3949335024"/>
+                  </a:ext>
+                </a:extLst>
+              </a:tr>
+            </a:tbl>
+          </a:graphicData>
+        </a:graphic>
+      </p:graphicFrame>
+    </p:spTree>
+    <p:extLst>
+      <p:ext uri="{BB962C8B-B14F-4D97-AF65-F5344CB8AC3E}">
+        <p14:creationId xmlns:p14="http://schemas.microsoft.com/office/powerpoint/2010/main" val="1175372878"/>
+      </p:ext>
+    </p:extLst>
+  </p:cSld>
+  <p:clrMapOvr>
+    <a:masterClrMapping/>
+  </p:clrMapOvr>
+  <mc:AlternateContent xmlns:mc="http://schemas.openxmlformats.org/markup-compatibility/2006">
+    <mc:Choice xmlns:p14="http://schemas.microsoft.com/office/powerpoint/2010/main" Requires="p14">
+      <p:transition spd="slow" p14:dur="800">
+        <p:fade/>
+      </p:transition>
+    </mc:Choice>
+    <mc:Fallback>
+      <p:transition spd="slow">
+        <p:fade/>
+      </p:transition>
+    </mc:Fallback>
+  </mc:AlternateContent>
+</p:sld>
+</file>
+
+<file path=ppt/slides/slide13.xml><?xml version="1.0" encoding="utf-8"?>
 <p:sld xmlns:a="http://schemas.openxmlformats.org/drawingml/2006/main" xmlns:r="http://schemas.openxmlformats.org/officeDocument/2006/relationships" xmlns:p="http://schemas.openxmlformats.org/presentationml/2006/main">
   <p:cSld>
     <p:spTree>
@@ -6647,6 +8720,18 @@
   <p:clrMapOvr>
     <a:masterClrMapping/>
   </p:clrMapOvr>
+  <mc:AlternateContent xmlns:mc="http://schemas.openxmlformats.org/markup-compatibility/2006">
+    <mc:Choice xmlns:p14="http://schemas.microsoft.com/office/powerpoint/2010/main" Requires="p14">
+      <p:transition spd="slow" p14:dur="800">
+        <p:fade/>
+      </p:transition>
+    </mc:Choice>
+    <mc:Fallback>
+      <p:transition spd="slow">
+        <p:fade/>
+      </p:transition>
+    </mc:Fallback>
+  </mc:AlternateContent>
 </p:sld>
 </file>
 
@@ -6765,6 +8850,18 @@
   <p:clrMapOvr>
     <a:masterClrMapping/>
   </p:clrMapOvr>
+  <mc:AlternateContent xmlns:mc="http://schemas.openxmlformats.org/markup-compatibility/2006">
+    <mc:Choice xmlns:p14="http://schemas.microsoft.com/office/powerpoint/2010/main" Requires="p14">
+      <p:transition spd="slow" p14:dur="800">
+        <p:fade/>
+      </p:transition>
+    </mc:Choice>
+    <mc:Fallback>
+      <p:transition spd="slow">
+        <p:fade/>
+      </p:transition>
+    </mc:Fallback>
+  </mc:AlternateContent>
 </p:sld>
 </file>
 
@@ -7361,6 +9458,18 @@
   <p:clrMapOvr>
     <a:masterClrMapping/>
   </p:clrMapOvr>
+  <mc:AlternateContent xmlns:mc="http://schemas.openxmlformats.org/markup-compatibility/2006">
+    <mc:Choice xmlns:p14="http://schemas.microsoft.com/office/powerpoint/2010/main" Requires="p14">
+      <p:transition spd="slow" p14:dur="800">
+        <p:fade/>
+      </p:transition>
+    </mc:Choice>
+    <mc:Fallback>
+      <p:transition spd="slow">
+        <p:fade/>
+      </p:transition>
+    </mc:Fallback>
+  </mc:AlternateContent>
 </p:sld>
 </file>
 
@@ -7496,8 +9605,8 @@
           </a:p>
         </p:txBody>
       </p:sp>
-      <mc:AlternateContent xmlns:mc="http://schemas.openxmlformats.org/markup-compatibility/2006">
-        <mc:Choice xmlns:a14="http://schemas.microsoft.com/office/drawing/2010/main" Requires="a14">
+      <mc:AlternateContent xmlns:mc="http://schemas.openxmlformats.org/markup-compatibility/2006" xmlns:a14="http://schemas.microsoft.com/office/drawing/2010/main">
+        <mc:Choice Requires="a14">
           <p:sp>
             <p:nvSpPr>
               <p:cNvPr id="8" name="TextBox 7">
@@ -7526,6 +9635,7 @@
               </a:bodyPr>
               <a:lstStyle/>
               <a:p>
+                <a:pPr/>
                 <a14:m>
                   <m:oMathPara xmlns:m="http://schemas.openxmlformats.org/officeDocument/2006/math">
                     <m:oMathParaPr>
@@ -7639,7 +9749,7 @@
             </p:txBody>
           </p:sp>
         </mc:Choice>
-        <mc:Fallback>
+        <mc:Fallback xmlns="">
           <p:sp>
             <p:nvSpPr>
               <p:cNvPr id="8" name="TextBox 7">
@@ -7921,8 +10031,8 @@
           </a:p>
         </p:txBody>
       </p:sp>
-      <mc:AlternateContent xmlns:mc="http://schemas.openxmlformats.org/markup-compatibility/2006">
-        <mc:Choice xmlns:a14="http://schemas.microsoft.com/office/drawing/2010/main" Requires="a14">
+      <mc:AlternateContent xmlns:mc="http://schemas.openxmlformats.org/markup-compatibility/2006" xmlns:a14="http://schemas.microsoft.com/office/drawing/2010/main">
+        <mc:Choice Requires="a14">
           <p:sp>
             <p:nvSpPr>
               <p:cNvPr id="16" name="TextBox 15">
@@ -8040,7 +10150,7 @@
             </p:txBody>
           </p:sp>
         </mc:Choice>
-        <mc:Fallback>
+        <mc:Fallback xmlns="">
           <p:sp>
             <p:nvSpPr>
               <p:cNvPr id="16" name="TextBox 15">
@@ -8167,8 +10277,8 @@
           </a:p>
         </p:txBody>
       </p:sp>
-      <mc:AlternateContent xmlns:mc="http://schemas.openxmlformats.org/markup-compatibility/2006">
-        <mc:Choice xmlns:a14="http://schemas.microsoft.com/office/drawing/2010/main" Requires="a14">
+      <mc:AlternateContent xmlns:mc="http://schemas.openxmlformats.org/markup-compatibility/2006" xmlns:a14="http://schemas.microsoft.com/office/drawing/2010/main">
+        <mc:Choice Requires="a14">
           <p:sp>
             <p:nvSpPr>
               <p:cNvPr id="19" name="TextBox 18">
@@ -8197,6 +10307,7 @@
               </a:bodyPr>
               <a:lstStyle/>
               <a:p>
+                <a:pPr/>
                 <a14:m>
                   <m:oMathPara xmlns:m="http://schemas.openxmlformats.org/officeDocument/2006/math">
                     <m:oMathParaPr>
@@ -8310,7 +10421,7 @@
             </p:txBody>
           </p:sp>
         </mc:Choice>
-        <mc:Fallback>
+        <mc:Fallback xmlns="">
           <p:sp>
             <p:nvSpPr>
               <p:cNvPr id="19" name="TextBox 18">
@@ -8438,8 +10549,8 @@
           </a:p>
         </p:txBody>
       </p:sp>
-      <mc:AlternateContent xmlns:mc="http://schemas.openxmlformats.org/markup-compatibility/2006">
-        <mc:Choice xmlns:a14="http://schemas.microsoft.com/office/drawing/2010/main" Requires="a14">
+      <mc:AlternateContent xmlns:mc="http://schemas.openxmlformats.org/markup-compatibility/2006" xmlns:a14="http://schemas.microsoft.com/office/drawing/2010/main">
+        <mc:Choice Requires="a14">
           <p:sp>
             <p:nvSpPr>
               <p:cNvPr id="22" name="TextBox 21">
@@ -8557,7 +10668,7 @@
             </p:txBody>
           </p:sp>
         </mc:Choice>
-        <mc:Fallback>
+        <mc:Fallback xmlns="">
           <p:sp>
             <p:nvSpPr>
               <p:cNvPr id="22" name="TextBox 21">
@@ -8612,6 +10723,18 @@
   <p:clrMapOvr>
     <a:masterClrMapping/>
   </p:clrMapOvr>
+  <mc:AlternateContent xmlns:mc="http://schemas.openxmlformats.org/markup-compatibility/2006">
+    <mc:Choice xmlns:p14="http://schemas.microsoft.com/office/powerpoint/2010/main" Requires="p14">
+      <p:transition spd="slow" p14:dur="800">
+        <p:fade/>
+      </p:transition>
+    </mc:Choice>
+    <mc:Fallback>
+      <p:transition spd="slow">
+        <p:fade/>
+      </p:transition>
+    </mc:Fallback>
+  </mc:AlternateContent>
 </p:sld>
 </file>
 
@@ -9725,7 +11848,7 @@
           <a:p>
             <a:r>
               <a:rPr lang="en-US" dirty="0"/>
-              <a:t>Unconstrained, may not achieve balanced matches</a:t>
+              <a:t>Effective sample size may be smaller due to weighting scheme</a:t>
             </a:r>
           </a:p>
         </p:txBody>
@@ -9740,6 +11863,18 @@
   <p:clrMapOvr>
     <a:masterClrMapping/>
   </p:clrMapOvr>
+  <mc:AlternateContent xmlns:mc="http://schemas.openxmlformats.org/markup-compatibility/2006">
+    <mc:Choice xmlns:p14="http://schemas.microsoft.com/office/powerpoint/2010/main" Requires="p14">
+      <p:transition spd="slow" p14:dur="800">
+        <p:fade/>
+      </p:transition>
+    </mc:Choice>
+    <mc:Fallback>
+      <p:transition spd="slow">
+        <p:fade/>
+      </p:transition>
+    </mc:Fallback>
+  </mc:AlternateContent>
 </p:sld>
 </file>
 
@@ -10836,6 +12971,18 @@
   <p:clrMapOvr>
     <a:masterClrMapping/>
   </p:clrMapOvr>
+  <mc:AlternateContent xmlns:mc="http://schemas.openxmlformats.org/markup-compatibility/2006">
+    <mc:Choice xmlns:p14="http://schemas.microsoft.com/office/powerpoint/2010/main" Requires="p14">
+      <p:transition spd="slow" p14:dur="800">
+        <p:fade/>
+      </p:transition>
+    </mc:Choice>
+    <mc:Fallback>
+      <p:transition spd="slow">
+        <p:fade/>
+      </p:transition>
+    </mc:Fallback>
+  </mc:AlternateContent>
 </p:sld>
 </file>
 
@@ -10905,15 +13052,116 @@
             <p:ph idx="1"/>
           </p:nvPr>
         </p:nvSpPr>
-        <p:spPr/>
+        <p:spPr>
+          <a:xfrm>
+            <a:off x="788122" y="929588"/>
+            <a:ext cx="9905998" cy="723366"/>
+          </a:xfrm>
+        </p:spPr>
         <p:txBody>
           <a:bodyPr/>
           <a:lstStyle/>
           <a:p>
-            <a:endParaRPr lang="en-US"/>
+            <a:pPr marL="0" indent="0">
+              <a:buNone/>
+            </a:pPr>
+            <a:r>
+              <a:rPr lang="en-US" dirty="0"/>
+              <a:t>Implement from scratch?</a:t>
+            </a:r>
           </a:p>
         </p:txBody>
       </p:sp>
+      <p:pic>
+        <p:nvPicPr>
+          <p:cNvPr id="5" name="Picture 4">
+            <a:extLst>
+              <a:ext uri="{FF2B5EF4-FFF2-40B4-BE49-F238E27FC236}">
+                <a16:creationId xmlns:a16="http://schemas.microsoft.com/office/drawing/2014/main" id="{F3FF67F7-B088-F845-9CC6-E62E548871F5}"/>
+              </a:ext>
+            </a:extLst>
+          </p:cNvPr>
+          <p:cNvPicPr>
+            <a:picLocks noChangeAspect="1"/>
+          </p:cNvPicPr>
+          <p:nvPr/>
+        </p:nvPicPr>
+        <p:blipFill>
+          <a:blip r:embed="rId2"/>
+          <a:stretch>
+            <a:fillRect/>
+          </a:stretch>
+        </p:blipFill>
+        <p:spPr>
+          <a:xfrm>
+            <a:off x="1194520" y="1652954"/>
+            <a:ext cx="9499600" cy="4749800"/>
+          </a:xfrm>
+          <a:prstGeom prst="rect">
+            <a:avLst/>
+          </a:prstGeom>
+        </p:spPr>
+      </p:pic>
+      <p:pic>
+        <p:nvPicPr>
+          <p:cNvPr id="7" name="Picture 6">
+            <a:extLst>
+              <a:ext uri="{FF2B5EF4-FFF2-40B4-BE49-F238E27FC236}">
+                <a16:creationId xmlns:a16="http://schemas.microsoft.com/office/drawing/2014/main" id="{28B505AA-4AE1-3942-869E-4ECC3326795F}"/>
+              </a:ext>
+            </a:extLst>
+          </p:cNvPr>
+          <p:cNvPicPr>
+            <a:picLocks noChangeAspect="1"/>
+          </p:cNvPicPr>
+          <p:nvPr/>
+        </p:nvPicPr>
+        <p:blipFill>
+          <a:blip r:embed="rId3"/>
+          <a:stretch>
+            <a:fillRect/>
+          </a:stretch>
+        </p:blipFill>
+        <p:spPr>
+          <a:xfrm>
+            <a:off x="1137370" y="1652954"/>
+            <a:ext cx="9613900" cy="2324100"/>
+          </a:xfrm>
+          <a:prstGeom prst="rect">
+            <a:avLst/>
+          </a:prstGeom>
+        </p:spPr>
+      </p:pic>
+      <p:pic>
+        <p:nvPicPr>
+          <p:cNvPr id="9" name="Picture 8">
+            <a:extLst>
+              <a:ext uri="{FF2B5EF4-FFF2-40B4-BE49-F238E27FC236}">
+                <a16:creationId xmlns:a16="http://schemas.microsoft.com/office/drawing/2014/main" id="{5CBB580B-E4C2-1A43-88F8-0372F37E87B7}"/>
+              </a:ext>
+            </a:extLst>
+          </p:cNvPr>
+          <p:cNvPicPr>
+            <a:picLocks noChangeAspect="1"/>
+          </p:cNvPicPr>
+          <p:nvPr/>
+        </p:nvPicPr>
+        <p:blipFill>
+          <a:blip r:embed="rId4"/>
+          <a:stretch>
+            <a:fillRect/>
+          </a:stretch>
+        </p:blipFill>
+        <p:spPr>
+          <a:xfrm>
+            <a:off x="1137370" y="4091354"/>
+            <a:ext cx="9626600" cy="2311400"/>
+          </a:xfrm>
+          <a:prstGeom prst="rect">
+            <a:avLst/>
+          </a:prstGeom>
+        </p:spPr>
+      </p:pic>
     </p:spTree>
     <p:extLst>
       <p:ext uri="{BB962C8B-B14F-4D97-AF65-F5344CB8AC3E}">
@@ -10924,10 +13172,1335 @@
   <p:clrMapOvr>
     <a:masterClrMapping/>
   </p:clrMapOvr>
+  <mc:AlternateContent xmlns:mc="http://schemas.openxmlformats.org/markup-compatibility/2006">
+    <mc:Choice xmlns:p14="http://schemas.microsoft.com/office/powerpoint/2010/main" Requires="p14">
+      <p:transition spd="slow" p14:dur="800">
+        <p:fade/>
+      </p:transition>
+    </mc:Choice>
+    <mc:Fallback>
+      <p:transition spd="slow">
+        <p:fade/>
+      </p:transition>
+    </mc:Fallback>
+  </mc:AlternateContent>
+  <p:timing>
+    <p:tnLst>
+      <p:par>
+        <p:cTn id="1" dur="indefinite" restart="never" nodeType="tmRoot">
+          <p:childTnLst>
+            <p:seq concurrent="1" nextAc="seek">
+              <p:cTn id="2" dur="indefinite" nodeType="mainSeq">
+                <p:childTnLst>
+                  <p:par>
+                    <p:cTn id="3" fill="hold">
+                      <p:stCondLst>
+                        <p:cond delay="indefinite"/>
+                      </p:stCondLst>
+                      <p:childTnLst>
+                        <p:par>
+                          <p:cTn id="4" fill="hold">
+                            <p:stCondLst>
+                              <p:cond delay="0"/>
+                            </p:stCondLst>
+                            <p:childTnLst>
+                              <p:par>
+                                <p:cTn id="5" presetID="10" presetClass="entr" presetSubtype="0" fill="hold" grpId="0" nodeType="clickEffect">
+                                  <p:stCondLst>
+                                    <p:cond delay="0"/>
+                                  </p:stCondLst>
+                                  <p:childTnLst>
+                                    <p:set>
+                                      <p:cBhvr>
+                                        <p:cTn id="6" dur="1" fill="hold">
+                                          <p:stCondLst>
+                                            <p:cond delay="0"/>
+                                          </p:stCondLst>
+                                        </p:cTn>
+                                        <p:tgtEl>
+                                          <p:spTgt spid="3">
+                                            <p:txEl>
+                                              <p:pRg st="0" end="0"/>
+                                            </p:txEl>
+                                          </p:spTgt>
+                                        </p:tgtEl>
+                                        <p:attrNameLst>
+                                          <p:attrName>style.visibility</p:attrName>
+                                        </p:attrNameLst>
+                                      </p:cBhvr>
+                                      <p:to>
+                                        <p:strVal val="visible"/>
+                                      </p:to>
+                                    </p:set>
+                                    <p:animEffect transition="in" filter="fade">
+                                      <p:cBhvr>
+                                        <p:cTn id="7" dur="1000"/>
+                                        <p:tgtEl>
+                                          <p:spTgt spid="3">
+                                            <p:txEl>
+                                              <p:pRg st="0" end="0"/>
+                                            </p:txEl>
+                                          </p:spTgt>
+                                        </p:tgtEl>
+                                      </p:cBhvr>
+                                    </p:animEffect>
+                                  </p:childTnLst>
+                                </p:cTn>
+                              </p:par>
+                            </p:childTnLst>
+                          </p:cTn>
+                        </p:par>
+                      </p:childTnLst>
+                    </p:cTn>
+                  </p:par>
+                  <p:par>
+                    <p:cTn id="8" fill="hold">
+                      <p:stCondLst>
+                        <p:cond delay="indefinite"/>
+                      </p:stCondLst>
+                      <p:childTnLst>
+                        <p:par>
+                          <p:cTn id="9" fill="hold">
+                            <p:stCondLst>
+                              <p:cond delay="0"/>
+                            </p:stCondLst>
+                            <p:childTnLst>
+                              <p:par>
+                                <p:cTn id="10" presetID="10" presetClass="entr" presetSubtype="0" fill="hold" nodeType="clickEffect">
+                                  <p:stCondLst>
+                                    <p:cond delay="0"/>
+                                  </p:stCondLst>
+                                  <p:childTnLst>
+                                    <p:set>
+                                      <p:cBhvr>
+                                        <p:cTn id="11" dur="1" fill="hold">
+                                          <p:stCondLst>
+                                            <p:cond delay="0"/>
+                                          </p:stCondLst>
+                                        </p:cTn>
+                                        <p:tgtEl>
+                                          <p:spTgt spid="5"/>
+                                        </p:tgtEl>
+                                        <p:attrNameLst>
+                                          <p:attrName>style.visibility</p:attrName>
+                                        </p:attrNameLst>
+                                      </p:cBhvr>
+                                      <p:to>
+                                        <p:strVal val="visible"/>
+                                      </p:to>
+                                    </p:set>
+                                    <p:animEffect transition="in" filter="fade">
+                                      <p:cBhvr>
+                                        <p:cTn id="12" dur="1000"/>
+                                        <p:tgtEl>
+                                          <p:spTgt spid="5"/>
+                                        </p:tgtEl>
+                                      </p:cBhvr>
+                                    </p:animEffect>
+                                  </p:childTnLst>
+                                </p:cTn>
+                              </p:par>
+                            </p:childTnLst>
+                          </p:cTn>
+                        </p:par>
+                      </p:childTnLst>
+                    </p:cTn>
+                  </p:par>
+                  <p:par>
+                    <p:cTn id="13" fill="hold">
+                      <p:stCondLst>
+                        <p:cond delay="indefinite"/>
+                      </p:stCondLst>
+                      <p:childTnLst>
+                        <p:par>
+                          <p:cTn id="14" fill="hold">
+                            <p:stCondLst>
+                              <p:cond delay="0"/>
+                            </p:stCondLst>
+                            <p:childTnLst>
+                              <p:par>
+                                <p:cTn id="15" presetID="10" presetClass="exit" presetSubtype="0" fill="hold" nodeType="clickEffect">
+                                  <p:stCondLst>
+                                    <p:cond delay="0"/>
+                                  </p:stCondLst>
+                                  <p:childTnLst>
+                                    <p:animEffect transition="out" filter="fade">
+                                      <p:cBhvr>
+                                        <p:cTn id="16" dur="1000"/>
+                                        <p:tgtEl>
+                                          <p:spTgt spid="5"/>
+                                        </p:tgtEl>
+                                      </p:cBhvr>
+                                    </p:animEffect>
+                                    <p:set>
+                                      <p:cBhvr>
+                                        <p:cTn id="17" dur="1" fill="hold">
+                                          <p:stCondLst>
+                                            <p:cond delay="999"/>
+                                          </p:stCondLst>
+                                        </p:cTn>
+                                        <p:tgtEl>
+                                          <p:spTgt spid="5"/>
+                                        </p:tgtEl>
+                                        <p:attrNameLst>
+                                          <p:attrName>style.visibility</p:attrName>
+                                        </p:attrNameLst>
+                                      </p:cBhvr>
+                                      <p:to>
+                                        <p:strVal val="hidden"/>
+                                      </p:to>
+                                    </p:set>
+                                  </p:childTnLst>
+                                </p:cTn>
+                              </p:par>
+                            </p:childTnLst>
+                          </p:cTn>
+                        </p:par>
+                        <p:par>
+                          <p:cTn id="18" fill="hold">
+                            <p:stCondLst>
+                              <p:cond delay="1000"/>
+                            </p:stCondLst>
+                            <p:childTnLst>
+                              <p:par>
+                                <p:cTn id="19" presetID="10" presetClass="entr" presetSubtype="0" fill="hold" nodeType="afterEffect">
+                                  <p:stCondLst>
+                                    <p:cond delay="0"/>
+                                  </p:stCondLst>
+                                  <p:childTnLst>
+                                    <p:set>
+                                      <p:cBhvr>
+                                        <p:cTn id="20" dur="1" fill="hold">
+                                          <p:stCondLst>
+                                            <p:cond delay="0"/>
+                                          </p:stCondLst>
+                                        </p:cTn>
+                                        <p:tgtEl>
+                                          <p:spTgt spid="7"/>
+                                        </p:tgtEl>
+                                        <p:attrNameLst>
+                                          <p:attrName>style.visibility</p:attrName>
+                                        </p:attrNameLst>
+                                      </p:cBhvr>
+                                      <p:to>
+                                        <p:strVal val="visible"/>
+                                      </p:to>
+                                    </p:set>
+                                    <p:animEffect transition="in" filter="fade">
+                                      <p:cBhvr>
+                                        <p:cTn id="21" dur="1000"/>
+                                        <p:tgtEl>
+                                          <p:spTgt spid="7"/>
+                                        </p:tgtEl>
+                                      </p:cBhvr>
+                                    </p:animEffect>
+                                  </p:childTnLst>
+                                </p:cTn>
+                              </p:par>
+                            </p:childTnLst>
+                          </p:cTn>
+                        </p:par>
+                      </p:childTnLst>
+                    </p:cTn>
+                  </p:par>
+                  <p:par>
+                    <p:cTn id="22" fill="hold">
+                      <p:stCondLst>
+                        <p:cond delay="indefinite"/>
+                      </p:stCondLst>
+                      <p:childTnLst>
+                        <p:par>
+                          <p:cTn id="23" fill="hold">
+                            <p:stCondLst>
+                              <p:cond delay="0"/>
+                            </p:stCondLst>
+                            <p:childTnLst>
+                              <p:par>
+                                <p:cTn id="24" presetID="10" presetClass="entr" presetSubtype="0" fill="hold" nodeType="clickEffect">
+                                  <p:stCondLst>
+                                    <p:cond delay="0"/>
+                                  </p:stCondLst>
+                                  <p:childTnLst>
+                                    <p:set>
+                                      <p:cBhvr>
+                                        <p:cTn id="25" dur="1" fill="hold">
+                                          <p:stCondLst>
+                                            <p:cond delay="0"/>
+                                          </p:stCondLst>
+                                        </p:cTn>
+                                        <p:tgtEl>
+                                          <p:spTgt spid="9"/>
+                                        </p:tgtEl>
+                                        <p:attrNameLst>
+                                          <p:attrName>style.visibility</p:attrName>
+                                        </p:attrNameLst>
+                                      </p:cBhvr>
+                                      <p:to>
+                                        <p:strVal val="visible"/>
+                                      </p:to>
+                                    </p:set>
+                                    <p:animEffect transition="in" filter="fade">
+                                      <p:cBhvr>
+                                        <p:cTn id="26" dur="1000"/>
+                                        <p:tgtEl>
+                                          <p:spTgt spid="9"/>
+                                        </p:tgtEl>
+                                      </p:cBhvr>
+                                    </p:animEffect>
+                                  </p:childTnLst>
+                                </p:cTn>
+                              </p:par>
+                            </p:childTnLst>
+                          </p:cTn>
+                        </p:par>
+                      </p:childTnLst>
+                    </p:cTn>
+                  </p:par>
+                </p:childTnLst>
+              </p:cTn>
+              <p:prevCondLst>
+                <p:cond evt="onPrev" delay="0">
+                  <p:tgtEl>
+                    <p:sldTgt/>
+                  </p:tgtEl>
+                </p:cond>
+              </p:prevCondLst>
+              <p:nextCondLst>
+                <p:cond evt="onNext" delay="0">
+                  <p:tgtEl>
+                    <p:sldTgt/>
+                  </p:tgtEl>
+                </p:cond>
+              </p:nextCondLst>
+            </p:seq>
+          </p:childTnLst>
+        </p:cTn>
+      </p:par>
+    </p:tnLst>
+    <p:bldLst>
+      <p:bldP spid="3" grpId="0" build="p"/>
+    </p:bldLst>
+  </p:timing>
 </p:sld>
 </file>
 
 <file path=ppt/slides/slide8.xml><?xml version="1.0" encoding="utf-8"?>
+<p:sld xmlns:a="http://schemas.openxmlformats.org/drawingml/2006/main" xmlns:r="http://schemas.openxmlformats.org/officeDocument/2006/relationships" xmlns:p="http://schemas.openxmlformats.org/presentationml/2006/main">
+  <p:cSld>
+    <p:spTree>
+      <p:nvGrpSpPr>
+        <p:cNvPr id="1" name=""/>
+        <p:cNvGrpSpPr/>
+        <p:nvPr/>
+      </p:nvGrpSpPr>
+      <p:grpSpPr>
+        <a:xfrm>
+          <a:off x="0" y="0"/>
+          <a:ext cx="0" cy="0"/>
+          <a:chOff x="0" y="0"/>
+          <a:chExt cx="0" cy="0"/>
+        </a:xfrm>
+      </p:grpSpPr>
+      <p:sp>
+        <p:nvSpPr>
+          <p:cNvPr id="2" name="Title 1">
+            <a:extLst>
+              <a:ext uri="{FF2B5EF4-FFF2-40B4-BE49-F238E27FC236}">
+                <a16:creationId xmlns:a16="http://schemas.microsoft.com/office/drawing/2014/main" id="{6257D433-8FBB-004B-B83E-F06883F06CFD}"/>
+              </a:ext>
+            </a:extLst>
+          </p:cNvPr>
+          <p:cNvSpPr>
+            <a:spLocks noGrp="1"/>
+          </p:cNvSpPr>
+          <p:nvPr>
+            <p:ph type="title"/>
+          </p:nvPr>
+        </p:nvSpPr>
+        <p:spPr>
+          <a:xfrm>
+            <a:off x="788122" y="0"/>
+            <a:ext cx="9905998" cy="1070264"/>
+          </a:xfrm>
+        </p:spPr>
+        <p:txBody>
+          <a:bodyPr/>
+          <a:lstStyle/>
+          <a:p>
+            <a:r>
+              <a:rPr lang="en-US" dirty="0"/>
+              <a:t>Algorithm 1 approach</a:t>
+            </a:r>
+          </a:p>
+        </p:txBody>
+      </p:sp>
+      <p:sp>
+        <p:nvSpPr>
+          <p:cNvPr id="3" name="Content Placeholder 2">
+            <a:extLst>
+              <a:ext uri="{FF2B5EF4-FFF2-40B4-BE49-F238E27FC236}">
+                <a16:creationId xmlns:a16="http://schemas.microsoft.com/office/drawing/2014/main" id="{249C01B8-D0C1-FE4F-BFBE-9D0CB004DB08}"/>
+              </a:ext>
+            </a:extLst>
+          </p:cNvPr>
+          <p:cNvSpPr>
+            <a:spLocks noGrp="1"/>
+          </p:cNvSpPr>
+          <p:nvPr>
+            <p:ph idx="1"/>
+          </p:nvPr>
+        </p:nvSpPr>
+        <p:spPr>
+          <a:xfrm>
+            <a:off x="788122" y="929588"/>
+            <a:ext cx="9905998" cy="723366"/>
+          </a:xfrm>
+        </p:spPr>
+        <p:txBody>
+          <a:bodyPr/>
+          <a:lstStyle/>
+          <a:p>
+            <a:pPr marL="0" indent="0">
+              <a:buNone/>
+            </a:pPr>
+            <a:r>
+              <a:rPr lang="en-US" dirty="0"/>
+              <a:t>Use </a:t>
+            </a:r>
+            <a:r>
+              <a:rPr lang="en-US" i="1" dirty="0" err="1"/>
+              <a:t>MatchIt</a:t>
+            </a:r>
+            <a:r>
+              <a:rPr lang="en-US" i="1" dirty="0"/>
+              <a:t> </a:t>
+            </a:r>
+            <a:r>
+              <a:rPr lang="en-US" dirty="0"/>
+              <a:t>Package:</a:t>
+            </a:r>
+          </a:p>
+        </p:txBody>
+      </p:sp>
+      <p:sp>
+        <p:nvSpPr>
+          <p:cNvPr id="8" name="Content Placeholder 2">
+            <a:extLst>
+              <a:ext uri="{FF2B5EF4-FFF2-40B4-BE49-F238E27FC236}">
+                <a16:creationId xmlns:a16="http://schemas.microsoft.com/office/drawing/2014/main" id="{763F8E8C-211E-3748-AF19-C78C6BD18BC5}"/>
+              </a:ext>
+            </a:extLst>
+          </p:cNvPr>
+          <p:cNvSpPr txBox="1">
+            <a:spLocks/>
+          </p:cNvSpPr>
+          <p:nvPr/>
+        </p:nvSpPr>
+        <p:spPr>
+          <a:xfrm>
+            <a:off x="788122" y="1652954"/>
+            <a:ext cx="9905998" cy="3988212"/>
+          </a:xfrm>
+          <a:prstGeom prst="rect">
+            <a:avLst/>
+          </a:prstGeom>
+        </p:spPr>
+        <p:txBody>
+          <a:bodyPr vert="horz" lIns="91440" tIns="45720" rIns="91440" bIns="45720" rtlCol="0" anchor="ctr">
+            <a:normAutofit/>
+          </a:bodyPr>
+          <a:lstStyle>
+            <a:lvl1pPr marL="285750" indent="-285750" algn="l" defTabSz="457200" rtl="0" eaLnBrk="1" latinLnBrk="0" hangingPunct="1">
+              <a:spcBef>
+                <a:spcPct val="20000"/>
+              </a:spcBef>
+              <a:spcAft>
+                <a:spcPts val="600"/>
+              </a:spcAft>
+              <a:buClr>
+                <a:schemeClr val="tx1"/>
+              </a:buClr>
+              <a:buSzPct val="100000"/>
+              <a:buFont typeface="Arial"/>
+              <a:buChar char="•"/>
+              <a:defRPr sz="2000" kern="1200" cap="small">
+                <a:gradFill flip="none" rotWithShape="1">
+                  <a:gsLst>
+                    <a:gs pos="0">
+                      <a:schemeClr val="tx1"/>
+                    </a:gs>
+                    <a:gs pos="100000">
+                      <a:schemeClr val="tx1">
+                        <a:lumMod val="75000"/>
+                      </a:schemeClr>
+                    </a:gs>
+                  </a:gsLst>
+                  <a:lin ang="5580000" scaled="0"/>
+                  <a:tileRect/>
+                </a:gradFill>
+                <a:effectLst>
+                  <a:glow rad="38100">
+                    <a:schemeClr val="bg1">
+                      <a:lumMod val="50000"/>
+                      <a:lumOff val="50000"/>
+                      <a:alpha val="20000"/>
+                    </a:schemeClr>
+                  </a:glow>
+                  <a:outerShdw blurRad="44450" dist="12700" dir="13860000" algn="tl" rotWithShape="0">
+                    <a:srgbClr val="000000">
+                      <a:alpha val="20000"/>
+                    </a:srgbClr>
+                  </a:outerShdw>
+                </a:effectLst>
+                <a:latin typeface="+mn-lt"/>
+                <a:ea typeface="+mn-ea"/>
+                <a:cs typeface="+mn-cs"/>
+              </a:defRPr>
+            </a:lvl1pPr>
+            <a:lvl2pPr marL="742950" indent="-285750" algn="l" defTabSz="457200" rtl="0" eaLnBrk="1" latinLnBrk="0" hangingPunct="1">
+              <a:spcBef>
+                <a:spcPct val="20000"/>
+              </a:spcBef>
+              <a:spcAft>
+                <a:spcPts val="600"/>
+              </a:spcAft>
+              <a:buClr>
+                <a:schemeClr val="tx1"/>
+              </a:buClr>
+              <a:buSzPct val="100000"/>
+              <a:buFont typeface="Arial"/>
+              <a:buChar char="•"/>
+              <a:defRPr sz="1800" kern="1200" cap="small">
+                <a:gradFill flip="none" rotWithShape="1">
+                  <a:gsLst>
+                    <a:gs pos="0">
+                      <a:schemeClr val="tx1"/>
+                    </a:gs>
+                    <a:gs pos="100000">
+                      <a:schemeClr val="tx1">
+                        <a:lumMod val="75000"/>
+                      </a:schemeClr>
+                    </a:gs>
+                  </a:gsLst>
+                  <a:lin ang="5580000" scaled="0"/>
+                  <a:tileRect/>
+                </a:gradFill>
+                <a:effectLst>
+                  <a:glow rad="38100">
+                    <a:schemeClr val="bg1">
+                      <a:lumMod val="50000"/>
+                      <a:lumOff val="50000"/>
+                      <a:alpha val="20000"/>
+                    </a:schemeClr>
+                  </a:glow>
+                  <a:outerShdw blurRad="44450" dist="12700" dir="13860000" algn="tl" rotWithShape="0">
+                    <a:srgbClr val="000000">
+                      <a:alpha val="20000"/>
+                    </a:srgbClr>
+                  </a:outerShdw>
+                </a:effectLst>
+                <a:latin typeface="+mn-lt"/>
+                <a:ea typeface="+mn-ea"/>
+                <a:cs typeface="+mn-cs"/>
+              </a:defRPr>
+            </a:lvl2pPr>
+            <a:lvl3pPr marL="1200150" indent="-285750" algn="l" defTabSz="457200" rtl="0" eaLnBrk="1" latinLnBrk="0" hangingPunct="1">
+              <a:spcBef>
+                <a:spcPct val="20000"/>
+              </a:spcBef>
+              <a:spcAft>
+                <a:spcPts val="600"/>
+              </a:spcAft>
+              <a:buClr>
+                <a:schemeClr val="tx1"/>
+              </a:buClr>
+              <a:buSzPct val="100000"/>
+              <a:buFont typeface="Arial"/>
+              <a:buChar char="•"/>
+              <a:defRPr sz="1600" kern="1200" cap="small">
+                <a:gradFill flip="none" rotWithShape="1">
+                  <a:gsLst>
+                    <a:gs pos="0">
+                      <a:schemeClr val="tx1"/>
+                    </a:gs>
+                    <a:gs pos="100000">
+                      <a:schemeClr val="tx1">
+                        <a:lumMod val="75000"/>
+                      </a:schemeClr>
+                    </a:gs>
+                  </a:gsLst>
+                  <a:lin ang="5580000" scaled="0"/>
+                  <a:tileRect/>
+                </a:gradFill>
+                <a:effectLst>
+                  <a:glow rad="38100">
+                    <a:schemeClr val="bg1">
+                      <a:lumMod val="50000"/>
+                      <a:lumOff val="50000"/>
+                      <a:alpha val="20000"/>
+                    </a:schemeClr>
+                  </a:glow>
+                  <a:outerShdw blurRad="44450" dist="12700" dir="13860000" algn="tl" rotWithShape="0">
+                    <a:srgbClr val="000000">
+                      <a:alpha val="20000"/>
+                    </a:srgbClr>
+                  </a:outerShdw>
+                </a:effectLst>
+                <a:latin typeface="+mn-lt"/>
+                <a:ea typeface="+mn-ea"/>
+                <a:cs typeface="+mn-cs"/>
+              </a:defRPr>
+            </a:lvl3pPr>
+            <a:lvl4pPr marL="1543050" indent="-171450" algn="l" defTabSz="457200" rtl="0" eaLnBrk="1" latinLnBrk="0" hangingPunct="1">
+              <a:spcBef>
+                <a:spcPct val="20000"/>
+              </a:spcBef>
+              <a:spcAft>
+                <a:spcPts val="600"/>
+              </a:spcAft>
+              <a:buClr>
+                <a:schemeClr val="tx1"/>
+              </a:buClr>
+              <a:buSzPct val="100000"/>
+              <a:buFont typeface="Arial"/>
+              <a:buChar char="•"/>
+              <a:defRPr sz="1400" kern="1200" cap="small">
+                <a:gradFill flip="none" rotWithShape="1">
+                  <a:gsLst>
+                    <a:gs pos="0">
+                      <a:schemeClr val="tx1"/>
+                    </a:gs>
+                    <a:gs pos="100000">
+                      <a:schemeClr val="tx1">
+                        <a:lumMod val="75000"/>
+                      </a:schemeClr>
+                    </a:gs>
+                  </a:gsLst>
+                  <a:lin ang="5580000" scaled="0"/>
+                  <a:tileRect/>
+                </a:gradFill>
+                <a:effectLst>
+                  <a:glow rad="38100">
+                    <a:schemeClr val="bg1">
+                      <a:lumMod val="50000"/>
+                      <a:lumOff val="50000"/>
+                      <a:alpha val="20000"/>
+                    </a:schemeClr>
+                  </a:glow>
+                  <a:outerShdw blurRad="44450" dist="12700" dir="13860000" algn="tl" rotWithShape="0">
+                    <a:srgbClr val="000000">
+                      <a:alpha val="20000"/>
+                    </a:srgbClr>
+                  </a:outerShdw>
+                </a:effectLst>
+                <a:latin typeface="+mn-lt"/>
+                <a:ea typeface="+mn-ea"/>
+                <a:cs typeface="+mn-cs"/>
+              </a:defRPr>
+            </a:lvl4pPr>
+            <a:lvl5pPr marL="2000250" indent="-171450" algn="l" defTabSz="457200" rtl="0" eaLnBrk="1" latinLnBrk="0" hangingPunct="1">
+              <a:spcBef>
+                <a:spcPct val="20000"/>
+              </a:spcBef>
+              <a:spcAft>
+                <a:spcPts val="600"/>
+              </a:spcAft>
+              <a:buClr>
+                <a:schemeClr val="tx1"/>
+              </a:buClr>
+              <a:buSzPct val="100000"/>
+              <a:buFont typeface="Arial"/>
+              <a:buChar char="•"/>
+              <a:defRPr sz="1400" kern="1200" cap="small">
+                <a:gradFill flip="none" rotWithShape="1">
+                  <a:gsLst>
+                    <a:gs pos="0">
+                      <a:schemeClr val="tx1"/>
+                    </a:gs>
+                    <a:gs pos="100000">
+                      <a:schemeClr val="tx1">
+                        <a:lumMod val="75000"/>
+                      </a:schemeClr>
+                    </a:gs>
+                  </a:gsLst>
+                  <a:lin ang="5580000" scaled="0"/>
+                  <a:tileRect/>
+                </a:gradFill>
+                <a:effectLst>
+                  <a:glow rad="38100">
+                    <a:schemeClr val="bg1">
+                      <a:lumMod val="50000"/>
+                      <a:lumOff val="50000"/>
+                      <a:alpha val="20000"/>
+                    </a:schemeClr>
+                  </a:glow>
+                  <a:outerShdw blurRad="44450" dist="12700" dir="13860000" algn="tl" rotWithShape="0">
+                    <a:srgbClr val="000000">
+                      <a:alpha val="20000"/>
+                    </a:srgbClr>
+                  </a:outerShdw>
+                </a:effectLst>
+                <a:latin typeface="+mn-lt"/>
+                <a:ea typeface="+mn-ea"/>
+                <a:cs typeface="+mn-cs"/>
+              </a:defRPr>
+            </a:lvl5pPr>
+            <a:lvl6pPr marL="2514600" indent="-228600" algn="l" defTabSz="457200" rtl="0" eaLnBrk="1" latinLnBrk="0" hangingPunct="1">
+              <a:spcBef>
+                <a:spcPct val="20000"/>
+              </a:spcBef>
+              <a:spcAft>
+                <a:spcPts val="600"/>
+              </a:spcAft>
+              <a:buClr>
+                <a:schemeClr val="tx1"/>
+              </a:buClr>
+              <a:buSzPct val="100000"/>
+              <a:buFont typeface="Arial"/>
+              <a:buChar char="•"/>
+              <a:defRPr sz="1200" kern="1200" cap="small">
+                <a:gradFill flip="none" rotWithShape="1">
+                  <a:gsLst>
+                    <a:gs pos="0">
+                      <a:schemeClr val="tx1"/>
+                    </a:gs>
+                    <a:gs pos="100000">
+                      <a:schemeClr val="tx1">
+                        <a:lumMod val="75000"/>
+                      </a:schemeClr>
+                    </a:gs>
+                  </a:gsLst>
+                  <a:lin ang="5580000" scaled="0"/>
+                  <a:tileRect/>
+                </a:gradFill>
+                <a:effectLst>
+                  <a:glow rad="38100">
+                    <a:schemeClr val="bg1">
+                      <a:lumMod val="50000"/>
+                      <a:lumOff val="50000"/>
+                      <a:alpha val="20000"/>
+                    </a:schemeClr>
+                  </a:glow>
+                  <a:outerShdw blurRad="44450" dist="12700" dir="13860000" algn="tl" rotWithShape="0">
+                    <a:srgbClr val="000000">
+                      <a:alpha val="20000"/>
+                    </a:srgbClr>
+                  </a:outerShdw>
+                </a:effectLst>
+                <a:latin typeface="+mn-lt"/>
+                <a:ea typeface="+mn-ea"/>
+                <a:cs typeface="+mn-cs"/>
+              </a:defRPr>
+            </a:lvl6pPr>
+            <a:lvl7pPr marL="2971800" indent="-228600" algn="l" defTabSz="457200" rtl="0" eaLnBrk="1" latinLnBrk="0" hangingPunct="1">
+              <a:spcBef>
+                <a:spcPct val="20000"/>
+              </a:spcBef>
+              <a:spcAft>
+                <a:spcPts val="600"/>
+              </a:spcAft>
+              <a:buClr>
+                <a:schemeClr val="tx1"/>
+              </a:buClr>
+              <a:buSzPct val="100000"/>
+              <a:buFont typeface="Arial"/>
+              <a:buChar char="•"/>
+              <a:defRPr sz="1200" kern="1200" cap="small">
+                <a:gradFill flip="none" rotWithShape="1">
+                  <a:gsLst>
+                    <a:gs pos="0">
+                      <a:schemeClr val="tx1"/>
+                    </a:gs>
+                    <a:gs pos="100000">
+                      <a:schemeClr val="tx1">
+                        <a:lumMod val="75000"/>
+                      </a:schemeClr>
+                    </a:gs>
+                  </a:gsLst>
+                  <a:lin ang="5580000" scaled="0"/>
+                  <a:tileRect/>
+                </a:gradFill>
+                <a:effectLst>
+                  <a:glow rad="38100">
+                    <a:schemeClr val="bg1">
+                      <a:lumMod val="50000"/>
+                      <a:lumOff val="50000"/>
+                      <a:alpha val="20000"/>
+                    </a:schemeClr>
+                  </a:glow>
+                  <a:outerShdw blurRad="44450" dist="12700" dir="13860000" algn="tl" rotWithShape="0">
+                    <a:srgbClr val="000000">
+                      <a:alpha val="20000"/>
+                    </a:srgbClr>
+                  </a:outerShdw>
+                </a:effectLst>
+                <a:latin typeface="+mn-lt"/>
+                <a:ea typeface="+mn-ea"/>
+                <a:cs typeface="+mn-cs"/>
+              </a:defRPr>
+            </a:lvl7pPr>
+            <a:lvl8pPr marL="3429000" indent="-228600" algn="l" defTabSz="457200" rtl="0" eaLnBrk="1" latinLnBrk="0" hangingPunct="1">
+              <a:spcBef>
+                <a:spcPct val="20000"/>
+              </a:spcBef>
+              <a:spcAft>
+                <a:spcPts val="600"/>
+              </a:spcAft>
+              <a:buClr>
+                <a:schemeClr val="tx1"/>
+              </a:buClr>
+              <a:buSzPct val="100000"/>
+              <a:buFont typeface="Arial"/>
+              <a:buChar char="•"/>
+              <a:defRPr sz="1200" kern="1200" cap="small">
+                <a:gradFill flip="none" rotWithShape="1">
+                  <a:gsLst>
+                    <a:gs pos="0">
+                      <a:schemeClr val="tx1"/>
+                    </a:gs>
+                    <a:gs pos="100000">
+                      <a:schemeClr val="tx1">
+                        <a:lumMod val="75000"/>
+                      </a:schemeClr>
+                    </a:gs>
+                  </a:gsLst>
+                  <a:lin ang="5580000" scaled="0"/>
+                  <a:tileRect/>
+                </a:gradFill>
+                <a:effectLst>
+                  <a:glow rad="38100">
+                    <a:schemeClr val="bg1">
+                      <a:lumMod val="50000"/>
+                      <a:lumOff val="50000"/>
+                      <a:alpha val="20000"/>
+                    </a:schemeClr>
+                  </a:glow>
+                  <a:outerShdw blurRad="44450" dist="12700" dir="13860000" algn="tl" rotWithShape="0">
+                    <a:srgbClr val="000000">
+                      <a:alpha val="20000"/>
+                    </a:srgbClr>
+                  </a:outerShdw>
+                </a:effectLst>
+                <a:latin typeface="+mn-lt"/>
+                <a:ea typeface="+mn-ea"/>
+                <a:cs typeface="+mn-cs"/>
+              </a:defRPr>
+            </a:lvl8pPr>
+            <a:lvl9pPr marL="3886200" indent="-228600" algn="l" defTabSz="457200" rtl="0" eaLnBrk="1" latinLnBrk="0" hangingPunct="1">
+              <a:spcBef>
+                <a:spcPct val="20000"/>
+              </a:spcBef>
+              <a:spcAft>
+                <a:spcPts val="600"/>
+              </a:spcAft>
+              <a:buClr>
+                <a:schemeClr val="tx1"/>
+              </a:buClr>
+              <a:buSzPct val="100000"/>
+              <a:buFont typeface="Arial"/>
+              <a:buChar char="•"/>
+              <a:defRPr sz="1200" kern="1200" cap="small">
+                <a:gradFill flip="none" rotWithShape="1">
+                  <a:gsLst>
+                    <a:gs pos="0">
+                      <a:schemeClr val="tx1"/>
+                    </a:gs>
+                    <a:gs pos="100000">
+                      <a:schemeClr val="tx1">
+                        <a:lumMod val="75000"/>
+                      </a:schemeClr>
+                    </a:gs>
+                  </a:gsLst>
+                  <a:lin ang="5580000" scaled="0"/>
+                  <a:tileRect/>
+                </a:gradFill>
+                <a:effectLst>
+                  <a:glow rad="38100">
+                    <a:schemeClr val="bg1">
+                      <a:lumMod val="50000"/>
+                      <a:lumOff val="50000"/>
+                      <a:alpha val="20000"/>
+                    </a:schemeClr>
+                  </a:glow>
+                  <a:outerShdw blurRad="44450" dist="12700" dir="13860000" algn="tl" rotWithShape="0">
+                    <a:srgbClr val="000000">
+                      <a:alpha val="20000"/>
+                    </a:srgbClr>
+                  </a:outerShdw>
+                </a:effectLst>
+                <a:latin typeface="+mn-lt"/>
+                <a:ea typeface="+mn-ea"/>
+                <a:cs typeface="+mn-cs"/>
+              </a:defRPr>
+            </a:lvl9pPr>
+          </a:lstStyle>
+          <a:p>
+            <a:pPr marL="457200" indent="-457200">
+              <a:buFont typeface="+mj-lt"/>
+              <a:buAutoNum type="arabicPeriod"/>
+            </a:pPr>
+            <a:r>
+              <a:rPr lang="en-US" dirty="0"/>
+              <a:t>Train respective model on covariates</a:t>
+            </a:r>
+          </a:p>
+          <a:p>
+            <a:pPr marL="914400" lvl="1" indent="-457200">
+              <a:buFont typeface="+mj-lt"/>
+              <a:buAutoNum type="arabicPeriod"/>
+            </a:pPr>
+            <a:r>
+              <a:rPr lang="en-US" dirty="0"/>
+              <a:t>Didn’t have access to real ate, use default hyperparameters</a:t>
+            </a:r>
+          </a:p>
+          <a:p>
+            <a:pPr marL="457200" indent="-457200">
+              <a:buFont typeface="+mj-lt"/>
+              <a:buAutoNum type="arabicPeriod"/>
+            </a:pPr>
+            <a:r>
+              <a:rPr lang="en-US" dirty="0"/>
+              <a:t>Estimate propensity scores using that model</a:t>
+            </a:r>
+          </a:p>
+          <a:p>
+            <a:pPr marL="457200" indent="-457200">
+              <a:buFont typeface="+mj-lt"/>
+              <a:buAutoNum type="arabicPeriod"/>
+            </a:pPr>
+            <a:r>
+              <a:rPr lang="en-US" dirty="0"/>
+              <a:t>Using those propensity scores, run full matching</a:t>
+            </a:r>
+          </a:p>
+          <a:p>
+            <a:pPr marL="457200" indent="-457200">
+              <a:buFont typeface="+mj-lt"/>
+              <a:buAutoNum type="arabicPeriod"/>
+            </a:pPr>
+            <a:r>
+              <a:rPr lang="en-US" dirty="0"/>
+              <a:t>Estimate average treatment effect by regressing outcome on treatment, using weights from full matching, and taking coefficient</a:t>
+            </a:r>
+          </a:p>
+          <a:p>
+            <a:pPr marL="457200" indent="-457200">
+              <a:buFont typeface="+mj-lt"/>
+              <a:buAutoNum type="arabicPeriod"/>
+            </a:pPr>
+            <a:endParaRPr lang="en-US" dirty="0"/>
+          </a:p>
+        </p:txBody>
+      </p:sp>
+    </p:spTree>
+    <p:extLst>
+      <p:ext uri="{BB962C8B-B14F-4D97-AF65-F5344CB8AC3E}">
+        <p14:creationId xmlns:p14="http://schemas.microsoft.com/office/powerpoint/2010/main" val="1176590298"/>
+      </p:ext>
+    </p:extLst>
+  </p:cSld>
+  <p:clrMapOvr>
+    <a:masterClrMapping/>
+  </p:clrMapOvr>
+  <mc:AlternateContent xmlns:mc="http://schemas.openxmlformats.org/markup-compatibility/2006">
+    <mc:Choice xmlns:p14="http://schemas.microsoft.com/office/powerpoint/2010/main" Requires="p14">
+      <p:transition spd="slow" p14:dur="800">
+        <p:fade/>
+      </p:transition>
+    </mc:Choice>
+    <mc:Fallback>
+      <p:transition spd="slow">
+        <p:fade/>
+      </p:transition>
+    </mc:Fallback>
+  </mc:AlternateContent>
+  <p:timing>
+    <p:tnLst>
+      <p:par>
+        <p:cTn id="1" dur="indefinite" restart="never" nodeType="tmRoot">
+          <p:childTnLst>
+            <p:seq concurrent="1" nextAc="seek">
+              <p:cTn id="2" dur="indefinite" nodeType="mainSeq">
+                <p:childTnLst>
+                  <p:par>
+                    <p:cTn id="3" fill="hold">
+                      <p:stCondLst>
+                        <p:cond delay="indefinite"/>
+                      </p:stCondLst>
+                      <p:childTnLst>
+                        <p:par>
+                          <p:cTn id="4" fill="hold">
+                            <p:stCondLst>
+                              <p:cond delay="0"/>
+                            </p:stCondLst>
+                            <p:childTnLst>
+                              <p:par>
+                                <p:cTn id="5" presetID="10" presetClass="entr" presetSubtype="0" fill="hold" grpId="0" nodeType="clickEffect">
+                                  <p:stCondLst>
+                                    <p:cond delay="0"/>
+                                  </p:stCondLst>
+                                  <p:childTnLst>
+                                    <p:set>
+                                      <p:cBhvr>
+                                        <p:cTn id="6" dur="1" fill="hold">
+                                          <p:stCondLst>
+                                            <p:cond delay="0"/>
+                                          </p:stCondLst>
+                                        </p:cTn>
+                                        <p:tgtEl>
+                                          <p:spTgt spid="3">
+                                            <p:txEl>
+                                              <p:pRg st="0" end="0"/>
+                                            </p:txEl>
+                                          </p:spTgt>
+                                        </p:tgtEl>
+                                        <p:attrNameLst>
+                                          <p:attrName>style.visibility</p:attrName>
+                                        </p:attrNameLst>
+                                      </p:cBhvr>
+                                      <p:to>
+                                        <p:strVal val="visible"/>
+                                      </p:to>
+                                    </p:set>
+                                    <p:animEffect transition="in" filter="fade">
+                                      <p:cBhvr>
+                                        <p:cTn id="7" dur="1000"/>
+                                        <p:tgtEl>
+                                          <p:spTgt spid="3">
+                                            <p:txEl>
+                                              <p:pRg st="0" end="0"/>
+                                            </p:txEl>
+                                          </p:spTgt>
+                                        </p:tgtEl>
+                                      </p:cBhvr>
+                                    </p:animEffect>
+                                  </p:childTnLst>
+                                </p:cTn>
+                              </p:par>
+                            </p:childTnLst>
+                          </p:cTn>
+                        </p:par>
+                      </p:childTnLst>
+                    </p:cTn>
+                  </p:par>
+                  <p:par>
+                    <p:cTn id="8" fill="hold">
+                      <p:stCondLst>
+                        <p:cond delay="indefinite"/>
+                      </p:stCondLst>
+                      <p:childTnLst>
+                        <p:par>
+                          <p:cTn id="9" fill="hold">
+                            <p:stCondLst>
+                              <p:cond delay="0"/>
+                            </p:stCondLst>
+                            <p:childTnLst>
+                              <p:par>
+                                <p:cTn id="10" presetID="10" presetClass="entr" presetSubtype="0" fill="hold" grpId="0" nodeType="clickEffect">
+                                  <p:stCondLst>
+                                    <p:cond delay="0"/>
+                                  </p:stCondLst>
+                                  <p:childTnLst>
+                                    <p:set>
+                                      <p:cBhvr>
+                                        <p:cTn id="11" dur="1" fill="hold">
+                                          <p:stCondLst>
+                                            <p:cond delay="0"/>
+                                          </p:stCondLst>
+                                        </p:cTn>
+                                        <p:tgtEl>
+                                          <p:spTgt spid="8">
+                                            <p:txEl>
+                                              <p:pRg st="0" end="0"/>
+                                            </p:txEl>
+                                          </p:spTgt>
+                                        </p:tgtEl>
+                                        <p:attrNameLst>
+                                          <p:attrName>style.visibility</p:attrName>
+                                        </p:attrNameLst>
+                                      </p:cBhvr>
+                                      <p:to>
+                                        <p:strVal val="visible"/>
+                                      </p:to>
+                                    </p:set>
+                                    <p:animEffect transition="in" filter="fade">
+                                      <p:cBhvr>
+                                        <p:cTn id="12" dur="1000"/>
+                                        <p:tgtEl>
+                                          <p:spTgt spid="8">
+                                            <p:txEl>
+                                              <p:pRg st="0" end="0"/>
+                                            </p:txEl>
+                                          </p:spTgt>
+                                        </p:tgtEl>
+                                      </p:cBhvr>
+                                    </p:animEffect>
+                                  </p:childTnLst>
+                                </p:cTn>
+                              </p:par>
+                              <p:par>
+                                <p:cTn id="13" presetID="10" presetClass="entr" presetSubtype="0" fill="hold" grpId="0" nodeType="withEffect">
+                                  <p:stCondLst>
+                                    <p:cond delay="0"/>
+                                  </p:stCondLst>
+                                  <p:childTnLst>
+                                    <p:set>
+                                      <p:cBhvr>
+                                        <p:cTn id="14" dur="1" fill="hold">
+                                          <p:stCondLst>
+                                            <p:cond delay="0"/>
+                                          </p:stCondLst>
+                                        </p:cTn>
+                                        <p:tgtEl>
+                                          <p:spTgt spid="8">
+                                            <p:txEl>
+                                              <p:pRg st="1" end="1"/>
+                                            </p:txEl>
+                                          </p:spTgt>
+                                        </p:tgtEl>
+                                        <p:attrNameLst>
+                                          <p:attrName>style.visibility</p:attrName>
+                                        </p:attrNameLst>
+                                      </p:cBhvr>
+                                      <p:to>
+                                        <p:strVal val="visible"/>
+                                      </p:to>
+                                    </p:set>
+                                    <p:animEffect transition="in" filter="fade">
+                                      <p:cBhvr>
+                                        <p:cTn id="15" dur="1000"/>
+                                        <p:tgtEl>
+                                          <p:spTgt spid="8">
+                                            <p:txEl>
+                                              <p:pRg st="1" end="1"/>
+                                            </p:txEl>
+                                          </p:spTgt>
+                                        </p:tgtEl>
+                                      </p:cBhvr>
+                                    </p:animEffect>
+                                  </p:childTnLst>
+                                </p:cTn>
+                              </p:par>
+                            </p:childTnLst>
+                          </p:cTn>
+                        </p:par>
+                      </p:childTnLst>
+                    </p:cTn>
+                  </p:par>
+                  <p:par>
+                    <p:cTn id="16" fill="hold">
+                      <p:stCondLst>
+                        <p:cond delay="indefinite"/>
+                      </p:stCondLst>
+                      <p:childTnLst>
+                        <p:par>
+                          <p:cTn id="17" fill="hold">
+                            <p:stCondLst>
+                              <p:cond delay="0"/>
+                            </p:stCondLst>
+                            <p:childTnLst>
+                              <p:par>
+                                <p:cTn id="18" presetID="10" presetClass="entr" presetSubtype="0" fill="hold" grpId="0" nodeType="clickEffect">
+                                  <p:stCondLst>
+                                    <p:cond delay="0"/>
+                                  </p:stCondLst>
+                                  <p:childTnLst>
+                                    <p:set>
+                                      <p:cBhvr>
+                                        <p:cTn id="19" dur="1" fill="hold">
+                                          <p:stCondLst>
+                                            <p:cond delay="0"/>
+                                          </p:stCondLst>
+                                        </p:cTn>
+                                        <p:tgtEl>
+                                          <p:spTgt spid="8">
+                                            <p:txEl>
+                                              <p:pRg st="2" end="2"/>
+                                            </p:txEl>
+                                          </p:spTgt>
+                                        </p:tgtEl>
+                                        <p:attrNameLst>
+                                          <p:attrName>style.visibility</p:attrName>
+                                        </p:attrNameLst>
+                                      </p:cBhvr>
+                                      <p:to>
+                                        <p:strVal val="visible"/>
+                                      </p:to>
+                                    </p:set>
+                                    <p:animEffect transition="in" filter="fade">
+                                      <p:cBhvr>
+                                        <p:cTn id="20" dur="1000"/>
+                                        <p:tgtEl>
+                                          <p:spTgt spid="8">
+                                            <p:txEl>
+                                              <p:pRg st="2" end="2"/>
+                                            </p:txEl>
+                                          </p:spTgt>
+                                        </p:tgtEl>
+                                      </p:cBhvr>
+                                    </p:animEffect>
+                                  </p:childTnLst>
+                                </p:cTn>
+                              </p:par>
+                            </p:childTnLst>
+                          </p:cTn>
+                        </p:par>
+                      </p:childTnLst>
+                    </p:cTn>
+                  </p:par>
+                  <p:par>
+                    <p:cTn id="21" fill="hold">
+                      <p:stCondLst>
+                        <p:cond delay="indefinite"/>
+                      </p:stCondLst>
+                      <p:childTnLst>
+                        <p:par>
+                          <p:cTn id="22" fill="hold">
+                            <p:stCondLst>
+                              <p:cond delay="0"/>
+                            </p:stCondLst>
+                            <p:childTnLst>
+                              <p:par>
+                                <p:cTn id="23" presetID="10" presetClass="entr" presetSubtype="0" fill="hold" grpId="0" nodeType="clickEffect">
+                                  <p:stCondLst>
+                                    <p:cond delay="0"/>
+                                  </p:stCondLst>
+                                  <p:childTnLst>
+                                    <p:set>
+                                      <p:cBhvr>
+                                        <p:cTn id="24" dur="1" fill="hold">
+                                          <p:stCondLst>
+                                            <p:cond delay="0"/>
+                                          </p:stCondLst>
+                                        </p:cTn>
+                                        <p:tgtEl>
+                                          <p:spTgt spid="8">
+                                            <p:txEl>
+                                              <p:pRg st="3" end="3"/>
+                                            </p:txEl>
+                                          </p:spTgt>
+                                        </p:tgtEl>
+                                        <p:attrNameLst>
+                                          <p:attrName>style.visibility</p:attrName>
+                                        </p:attrNameLst>
+                                      </p:cBhvr>
+                                      <p:to>
+                                        <p:strVal val="visible"/>
+                                      </p:to>
+                                    </p:set>
+                                    <p:animEffect transition="in" filter="fade">
+                                      <p:cBhvr>
+                                        <p:cTn id="25" dur="1000"/>
+                                        <p:tgtEl>
+                                          <p:spTgt spid="8">
+                                            <p:txEl>
+                                              <p:pRg st="3" end="3"/>
+                                            </p:txEl>
+                                          </p:spTgt>
+                                        </p:tgtEl>
+                                      </p:cBhvr>
+                                    </p:animEffect>
+                                  </p:childTnLst>
+                                </p:cTn>
+                              </p:par>
+                            </p:childTnLst>
+                          </p:cTn>
+                        </p:par>
+                      </p:childTnLst>
+                    </p:cTn>
+                  </p:par>
+                  <p:par>
+                    <p:cTn id="26" fill="hold">
+                      <p:stCondLst>
+                        <p:cond delay="indefinite"/>
+                      </p:stCondLst>
+                      <p:childTnLst>
+                        <p:par>
+                          <p:cTn id="27" fill="hold">
+                            <p:stCondLst>
+                              <p:cond delay="0"/>
+                            </p:stCondLst>
+                            <p:childTnLst>
+                              <p:par>
+                                <p:cTn id="28" presetID="10" presetClass="entr" presetSubtype="0" fill="hold" grpId="0" nodeType="clickEffect">
+                                  <p:stCondLst>
+                                    <p:cond delay="0"/>
+                                  </p:stCondLst>
+                                  <p:childTnLst>
+                                    <p:set>
+                                      <p:cBhvr>
+                                        <p:cTn id="29" dur="1" fill="hold">
+                                          <p:stCondLst>
+                                            <p:cond delay="0"/>
+                                          </p:stCondLst>
+                                        </p:cTn>
+                                        <p:tgtEl>
+                                          <p:spTgt spid="8">
+                                            <p:txEl>
+                                              <p:pRg st="4" end="4"/>
+                                            </p:txEl>
+                                          </p:spTgt>
+                                        </p:tgtEl>
+                                        <p:attrNameLst>
+                                          <p:attrName>style.visibility</p:attrName>
+                                        </p:attrNameLst>
+                                      </p:cBhvr>
+                                      <p:to>
+                                        <p:strVal val="visible"/>
+                                      </p:to>
+                                    </p:set>
+                                    <p:animEffect transition="in" filter="fade">
+                                      <p:cBhvr>
+                                        <p:cTn id="30" dur="1000"/>
+                                        <p:tgtEl>
+                                          <p:spTgt spid="8">
+                                            <p:txEl>
+                                              <p:pRg st="4" end="4"/>
+                                            </p:txEl>
+                                          </p:spTgt>
+                                        </p:tgtEl>
+                                      </p:cBhvr>
+                                    </p:animEffect>
+                                  </p:childTnLst>
+                                </p:cTn>
+                              </p:par>
+                            </p:childTnLst>
+                          </p:cTn>
+                        </p:par>
+                      </p:childTnLst>
+                    </p:cTn>
+                  </p:par>
+                </p:childTnLst>
+              </p:cTn>
+              <p:prevCondLst>
+                <p:cond evt="onPrev" delay="0">
+                  <p:tgtEl>
+                    <p:sldTgt/>
+                  </p:tgtEl>
+                </p:cond>
+              </p:prevCondLst>
+              <p:nextCondLst>
+                <p:cond evt="onNext" delay="0">
+                  <p:tgtEl>
+                    <p:sldTgt/>
+                  </p:tgtEl>
+                </p:cond>
+              </p:nextCondLst>
+            </p:seq>
+          </p:childTnLst>
+        </p:cTn>
+      </p:par>
+    </p:tnLst>
+    <p:bldLst>
+      <p:bldP spid="3" grpId="0" build="p"/>
+      <p:bldP spid="8" grpId="0" build="p"/>
+    </p:bldLst>
+  </p:timing>
+</p:sld>
+</file>
+
+<file path=ppt/slides/slide9.xml><?xml version="1.0" encoding="utf-8"?>
 <p:sld xmlns:a="http://schemas.openxmlformats.org/drawingml/2006/main" xmlns:r="http://schemas.openxmlformats.org/officeDocument/2006/relationships" xmlns:p="http://schemas.openxmlformats.org/presentationml/2006/main">
   <p:cSld>
     <p:spTree>
@@ -10979,26 +14552,507 @@
       </p:sp>
       <p:sp>
         <p:nvSpPr>
-          <p:cNvPr id="3" name="Content Placeholder 2">
+          <p:cNvPr id="4" name="Content Placeholder 2">
             <a:extLst>
               <a:ext uri="{FF2B5EF4-FFF2-40B4-BE49-F238E27FC236}">
-                <a16:creationId xmlns:a16="http://schemas.microsoft.com/office/drawing/2014/main" id="{95392A37-DE15-EC49-BABF-7E6DE5DE7BC2}"/>
+                <a16:creationId xmlns:a16="http://schemas.microsoft.com/office/drawing/2014/main" id="{0B71A1B0-A8FC-E042-92CB-3FEB5929B91E}"/>
               </a:ext>
             </a:extLst>
           </p:cNvPr>
-          <p:cNvSpPr>
+          <p:cNvSpPr txBox="1">
             <a:spLocks noGrp="1"/>
           </p:cNvSpPr>
           <p:nvPr>
             <p:ph idx="1"/>
           </p:nvPr>
         </p:nvSpPr>
-        <p:spPr/>
+        <p:spPr>
+          <a:xfrm>
+            <a:off x="746558" y="1192160"/>
+            <a:ext cx="10417971" cy="3124201"/>
+          </a:xfrm>
+          <a:prstGeom prst="rect">
+            <a:avLst/>
+          </a:prstGeom>
+        </p:spPr>
         <p:txBody>
-          <a:bodyPr/>
-          <a:lstStyle/>
-          <a:p>
-            <a:endParaRPr lang="en-US"/>
+          <a:bodyPr vert="horz" lIns="91440" tIns="45720" rIns="91440" bIns="45720" rtlCol="0" anchor="ctr">
+            <a:normAutofit/>
+          </a:bodyPr>
+          <a:lstStyle>
+            <a:lvl1pPr marL="285750" indent="-285750" algn="l" defTabSz="457200" rtl="0" eaLnBrk="1" latinLnBrk="0" hangingPunct="1">
+              <a:spcBef>
+                <a:spcPct val="20000"/>
+              </a:spcBef>
+              <a:spcAft>
+                <a:spcPts val="600"/>
+              </a:spcAft>
+              <a:buClr>
+                <a:schemeClr val="tx1"/>
+              </a:buClr>
+              <a:buSzPct val="100000"/>
+              <a:buFont typeface="Arial"/>
+              <a:buChar char="•"/>
+              <a:defRPr sz="2000" kern="1200" cap="small">
+                <a:gradFill flip="none" rotWithShape="1">
+                  <a:gsLst>
+                    <a:gs pos="0">
+                      <a:schemeClr val="tx1"/>
+                    </a:gs>
+                    <a:gs pos="100000">
+                      <a:schemeClr val="tx1">
+                        <a:lumMod val="75000"/>
+                      </a:schemeClr>
+                    </a:gs>
+                  </a:gsLst>
+                  <a:lin ang="5580000" scaled="0"/>
+                  <a:tileRect/>
+                </a:gradFill>
+                <a:effectLst>
+                  <a:glow rad="38100">
+                    <a:schemeClr val="bg1">
+                      <a:lumMod val="50000"/>
+                      <a:lumOff val="50000"/>
+                      <a:alpha val="20000"/>
+                    </a:schemeClr>
+                  </a:glow>
+                  <a:outerShdw blurRad="44450" dist="12700" dir="13860000" algn="tl" rotWithShape="0">
+                    <a:srgbClr val="000000">
+                      <a:alpha val="20000"/>
+                    </a:srgbClr>
+                  </a:outerShdw>
+                </a:effectLst>
+                <a:latin typeface="+mn-lt"/>
+                <a:ea typeface="+mn-ea"/>
+                <a:cs typeface="+mn-cs"/>
+              </a:defRPr>
+            </a:lvl1pPr>
+            <a:lvl2pPr marL="742950" indent="-285750" algn="l" defTabSz="457200" rtl="0" eaLnBrk="1" latinLnBrk="0" hangingPunct="1">
+              <a:spcBef>
+                <a:spcPct val="20000"/>
+              </a:spcBef>
+              <a:spcAft>
+                <a:spcPts val="600"/>
+              </a:spcAft>
+              <a:buClr>
+                <a:schemeClr val="tx1"/>
+              </a:buClr>
+              <a:buSzPct val="100000"/>
+              <a:buFont typeface="Arial"/>
+              <a:buChar char="•"/>
+              <a:defRPr sz="1800" kern="1200" cap="small">
+                <a:gradFill flip="none" rotWithShape="1">
+                  <a:gsLst>
+                    <a:gs pos="0">
+                      <a:schemeClr val="tx1"/>
+                    </a:gs>
+                    <a:gs pos="100000">
+                      <a:schemeClr val="tx1">
+                        <a:lumMod val="75000"/>
+                      </a:schemeClr>
+                    </a:gs>
+                  </a:gsLst>
+                  <a:lin ang="5580000" scaled="0"/>
+                  <a:tileRect/>
+                </a:gradFill>
+                <a:effectLst>
+                  <a:glow rad="38100">
+                    <a:schemeClr val="bg1">
+                      <a:lumMod val="50000"/>
+                      <a:lumOff val="50000"/>
+                      <a:alpha val="20000"/>
+                    </a:schemeClr>
+                  </a:glow>
+                  <a:outerShdw blurRad="44450" dist="12700" dir="13860000" algn="tl" rotWithShape="0">
+                    <a:srgbClr val="000000">
+                      <a:alpha val="20000"/>
+                    </a:srgbClr>
+                  </a:outerShdw>
+                </a:effectLst>
+                <a:latin typeface="+mn-lt"/>
+                <a:ea typeface="+mn-ea"/>
+                <a:cs typeface="+mn-cs"/>
+              </a:defRPr>
+            </a:lvl2pPr>
+            <a:lvl3pPr marL="1200150" indent="-285750" algn="l" defTabSz="457200" rtl="0" eaLnBrk="1" latinLnBrk="0" hangingPunct="1">
+              <a:spcBef>
+                <a:spcPct val="20000"/>
+              </a:spcBef>
+              <a:spcAft>
+                <a:spcPts val="600"/>
+              </a:spcAft>
+              <a:buClr>
+                <a:schemeClr val="tx1"/>
+              </a:buClr>
+              <a:buSzPct val="100000"/>
+              <a:buFont typeface="Arial"/>
+              <a:buChar char="•"/>
+              <a:defRPr sz="1600" kern="1200" cap="small">
+                <a:gradFill flip="none" rotWithShape="1">
+                  <a:gsLst>
+                    <a:gs pos="0">
+                      <a:schemeClr val="tx1"/>
+                    </a:gs>
+                    <a:gs pos="100000">
+                      <a:schemeClr val="tx1">
+                        <a:lumMod val="75000"/>
+                      </a:schemeClr>
+                    </a:gs>
+                  </a:gsLst>
+                  <a:lin ang="5580000" scaled="0"/>
+                  <a:tileRect/>
+                </a:gradFill>
+                <a:effectLst>
+                  <a:glow rad="38100">
+                    <a:schemeClr val="bg1">
+                      <a:lumMod val="50000"/>
+                      <a:lumOff val="50000"/>
+                      <a:alpha val="20000"/>
+                    </a:schemeClr>
+                  </a:glow>
+                  <a:outerShdw blurRad="44450" dist="12700" dir="13860000" algn="tl" rotWithShape="0">
+                    <a:srgbClr val="000000">
+                      <a:alpha val="20000"/>
+                    </a:srgbClr>
+                  </a:outerShdw>
+                </a:effectLst>
+                <a:latin typeface="+mn-lt"/>
+                <a:ea typeface="+mn-ea"/>
+                <a:cs typeface="+mn-cs"/>
+              </a:defRPr>
+            </a:lvl3pPr>
+            <a:lvl4pPr marL="1543050" indent="-171450" algn="l" defTabSz="457200" rtl="0" eaLnBrk="1" latinLnBrk="0" hangingPunct="1">
+              <a:spcBef>
+                <a:spcPct val="20000"/>
+              </a:spcBef>
+              <a:spcAft>
+                <a:spcPts val="600"/>
+              </a:spcAft>
+              <a:buClr>
+                <a:schemeClr val="tx1"/>
+              </a:buClr>
+              <a:buSzPct val="100000"/>
+              <a:buFont typeface="Arial"/>
+              <a:buChar char="•"/>
+              <a:defRPr sz="1400" kern="1200" cap="small">
+                <a:gradFill flip="none" rotWithShape="1">
+                  <a:gsLst>
+                    <a:gs pos="0">
+                      <a:schemeClr val="tx1"/>
+                    </a:gs>
+                    <a:gs pos="100000">
+                      <a:schemeClr val="tx1">
+                        <a:lumMod val="75000"/>
+                      </a:schemeClr>
+                    </a:gs>
+                  </a:gsLst>
+                  <a:lin ang="5580000" scaled="0"/>
+                  <a:tileRect/>
+                </a:gradFill>
+                <a:effectLst>
+                  <a:glow rad="38100">
+                    <a:schemeClr val="bg1">
+                      <a:lumMod val="50000"/>
+                      <a:lumOff val="50000"/>
+                      <a:alpha val="20000"/>
+                    </a:schemeClr>
+                  </a:glow>
+                  <a:outerShdw blurRad="44450" dist="12700" dir="13860000" algn="tl" rotWithShape="0">
+                    <a:srgbClr val="000000">
+                      <a:alpha val="20000"/>
+                    </a:srgbClr>
+                  </a:outerShdw>
+                </a:effectLst>
+                <a:latin typeface="+mn-lt"/>
+                <a:ea typeface="+mn-ea"/>
+                <a:cs typeface="+mn-cs"/>
+              </a:defRPr>
+            </a:lvl4pPr>
+            <a:lvl5pPr marL="2000250" indent="-171450" algn="l" defTabSz="457200" rtl="0" eaLnBrk="1" latinLnBrk="0" hangingPunct="1">
+              <a:spcBef>
+                <a:spcPct val="20000"/>
+              </a:spcBef>
+              <a:spcAft>
+                <a:spcPts val="600"/>
+              </a:spcAft>
+              <a:buClr>
+                <a:schemeClr val="tx1"/>
+              </a:buClr>
+              <a:buSzPct val="100000"/>
+              <a:buFont typeface="Arial"/>
+              <a:buChar char="•"/>
+              <a:defRPr sz="1400" kern="1200" cap="small">
+                <a:gradFill flip="none" rotWithShape="1">
+                  <a:gsLst>
+                    <a:gs pos="0">
+                      <a:schemeClr val="tx1"/>
+                    </a:gs>
+                    <a:gs pos="100000">
+                      <a:schemeClr val="tx1">
+                        <a:lumMod val="75000"/>
+                      </a:schemeClr>
+                    </a:gs>
+                  </a:gsLst>
+                  <a:lin ang="5580000" scaled="0"/>
+                  <a:tileRect/>
+                </a:gradFill>
+                <a:effectLst>
+                  <a:glow rad="38100">
+                    <a:schemeClr val="bg1">
+                      <a:lumMod val="50000"/>
+                      <a:lumOff val="50000"/>
+                      <a:alpha val="20000"/>
+                    </a:schemeClr>
+                  </a:glow>
+                  <a:outerShdw blurRad="44450" dist="12700" dir="13860000" algn="tl" rotWithShape="0">
+                    <a:srgbClr val="000000">
+                      <a:alpha val="20000"/>
+                    </a:srgbClr>
+                  </a:outerShdw>
+                </a:effectLst>
+                <a:latin typeface="+mn-lt"/>
+                <a:ea typeface="+mn-ea"/>
+                <a:cs typeface="+mn-cs"/>
+              </a:defRPr>
+            </a:lvl5pPr>
+            <a:lvl6pPr marL="2514600" indent="-228600" algn="l" defTabSz="457200" rtl="0" eaLnBrk="1" latinLnBrk="0" hangingPunct="1">
+              <a:spcBef>
+                <a:spcPct val="20000"/>
+              </a:spcBef>
+              <a:spcAft>
+                <a:spcPts val="600"/>
+              </a:spcAft>
+              <a:buClr>
+                <a:schemeClr val="tx1"/>
+              </a:buClr>
+              <a:buSzPct val="100000"/>
+              <a:buFont typeface="Arial"/>
+              <a:buChar char="•"/>
+              <a:defRPr sz="1200" kern="1200" cap="small">
+                <a:gradFill flip="none" rotWithShape="1">
+                  <a:gsLst>
+                    <a:gs pos="0">
+                      <a:schemeClr val="tx1"/>
+                    </a:gs>
+                    <a:gs pos="100000">
+                      <a:schemeClr val="tx1">
+                        <a:lumMod val="75000"/>
+                      </a:schemeClr>
+                    </a:gs>
+                  </a:gsLst>
+                  <a:lin ang="5580000" scaled="0"/>
+                  <a:tileRect/>
+                </a:gradFill>
+                <a:effectLst>
+                  <a:glow rad="38100">
+                    <a:schemeClr val="bg1">
+                      <a:lumMod val="50000"/>
+                      <a:lumOff val="50000"/>
+                      <a:alpha val="20000"/>
+                    </a:schemeClr>
+                  </a:glow>
+                  <a:outerShdw blurRad="44450" dist="12700" dir="13860000" algn="tl" rotWithShape="0">
+                    <a:srgbClr val="000000">
+                      <a:alpha val="20000"/>
+                    </a:srgbClr>
+                  </a:outerShdw>
+                </a:effectLst>
+                <a:latin typeface="+mn-lt"/>
+                <a:ea typeface="+mn-ea"/>
+                <a:cs typeface="+mn-cs"/>
+              </a:defRPr>
+            </a:lvl6pPr>
+            <a:lvl7pPr marL="2971800" indent="-228600" algn="l" defTabSz="457200" rtl="0" eaLnBrk="1" latinLnBrk="0" hangingPunct="1">
+              <a:spcBef>
+                <a:spcPct val="20000"/>
+              </a:spcBef>
+              <a:spcAft>
+                <a:spcPts val="600"/>
+              </a:spcAft>
+              <a:buClr>
+                <a:schemeClr val="tx1"/>
+              </a:buClr>
+              <a:buSzPct val="100000"/>
+              <a:buFont typeface="Arial"/>
+              <a:buChar char="•"/>
+              <a:defRPr sz="1200" kern="1200" cap="small">
+                <a:gradFill flip="none" rotWithShape="1">
+                  <a:gsLst>
+                    <a:gs pos="0">
+                      <a:schemeClr val="tx1"/>
+                    </a:gs>
+                    <a:gs pos="100000">
+                      <a:schemeClr val="tx1">
+                        <a:lumMod val="75000"/>
+                      </a:schemeClr>
+                    </a:gs>
+                  </a:gsLst>
+                  <a:lin ang="5580000" scaled="0"/>
+                  <a:tileRect/>
+                </a:gradFill>
+                <a:effectLst>
+                  <a:glow rad="38100">
+                    <a:schemeClr val="bg1">
+                      <a:lumMod val="50000"/>
+                      <a:lumOff val="50000"/>
+                      <a:alpha val="20000"/>
+                    </a:schemeClr>
+                  </a:glow>
+                  <a:outerShdw blurRad="44450" dist="12700" dir="13860000" algn="tl" rotWithShape="0">
+                    <a:srgbClr val="000000">
+                      <a:alpha val="20000"/>
+                    </a:srgbClr>
+                  </a:outerShdw>
+                </a:effectLst>
+                <a:latin typeface="+mn-lt"/>
+                <a:ea typeface="+mn-ea"/>
+                <a:cs typeface="+mn-cs"/>
+              </a:defRPr>
+            </a:lvl7pPr>
+            <a:lvl8pPr marL="3429000" indent="-228600" algn="l" defTabSz="457200" rtl="0" eaLnBrk="1" latinLnBrk="0" hangingPunct="1">
+              <a:spcBef>
+                <a:spcPct val="20000"/>
+              </a:spcBef>
+              <a:spcAft>
+                <a:spcPts val="600"/>
+              </a:spcAft>
+              <a:buClr>
+                <a:schemeClr val="tx1"/>
+              </a:buClr>
+              <a:buSzPct val="100000"/>
+              <a:buFont typeface="Arial"/>
+              <a:buChar char="•"/>
+              <a:defRPr sz="1200" kern="1200" cap="small">
+                <a:gradFill flip="none" rotWithShape="1">
+                  <a:gsLst>
+                    <a:gs pos="0">
+                      <a:schemeClr val="tx1"/>
+                    </a:gs>
+                    <a:gs pos="100000">
+                      <a:schemeClr val="tx1">
+                        <a:lumMod val="75000"/>
+                      </a:schemeClr>
+                    </a:gs>
+                  </a:gsLst>
+                  <a:lin ang="5580000" scaled="0"/>
+                  <a:tileRect/>
+                </a:gradFill>
+                <a:effectLst>
+                  <a:glow rad="38100">
+                    <a:schemeClr val="bg1">
+                      <a:lumMod val="50000"/>
+                      <a:lumOff val="50000"/>
+                      <a:alpha val="20000"/>
+                    </a:schemeClr>
+                  </a:glow>
+                  <a:outerShdw blurRad="44450" dist="12700" dir="13860000" algn="tl" rotWithShape="0">
+                    <a:srgbClr val="000000">
+                      <a:alpha val="20000"/>
+                    </a:srgbClr>
+                  </a:outerShdw>
+                </a:effectLst>
+                <a:latin typeface="+mn-lt"/>
+                <a:ea typeface="+mn-ea"/>
+                <a:cs typeface="+mn-cs"/>
+              </a:defRPr>
+            </a:lvl8pPr>
+            <a:lvl9pPr marL="3886200" indent="-228600" algn="l" defTabSz="457200" rtl="0" eaLnBrk="1" latinLnBrk="0" hangingPunct="1">
+              <a:spcBef>
+                <a:spcPct val="20000"/>
+              </a:spcBef>
+              <a:spcAft>
+                <a:spcPts val="600"/>
+              </a:spcAft>
+              <a:buClr>
+                <a:schemeClr val="tx1"/>
+              </a:buClr>
+              <a:buSzPct val="100000"/>
+              <a:buFont typeface="Arial"/>
+              <a:buChar char="•"/>
+              <a:defRPr sz="1200" kern="1200" cap="small">
+                <a:gradFill flip="none" rotWithShape="1">
+                  <a:gsLst>
+                    <a:gs pos="0">
+                      <a:schemeClr val="tx1"/>
+                    </a:gs>
+                    <a:gs pos="100000">
+                      <a:schemeClr val="tx1">
+                        <a:lumMod val="75000"/>
+                      </a:schemeClr>
+                    </a:gs>
+                  </a:gsLst>
+                  <a:lin ang="5580000" scaled="0"/>
+                  <a:tileRect/>
+                </a:gradFill>
+                <a:effectLst>
+                  <a:glow rad="38100">
+                    <a:schemeClr val="bg1">
+                      <a:lumMod val="50000"/>
+                      <a:lumOff val="50000"/>
+                      <a:alpha val="20000"/>
+                    </a:schemeClr>
+                  </a:glow>
+                  <a:outerShdw blurRad="44450" dist="12700" dir="13860000" algn="tl" rotWithShape="0">
+                    <a:srgbClr val="000000">
+                      <a:alpha val="20000"/>
+                    </a:srgbClr>
+                  </a:outerShdw>
+                </a:effectLst>
+                <a:latin typeface="+mn-lt"/>
+                <a:ea typeface="+mn-ea"/>
+                <a:cs typeface="+mn-cs"/>
+              </a:defRPr>
+            </a:lvl9pPr>
+          </a:lstStyle>
+          <a:p>
+            <a:pPr marL="457200" indent="-457200">
+              <a:buFont typeface="+mj-lt"/>
+              <a:buAutoNum type="arabicPeriod"/>
+            </a:pPr>
+            <a:r>
+              <a:rPr lang="en-US" dirty="0"/>
+              <a:t>Train respective model on covariates (Lasso Logistic Regression)</a:t>
+            </a:r>
+          </a:p>
+          <a:p>
+            <a:pPr marL="914400" lvl="1" indent="-457200">
+              <a:buFont typeface="+mj-lt"/>
+              <a:buAutoNum type="arabicPeriod"/>
+            </a:pPr>
+            <a:r>
+              <a:rPr lang="en-US" dirty="0"/>
+              <a:t>Didn’t have access to real ate, use default hyperparameters</a:t>
+            </a:r>
+          </a:p>
+          <a:p>
+            <a:pPr marL="457200" indent="-457200">
+              <a:buFont typeface="+mj-lt"/>
+              <a:buAutoNum type="arabicPeriod"/>
+            </a:pPr>
+            <a:r>
+              <a:rPr lang="en-US" dirty="0"/>
+              <a:t>Estimate propensity scores using that model</a:t>
+            </a:r>
+          </a:p>
+          <a:p>
+            <a:pPr marL="457200" indent="-457200">
+              <a:buFont typeface="+mj-lt"/>
+              <a:buAutoNum type="arabicPeriod"/>
+            </a:pPr>
+            <a:r>
+              <a:rPr lang="en-US" dirty="0"/>
+              <a:t>Regress outcome on treatment and each covariate, discard insignificant covariates</a:t>
+            </a:r>
+          </a:p>
+          <a:p>
+            <a:pPr marL="457200" indent="-457200">
+              <a:buFont typeface="+mj-lt"/>
+              <a:buAutoNum type="arabicPeriod"/>
+            </a:pPr>
+            <a:r>
+              <a:rPr lang="en-US" dirty="0"/>
+              <a:t>Compute weighted regression of outcome on treatment and remaining covariates and inverse propensity scores, ATE is coefficient on treatment</a:t>
+            </a:r>
           </a:p>
         </p:txBody>
       </p:sp>
@@ -11012,94 +15066,338 @@
   <p:clrMapOvr>
     <a:masterClrMapping/>
   </p:clrMapOvr>
-</p:sld>
-</file>
-
-<file path=ppt/slides/slide9.xml><?xml version="1.0" encoding="utf-8"?>
-<p:sld xmlns:a="http://schemas.openxmlformats.org/drawingml/2006/main" xmlns:r="http://schemas.openxmlformats.org/officeDocument/2006/relationships" xmlns:p="http://schemas.openxmlformats.org/presentationml/2006/main">
-  <p:cSld>
-    <p:spTree>
-      <p:nvGrpSpPr>
-        <p:cNvPr id="1" name=""/>
-        <p:cNvGrpSpPr/>
-        <p:nvPr/>
-      </p:nvGrpSpPr>
-      <p:grpSpPr>
-        <a:xfrm>
-          <a:off x="0" y="0"/>
-          <a:ext cx="0" cy="0"/>
-          <a:chOff x="0" y="0"/>
-          <a:chExt cx="0" cy="0"/>
-        </a:xfrm>
-      </p:grpSpPr>
-      <p:sp>
-        <p:nvSpPr>
-          <p:cNvPr id="2" name="Title 1">
-            <a:extLst>
-              <a:ext uri="{FF2B5EF4-FFF2-40B4-BE49-F238E27FC236}">
-                <a16:creationId xmlns:a16="http://schemas.microsoft.com/office/drawing/2014/main" id="{A288C8C4-22B4-D94E-9E4E-5DDD0BA32575}"/>
-              </a:ext>
-            </a:extLst>
-          </p:cNvPr>
-          <p:cNvSpPr>
-            <a:spLocks noGrp="1"/>
-          </p:cNvSpPr>
-          <p:nvPr>
-            <p:ph type="title"/>
-          </p:nvPr>
-        </p:nvSpPr>
-        <p:spPr>
-          <a:xfrm>
-            <a:off x="663431" y="0"/>
-            <a:ext cx="9905998" cy="813955"/>
-          </a:xfrm>
-        </p:spPr>
-        <p:txBody>
-          <a:bodyPr/>
-          <a:lstStyle/>
-          <a:p>
-            <a:r>
-              <a:rPr lang="en-US" dirty="0"/>
-              <a:t>ATE Estimation Results</a:t>
-            </a:r>
-          </a:p>
-        </p:txBody>
-      </p:sp>
-      <p:sp>
-        <p:nvSpPr>
-          <p:cNvPr id="3" name="Content Placeholder 2">
-            <a:extLst>
-              <a:ext uri="{FF2B5EF4-FFF2-40B4-BE49-F238E27FC236}">
-                <a16:creationId xmlns:a16="http://schemas.microsoft.com/office/drawing/2014/main" id="{1F9B6A5A-8AEA-6D47-B03C-60D7E2C65D11}"/>
-              </a:ext>
-            </a:extLst>
-          </p:cNvPr>
-          <p:cNvSpPr>
-            <a:spLocks noGrp="1"/>
-          </p:cNvSpPr>
-          <p:nvPr>
-            <p:ph idx="1"/>
-          </p:nvPr>
-        </p:nvSpPr>
-        <p:spPr/>
-        <p:txBody>
-          <a:bodyPr/>
-          <a:lstStyle/>
-          <a:p>
-            <a:endParaRPr lang="en-US"/>
-          </a:p>
-        </p:txBody>
-      </p:sp>
-    </p:spTree>
-    <p:extLst>
-      <p:ext uri="{BB962C8B-B14F-4D97-AF65-F5344CB8AC3E}">
-        <p14:creationId xmlns:p14="http://schemas.microsoft.com/office/powerpoint/2010/main" val="2385975659"/>
-      </p:ext>
-    </p:extLst>
-  </p:cSld>
-  <p:clrMapOvr>
-    <a:masterClrMapping/>
-  </p:clrMapOvr>
+  <mc:AlternateContent xmlns:mc="http://schemas.openxmlformats.org/markup-compatibility/2006">
+    <mc:Choice xmlns:p14="http://schemas.microsoft.com/office/powerpoint/2010/main" Requires="p14">
+      <p:transition spd="slow" p14:dur="800">
+        <p:fade/>
+      </p:transition>
+    </mc:Choice>
+    <mc:Fallback>
+      <p:transition spd="slow">
+        <p:fade/>
+      </p:transition>
+    </mc:Fallback>
+  </mc:AlternateContent>
+  <p:timing>
+    <p:tnLst>
+      <p:par>
+        <p:cTn id="1" dur="indefinite" restart="never" nodeType="tmRoot">
+          <p:childTnLst>
+            <p:seq concurrent="1" nextAc="seek">
+              <p:cTn id="2" dur="indefinite" nodeType="mainSeq">
+                <p:childTnLst>
+                  <p:par>
+                    <p:cTn id="3" fill="hold">
+                      <p:stCondLst>
+                        <p:cond delay="indefinite"/>
+                      </p:stCondLst>
+                      <p:childTnLst>
+                        <p:par>
+                          <p:cTn id="4" fill="hold">
+                            <p:stCondLst>
+                              <p:cond delay="0"/>
+                            </p:stCondLst>
+                            <p:childTnLst>
+                              <p:par>
+                                <p:cTn id="5" presetID="10" presetClass="entr" presetSubtype="0" fill="hold" grpId="0" nodeType="clickEffect">
+                                  <p:stCondLst>
+                                    <p:cond delay="0"/>
+                                  </p:stCondLst>
+                                  <p:childTnLst>
+                                    <p:set>
+                                      <p:cBhvr>
+                                        <p:cTn id="6" dur="1" fill="hold">
+                                          <p:stCondLst>
+                                            <p:cond delay="0"/>
+                                          </p:stCondLst>
+                                        </p:cTn>
+                                        <p:tgtEl>
+                                          <p:spTgt spid="4">
+                                            <p:txEl>
+                                              <p:pRg st="0" end="0"/>
+                                            </p:txEl>
+                                          </p:spTgt>
+                                        </p:tgtEl>
+                                        <p:attrNameLst>
+                                          <p:attrName>style.visibility</p:attrName>
+                                        </p:attrNameLst>
+                                      </p:cBhvr>
+                                      <p:to>
+                                        <p:strVal val="visible"/>
+                                      </p:to>
+                                    </p:set>
+                                    <p:animEffect transition="in" filter="fade">
+                                      <p:cBhvr>
+                                        <p:cTn id="7" dur="1000"/>
+                                        <p:tgtEl>
+                                          <p:spTgt spid="4">
+                                            <p:txEl>
+                                              <p:pRg st="0" end="0"/>
+                                            </p:txEl>
+                                          </p:spTgt>
+                                        </p:tgtEl>
+                                      </p:cBhvr>
+                                    </p:animEffect>
+                                  </p:childTnLst>
+                                </p:cTn>
+                              </p:par>
+                              <p:par>
+                                <p:cTn id="8" presetID="10" presetClass="entr" presetSubtype="0" fill="hold" grpId="0" nodeType="withEffect">
+                                  <p:stCondLst>
+                                    <p:cond delay="0"/>
+                                  </p:stCondLst>
+                                  <p:childTnLst>
+                                    <p:set>
+                                      <p:cBhvr>
+                                        <p:cTn id="9" dur="1" fill="hold">
+                                          <p:stCondLst>
+                                            <p:cond delay="0"/>
+                                          </p:stCondLst>
+                                        </p:cTn>
+                                        <p:tgtEl>
+                                          <p:spTgt spid="4">
+                                            <p:txEl>
+                                              <p:pRg st="1" end="1"/>
+                                            </p:txEl>
+                                          </p:spTgt>
+                                        </p:tgtEl>
+                                        <p:attrNameLst>
+                                          <p:attrName>style.visibility</p:attrName>
+                                        </p:attrNameLst>
+                                      </p:cBhvr>
+                                      <p:to>
+                                        <p:strVal val="visible"/>
+                                      </p:to>
+                                    </p:set>
+                                    <p:animEffect transition="in" filter="fade">
+                                      <p:cBhvr>
+                                        <p:cTn id="10" dur="1000"/>
+                                        <p:tgtEl>
+                                          <p:spTgt spid="4">
+                                            <p:txEl>
+                                              <p:pRg st="1" end="1"/>
+                                            </p:txEl>
+                                          </p:spTgt>
+                                        </p:tgtEl>
+                                      </p:cBhvr>
+                                    </p:animEffect>
+                                  </p:childTnLst>
+                                </p:cTn>
+                              </p:par>
+                            </p:childTnLst>
+                          </p:cTn>
+                        </p:par>
+                      </p:childTnLst>
+                    </p:cTn>
+                  </p:par>
+                  <p:par>
+                    <p:cTn id="11" fill="hold">
+                      <p:stCondLst>
+                        <p:cond delay="indefinite"/>
+                      </p:stCondLst>
+                      <p:childTnLst>
+                        <p:par>
+                          <p:cTn id="12" fill="hold">
+                            <p:stCondLst>
+                              <p:cond delay="0"/>
+                            </p:stCondLst>
+                            <p:childTnLst>
+                              <p:par>
+                                <p:cTn id="13" presetID="10" presetClass="entr" presetSubtype="0" fill="hold" grpId="0" nodeType="clickEffect">
+                                  <p:stCondLst>
+                                    <p:cond delay="0"/>
+                                  </p:stCondLst>
+                                  <p:childTnLst>
+                                    <p:set>
+                                      <p:cBhvr>
+                                        <p:cTn id="14" dur="1" fill="hold">
+                                          <p:stCondLst>
+                                            <p:cond delay="0"/>
+                                          </p:stCondLst>
+                                        </p:cTn>
+                                        <p:tgtEl>
+                                          <p:spTgt spid="4">
+                                            <p:txEl>
+                                              <p:pRg st="2" end="2"/>
+                                            </p:txEl>
+                                          </p:spTgt>
+                                        </p:tgtEl>
+                                        <p:attrNameLst>
+                                          <p:attrName>style.visibility</p:attrName>
+                                        </p:attrNameLst>
+                                      </p:cBhvr>
+                                      <p:to>
+                                        <p:strVal val="visible"/>
+                                      </p:to>
+                                    </p:set>
+                                    <p:animEffect transition="in" filter="fade">
+                                      <p:cBhvr>
+                                        <p:cTn id="15" dur="1000"/>
+                                        <p:tgtEl>
+                                          <p:spTgt spid="4">
+                                            <p:txEl>
+                                              <p:pRg st="2" end="2"/>
+                                            </p:txEl>
+                                          </p:spTgt>
+                                        </p:tgtEl>
+                                      </p:cBhvr>
+                                    </p:animEffect>
+                                  </p:childTnLst>
+                                </p:cTn>
+                              </p:par>
+                            </p:childTnLst>
+                          </p:cTn>
+                        </p:par>
+                      </p:childTnLst>
+                    </p:cTn>
+                  </p:par>
+                  <p:par>
+                    <p:cTn id="16" fill="hold">
+                      <p:stCondLst>
+                        <p:cond delay="indefinite"/>
+                      </p:stCondLst>
+                      <p:childTnLst>
+                        <p:par>
+                          <p:cTn id="17" fill="hold">
+                            <p:stCondLst>
+                              <p:cond delay="0"/>
+                            </p:stCondLst>
+                            <p:childTnLst>
+                              <p:par>
+                                <p:cTn id="18" presetID="10" presetClass="entr" presetSubtype="0" fill="hold" grpId="0" nodeType="clickEffect">
+                                  <p:stCondLst>
+                                    <p:cond delay="0"/>
+                                  </p:stCondLst>
+                                  <p:childTnLst>
+                                    <p:set>
+                                      <p:cBhvr>
+                                        <p:cTn id="19" dur="1" fill="hold">
+                                          <p:stCondLst>
+                                            <p:cond delay="0"/>
+                                          </p:stCondLst>
+                                        </p:cTn>
+                                        <p:tgtEl>
+                                          <p:spTgt spid="4">
+                                            <p:txEl>
+                                              <p:pRg st="3" end="3"/>
+                                            </p:txEl>
+                                          </p:spTgt>
+                                        </p:tgtEl>
+                                        <p:attrNameLst>
+                                          <p:attrName>style.visibility</p:attrName>
+                                        </p:attrNameLst>
+                                      </p:cBhvr>
+                                      <p:to>
+                                        <p:strVal val="visible"/>
+                                      </p:to>
+                                    </p:set>
+                                    <p:animEffect transition="in" filter="fade">
+                                      <p:cBhvr>
+                                        <p:cTn id="20" dur="1000"/>
+                                        <p:tgtEl>
+                                          <p:spTgt spid="4">
+                                            <p:txEl>
+                                              <p:pRg st="3" end="3"/>
+                                            </p:txEl>
+                                          </p:spTgt>
+                                        </p:tgtEl>
+                                      </p:cBhvr>
+                                    </p:animEffect>
+                                  </p:childTnLst>
+                                </p:cTn>
+                              </p:par>
+                            </p:childTnLst>
+                          </p:cTn>
+                        </p:par>
+                      </p:childTnLst>
+                    </p:cTn>
+                  </p:par>
+                  <p:par>
+                    <p:cTn id="21" fill="hold">
+                      <p:stCondLst>
+                        <p:cond delay="indefinite"/>
+                      </p:stCondLst>
+                      <p:childTnLst>
+                        <p:par>
+                          <p:cTn id="22" fill="hold">
+                            <p:stCondLst>
+                              <p:cond delay="0"/>
+                            </p:stCondLst>
+                            <p:childTnLst>
+                              <p:par>
+                                <p:cTn id="23" presetID="10" presetClass="entr" presetSubtype="0" fill="hold" grpId="0" nodeType="clickEffect">
+                                  <p:stCondLst>
+                                    <p:cond delay="0"/>
+                                  </p:stCondLst>
+                                  <p:childTnLst>
+                                    <p:set>
+                                      <p:cBhvr>
+                                        <p:cTn id="24" dur="1" fill="hold">
+                                          <p:stCondLst>
+                                            <p:cond delay="0"/>
+                                          </p:stCondLst>
+                                        </p:cTn>
+                                        <p:tgtEl>
+                                          <p:spTgt spid="4">
+                                            <p:txEl>
+                                              <p:pRg st="4" end="4"/>
+                                            </p:txEl>
+                                          </p:spTgt>
+                                        </p:tgtEl>
+                                        <p:attrNameLst>
+                                          <p:attrName>style.visibility</p:attrName>
+                                        </p:attrNameLst>
+                                      </p:cBhvr>
+                                      <p:to>
+                                        <p:strVal val="visible"/>
+                                      </p:to>
+                                    </p:set>
+                                    <p:animEffect transition="in" filter="fade">
+                                      <p:cBhvr>
+                                        <p:cTn id="25" dur="1000"/>
+                                        <p:tgtEl>
+                                          <p:spTgt spid="4">
+                                            <p:txEl>
+                                              <p:pRg st="4" end="4"/>
+                                            </p:txEl>
+                                          </p:spTgt>
+                                        </p:tgtEl>
+                                      </p:cBhvr>
+                                    </p:animEffect>
+                                  </p:childTnLst>
+                                </p:cTn>
+                              </p:par>
+                            </p:childTnLst>
+                          </p:cTn>
+                        </p:par>
+                      </p:childTnLst>
+                    </p:cTn>
+                  </p:par>
+                </p:childTnLst>
+              </p:cTn>
+              <p:prevCondLst>
+                <p:cond evt="onPrev" delay="0">
+                  <p:tgtEl>
+                    <p:sldTgt/>
+                  </p:tgtEl>
+                </p:cond>
+              </p:prevCondLst>
+              <p:nextCondLst>
+                <p:cond evt="onNext" delay="0">
+                  <p:tgtEl>
+                    <p:sldTgt/>
+                  </p:tgtEl>
+                </p:cond>
+              </p:nextCondLst>
+            </p:seq>
+          </p:childTnLst>
+        </p:cTn>
+      </p:par>
+    </p:tnLst>
+    <p:bldLst>
+      <p:bldP spid="4" grpId="0" build="p"/>
+    </p:bldLst>
+  </p:timing>
 </p:sld>
 </file>
 

--- a/doc/ADS Project 4 Presentation.pptx
+++ b/doc/ADS Project 4 Presentation.pptx
@@ -6779,7 +6779,7 @@
             <p:ph idx="1"/>
             <p:extLst>
               <p:ext uri="{D42A27DB-BD31-4B8C-83A1-F6EECF244321}">
-                <p14:modId xmlns:p14="http://schemas.microsoft.com/office/powerpoint/2010/main" val="1665930179"/>
+                <p14:modId xmlns:p14="http://schemas.microsoft.com/office/powerpoint/2010/main" val="3164779845"/>
               </p:ext>
             </p:extLst>
           </p:nvPr>
@@ -7152,7 +7152,10 @@
                     <a:bodyPr/>
                     <a:lstStyle/>
                     <a:p>
-                      <a:endParaRPr lang="en-US"/>
+                      <a:r>
+                        <a:rPr lang="en-US" dirty="0"/>
+                        <a:t>4.369954</a:t>
+                      </a:r>
                     </a:p>
                   </a:txBody>
                   <a:tcPr/>
@@ -7162,7 +7165,10 @@
                     <a:bodyPr/>
                     <a:lstStyle/>
                     <a:p>
-                      <a:endParaRPr lang="en-US"/>
+                      <a:r>
+                        <a:rPr lang="en-US" dirty="0"/>
+                        <a:t>0.18272302</a:t>
+                      </a:r>
                     </a:p>
                   </a:txBody>
                   <a:tcPr/>
@@ -7172,7 +7178,10 @@
                     <a:bodyPr/>
                     <a:lstStyle/>
                     <a:p>
-                      <a:endParaRPr lang="en-US"/>
+                      <a:r>
+                        <a:rPr lang="en-US" dirty="0"/>
+                        <a:t>-52.62841</a:t>
+                      </a:r>
                     </a:p>
                   </a:txBody>
                   <a:tcPr/>
@@ -7182,7 +7191,10 @@
                     <a:bodyPr/>
                     <a:lstStyle/>
                     <a:p>
-                      <a:endParaRPr lang="en-US"/>
+                      <a:r>
+                        <a:rPr lang="en-US" dirty="0"/>
+                        <a:t>0.04108073</a:t>
+                      </a:r>
                     </a:p>
                   </a:txBody>
                   <a:tcPr/>
@@ -7229,7 +7241,10 @@
                     <a:bodyPr/>
                     <a:lstStyle/>
                     <a:p>
-                      <a:endParaRPr lang="en-US"/>
+                      <a:r>
+                        <a:rPr lang="en-US" dirty="0"/>
+                        <a:t>2.371125</a:t>
+                      </a:r>
                     </a:p>
                   </a:txBody>
                   <a:tcPr/>
@@ -7239,7 +7254,10 @@
                     <a:bodyPr/>
                     <a:lstStyle/>
                     <a:p>
-                      <a:endParaRPr lang="en-US"/>
+                      <a:r>
+                        <a:rPr lang="en-US" dirty="0"/>
+                        <a:t>0.02252324</a:t>
+                      </a:r>
                     </a:p>
                   </a:txBody>
                   <a:tcPr/>
@@ -7249,7 +7267,10 @@
                     <a:bodyPr/>
                     <a:lstStyle/>
                     <a:p>
-                      <a:endParaRPr lang="en-US"/>
+                      <a:r>
+                        <a:rPr lang="en-US" dirty="0"/>
+                        <a:t>-53.38666</a:t>
+                      </a:r>
                     </a:p>
                   </a:txBody>
                   <a:tcPr/>
@@ -7259,7 +7280,10 @@
                     <a:bodyPr/>
                     <a:lstStyle/>
                     <a:p>
-                      <a:endParaRPr lang="en-US"/>
+                      <a:r>
+                        <a:rPr lang="en-US" dirty="0"/>
+                        <a:t>0.02709601</a:t>
+                      </a:r>
                     </a:p>
                   </a:txBody>
                   <a:tcPr/>
@@ -7425,7 +7449,7 @@
             <p:ph idx="1"/>
             <p:extLst>
               <p:ext uri="{D42A27DB-BD31-4B8C-83A1-F6EECF244321}">
-                <p14:modId xmlns:p14="http://schemas.microsoft.com/office/powerpoint/2010/main" val="801634835"/>
+                <p14:modId xmlns:p14="http://schemas.microsoft.com/office/powerpoint/2010/main" val="2177859053"/>
               </p:ext>
             </p:extLst>
           </p:nvPr>
@@ -7792,7 +7816,10 @@
                     <a:bodyPr/>
                     <a:lstStyle/>
                     <a:p>
-                      <a:endParaRPr lang="en-US"/>
+                      <a:r>
+                        <a:rPr lang="en-US" dirty="0"/>
+                        <a:t>0.050</a:t>
+                      </a:r>
                     </a:p>
                   </a:txBody>
                   <a:tcPr/>
@@ -7802,7 +7829,10 @@
                     <a:bodyPr/>
                     <a:lstStyle/>
                     <a:p>
-                      <a:endParaRPr lang="en-US"/>
+                      <a:r>
+                        <a:rPr lang="en-US" dirty="0"/>
+                        <a:t>0.026</a:t>
+                      </a:r>
                     </a:p>
                   </a:txBody>
                   <a:tcPr/>
@@ -7812,7 +7842,10 @@
                     <a:bodyPr/>
                     <a:lstStyle/>
                     <a:p>
-                      <a:endParaRPr lang="en-US"/>
+                      <a:r>
+                        <a:rPr lang="en-US" dirty="0"/>
+                        <a:t>0.138</a:t>
+                      </a:r>
                     </a:p>
                   </a:txBody>
                   <a:tcPr/>
@@ -7822,7 +7855,7 @@
                     <a:bodyPr/>
                     <a:lstStyle/>
                     <a:p>
-                      <a:endParaRPr lang="en-US"/>
+                      <a:endParaRPr lang="en-US" dirty="0"/>
                     </a:p>
                   </a:txBody>
                   <a:tcPr/>
@@ -7869,7 +7902,10 @@
                     <a:bodyPr/>
                     <a:lstStyle/>
                     <a:p>
-                      <a:endParaRPr lang="en-US"/>
+                      <a:r>
+                        <a:rPr lang="en-US" dirty="0"/>
+                        <a:t>0.034</a:t>
+                      </a:r>
                     </a:p>
                   </a:txBody>
                   <a:tcPr/>
@@ -7879,7 +7915,10 @@
                     <a:bodyPr/>
                     <a:lstStyle/>
                     <a:p>
-                      <a:endParaRPr lang="en-US"/>
+                      <a:r>
+                        <a:rPr lang="en-US" dirty="0"/>
+                        <a:t>0.007</a:t>
+                      </a:r>
                     </a:p>
                   </a:txBody>
                   <a:tcPr/>
@@ -7889,7 +7928,10 @@
                     <a:bodyPr/>
                     <a:lstStyle/>
                     <a:p>
-                      <a:endParaRPr lang="en-US"/>
+                      <a:r>
+                        <a:rPr lang="en-US" dirty="0"/>
+                        <a:t>0.150</a:t>
+                      </a:r>
                     </a:p>
                   </a:txBody>
                   <a:tcPr/>
@@ -8044,7 +8086,7 @@
           <a:p>
             <a:r>
               <a:rPr lang="en-US" dirty="0"/>
-              <a:t>Empirical Time complexity results</a:t>
+              <a:t>Empirical Time complexity results (Seconds)</a:t>
             </a:r>
           </a:p>
         </p:txBody>
@@ -8065,7 +8107,7 @@
             <p:ph idx="1"/>
             <p:extLst>
               <p:ext uri="{D42A27DB-BD31-4B8C-83A1-F6EECF244321}">
-                <p14:modId xmlns:p14="http://schemas.microsoft.com/office/powerpoint/2010/main" val="3018638305"/>
+                <p14:modId xmlns:p14="http://schemas.microsoft.com/office/powerpoint/2010/main" val="226162743"/>
               </p:ext>
             </p:extLst>
           </p:nvPr>
@@ -8247,7 +8289,7 @@
                     <a:bodyPr/>
                     <a:lstStyle/>
                     <a:p>
-                      <a:endParaRPr lang="en-US"/>
+                      <a:endParaRPr lang="en-US" dirty="0"/>
                     </a:p>
                   </a:txBody>
                   <a:tcPr/>
@@ -8316,7 +8358,7 @@
                     <a:bodyPr/>
                     <a:lstStyle/>
                     <a:p>
-                      <a:endParaRPr lang="en-US"/>
+                      <a:endParaRPr lang="en-US" dirty="0"/>
                     </a:p>
                   </a:txBody>
                   <a:tcPr/>
@@ -8373,10 +8415,9 @@
                     <a:lstStyle/>
                     <a:p>
                       <a:r>
-                        <a:rPr lang="en-US"/>
+                        <a:rPr lang="en-US" dirty="0"/>
                         <a:t>2.857</a:t>
                       </a:r>
-                      <a:endParaRPr lang="en-US" dirty="0"/>
                     </a:p>
                   </a:txBody>
                   <a:tcPr/>
@@ -8386,7 +8427,7 @@
                     <a:bodyPr/>
                     <a:lstStyle/>
                     <a:p>
-                      <a:endParaRPr lang="en-US"/>
+                      <a:endParaRPr lang="en-US" dirty="0"/>
                     </a:p>
                   </a:txBody>
                   <a:tcPr/>
@@ -8433,7 +8474,10 @@
                     <a:bodyPr/>
                     <a:lstStyle/>
                     <a:p>
-                      <a:endParaRPr lang="en-US"/>
+                      <a:r>
+                        <a:rPr lang="en-US" dirty="0"/>
+                        <a:t>1.149</a:t>
+                      </a:r>
                     </a:p>
                   </a:txBody>
                   <a:tcPr/>
@@ -8443,7 +8487,10 @@
                     <a:bodyPr/>
                     <a:lstStyle/>
                     <a:p>
-                      <a:endParaRPr lang="en-US"/>
+                      <a:r>
+                        <a:rPr lang="en-US" dirty="0"/>
+                        <a:t>0.007</a:t>
+                      </a:r>
                     </a:p>
                   </a:txBody>
                   <a:tcPr/>
@@ -8453,7 +8500,10 @@
                     <a:bodyPr/>
                     <a:lstStyle/>
                     <a:p>
-                      <a:endParaRPr lang="en-US"/>
+                      <a:r>
+                        <a:rPr lang="en-US" dirty="0"/>
+                        <a:t>4.341</a:t>
+                      </a:r>
                     </a:p>
                   </a:txBody>
                   <a:tcPr/>
@@ -8510,7 +8560,10 @@
                     <a:bodyPr/>
                     <a:lstStyle/>
                     <a:p>
-                      <a:endParaRPr lang="en-US"/>
+                      <a:r>
+                        <a:rPr lang="en-US" dirty="0"/>
+                        <a:t>0.436</a:t>
+                      </a:r>
                     </a:p>
                   </a:txBody>
                   <a:tcPr/>
@@ -8520,7 +8573,10 @@
                     <a:bodyPr/>
                     <a:lstStyle/>
                     <a:p>
-                      <a:endParaRPr lang="en-US"/>
+                      <a:r>
+                        <a:rPr lang="en-US" dirty="0"/>
+                        <a:t>0.027</a:t>
+                      </a:r>
                     </a:p>
                   </a:txBody>
                   <a:tcPr/>
@@ -8530,7 +8586,10 @@
                     <a:bodyPr/>
                     <a:lstStyle/>
                     <a:p>
-                      <a:endParaRPr lang="en-US"/>
+                      <a:r>
+                        <a:rPr lang="en-US" dirty="0"/>
+                        <a:t>4.072</a:t>
+                      </a:r>
                     </a:p>
                   </a:txBody>
                   <a:tcPr/>
@@ -8570,7 +8629,7 @@
                     <a:bodyPr/>
                     <a:lstStyle/>
                     <a:p>
-                      <a:endParaRPr lang="en-US"/>
+                      <a:endParaRPr lang="en-US" dirty="0"/>
                     </a:p>
                   </a:txBody>
                   <a:tcPr/>

--- a/doc/ADS Project 4 Presentation.pptx
+++ b/doc/ADS Project 4 Presentation.pptx
@@ -6779,7 +6779,7 @@
             <p:ph idx="1"/>
             <p:extLst>
               <p:ext uri="{D42A27DB-BD31-4B8C-83A1-F6EECF244321}">
-                <p14:modId xmlns:p14="http://schemas.microsoft.com/office/powerpoint/2010/main" val="3164779845"/>
+                <p14:modId xmlns:p14="http://schemas.microsoft.com/office/powerpoint/2010/main" val="1654503185"/>
               </p:ext>
             </p:extLst>
           </p:nvPr>
@@ -7313,7 +7313,10 @@
                     <a:bodyPr/>
                     <a:lstStyle/>
                     <a:p>
-                      <a:endParaRPr lang="en-US"/>
+                      <a:r>
+                        <a:rPr lang="en-US" dirty="0"/>
+                        <a:t>2.090175</a:t>
+                      </a:r>
                     </a:p>
                   </a:txBody>
                   <a:tcPr/>
@@ -7323,7 +7326,10 @@
                     <a:bodyPr/>
                     <a:lstStyle/>
                     <a:p>
-                      <a:endParaRPr lang="en-US"/>
+                      <a:r>
+                        <a:rPr lang="en-US" dirty="0"/>
+                        <a:t>6.028979e-06</a:t>
+                      </a:r>
                     </a:p>
                   </a:txBody>
                   <a:tcPr/>
@@ -7333,7 +7339,10 @@
                     <a:bodyPr/>
                     <a:lstStyle/>
                     <a:p>
-                      <a:endParaRPr lang="en-US"/>
+                      <a:r>
+                        <a:rPr lang="en-US" dirty="0"/>
+                        <a:t>-57.95906</a:t>
+                      </a:r>
                     </a:p>
                   </a:txBody>
                   <a:tcPr/>
@@ -7343,7 +7352,10 @@
                     <a:bodyPr/>
                     <a:lstStyle/>
                     <a:p>
-                      <a:endParaRPr lang="en-US" dirty="0"/>
+                      <a:r>
+                        <a:rPr lang="en-US" dirty="0"/>
+                        <a:t>-0.05723466</a:t>
+                      </a:r>
                     </a:p>
                   </a:txBody>
                   <a:tcPr/>
@@ -7449,14 +7461,14 @@
             <p:ph idx="1"/>
             <p:extLst>
               <p:ext uri="{D42A27DB-BD31-4B8C-83A1-F6EECF244321}">
-                <p14:modId xmlns:p14="http://schemas.microsoft.com/office/powerpoint/2010/main" val="2177859053"/>
+                <p14:modId xmlns:p14="http://schemas.microsoft.com/office/powerpoint/2010/main" val="3472626673"/>
               </p:ext>
             </p:extLst>
           </p:nvPr>
         </p:nvGraphicFramePr>
         <p:xfrm>
           <a:off x="663431" y="1519084"/>
-          <a:ext cx="11002540" cy="4689984"/>
+          <a:ext cx="11002542" cy="4723027"/>
         </p:xfrm>
         <a:graphic>
           <a:graphicData uri="http://schemas.openxmlformats.org/drawingml/2006/table">
@@ -7465,35 +7477,42 @@
                 <a:tableStyleId>{5C22544A-7EE6-4342-B048-85BDC9FD1C3A}</a:tableStyleId>
               </a:tblPr>
               <a:tblGrid>
-                <a:gridCol w="2200508">
+                <a:gridCol w="1833757">
                   <a:extLst>
                     <a:ext uri="{9D8B030D-6E8A-4147-A177-3AD203B41FA5}">
                       <a16:colId xmlns:a16="http://schemas.microsoft.com/office/drawing/2014/main" val="4172883840"/>
                     </a:ext>
                   </a:extLst>
                 </a:gridCol>
-                <a:gridCol w="2200508">
+                <a:gridCol w="1833757">
                   <a:extLst>
                     <a:ext uri="{9D8B030D-6E8A-4147-A177-3AD203B41FA5}">
                       <a16:colId xmlns:a16="http://schemas.microsoft.com/office/drawing/2014/main" val="1001523375"/>
                     </a:ext>
                   </a:extLst>
                 </a:gridCol>
-                <a:gridCol w="2200508">
+                <a:gridCol w="1833757">
                   <a:extLst>
                     <a:ext uri="{9D8B030D-6E8A-4147-A177-3AD203B41FA5}">
                       <a16:colId xmlns:a16="http://schemas.microsoft.com/office/drawing/2014/main" val="2616206518"/>
                     </a:ext>
                   </a:extLst>
                 </a:gridCol>
-                <a:gridCol w="2200508">
+                <a:gridCol w="1833757">
                   <a:extLst>
                     <a:ext uri="{9D8B030D-6E8A-4147-A177-3AD203B41FA5}">
                       <a16:colId xmlns:a16="http://schemas.microsoft.com/office/drawing/2014/main" val="2559281583"/>
                     </a:ext>
                   </a:extLst>
                 </a:gridCol>
-                <a:gridCol w="2200508">
+                <a:gridCol w="1833757">
+                  <a:extLst>
+                    <a:ext uri="{9D8B030D-6E8A-4147-A177-3AD203B41FA5}">
+                      <a16:colId xmlns:a16="http://schemas.microsoft.com/office/drawing/2014/main" val="1857080764"/>
+                    </a:ext>
+                  </a:extLst>
+                </a:gridCol>
+                <a:gridCol w="1833757">
                   <a:extLst>
                     <a:ext uri="{9D8B030D-6E8A-4147-A177-3AD203B41FA5}">
                       <a16:colId xmlns:a16="http://schemas.microsoft.com/office/drawing/2014/main" val="3316237672"/>
@@ -7549,6 +7568,19 @@
                       <a:r>
                         <a:rPr lang="en-US" dirty="0"/>
                         <a:t>Propensity Matching</a:t>
+                      </a:r>
+                    </a:p>
+                  </a:txBody>
+                  <a:tcPr/>
+                </a:tc>
+                <a:tc>
+                  <a:txBody>
+                    <a:bodyPr/>
+                    <a:lstStyle/>
+                    <a:p>
+                      <a:r>
+                        <a:rPr lang="en-US" dirty="0"/>
+                        <a:t>Regression</a:t>
                       </a:r>
                     </a:p>
                   </a:txBody>
@@ -7631,7 +7663,20 @@
                     <a:bodyPr/>
                     <a:lstStyle/>
                     <a:p>
-                      <a:endParaRPr lang="en-US"/>
+                      <a:endParaRPr lang="en-US" dirty="0"/>
+                    </a:p>
+                  </a:txBody>
+                  <a:tcPr/>
+                </a:tc>
+                <a:tc>
+                  <a:txBody>
+                    <a:bodyPr/>
+                    <a:lstStyle/>
+                    <a:p>
+                      <a:r>
+                        <a:rPr lang="en-US" dirty="0"/>
+                        <a:t>0.331</a:t>
+                      </a:r>
                     </a:p>
                   </a:txBody>
                   <a:tcPr/>
@@ -7700,7 +7745,20 @@
                     <a:bodyPr/>
                     <a:lstStyle/>
                     <a:p>
-                      <a:endParaRPr lang="en-US"/>
+                      <a:endParaRPr lang="en-US" dirty="0"/>
+                    </a:p>
+                  </a:txBody>
+                  <a:tcPr/>
+                </a:tc>
+                <a:tc>
+                  <a:txBody>
+                    <a:bodyPr/>
+                    <a:lstStyle/>
+                    <a:p>
+                      <a:r>
+                        <a:rPr lang="en-US" dirty="0"/>
+                        <a:t>0.395</a:t>
+                      </a:r>
                     </a:p>
                   </a:txBody>
                   <a:tcPr/>
@@ -7769,7 +7827,20 @@
                     <a:bodyPr/>
                     <a:lstStyle/>
                     <a:p>
-                      <a:endParaRPr lang="en-US"/>
+                      <a:endParaRPr lang="en-US" dirty="0"/>
+                    </a:p>
+                  </a:txBody>
+                  <a:tcPr/>
+                </a:tc>
+                <a:tc>
+                  <a:txBody>
+                    <a:bodyPr/>
+                    <a:lstStyle/>
+                    <a:p>
+                      <a:r>
+                        <a:rPr lang="en-US" dirty="0"/>
+                        <a:t>0.276</a:t>
+                      </a:r>
                     </a:p>
                   </a:txBody>
                   <a:tcPr/>
@@ -7860,6 +7931,19 @@
                   </a:txBody>
                   <a:tcPr/>
                 </a:tc>
+                <a:tc>
+                  <a:txBody>
+                    <a:bodyPr/>
+                    <a:lstStyle/>
+                    <a:p>
+                      <a:r>
+                        <a:rPr lang="en-US" dirty="0"/>
+                        <a:t>0.214</a:t>
+                      </a:r>
+                    </a:p>
+                  </a:txBody>
+                  <a:tcPr/>
+                </a:tc>
                 <a:extLst>
                   <a:ext uri="{0D108BD9-81ED-4DB2-BD59-A6C34878D82A}">
                     <a16:rowId xmlns:a16="http://schemas.microsoft.com/office/drawing/2014/main" val="2700486332"/>
@@ -7941,7 +8025,20 @@
                     <a:bodyPr/>
                     <a:lstStyle/>
                     <a:p>
-                      <a:endParaRPr lang="en-US"/>
+                      <a:endParaRPr lang="en-US" dirty="0"/>
+                    </a:p>
+                  </a:txBody>
+                  <a:tcPr/>
+                </a:tc>
+                <a:tc>
+                  <a:txBody>
+                    <a:bodyPr/>
+                    <a:lstStyle/>
+                    <a:p>
+                      <a:r>
+                        <a:rPr lang="en-US" dirty="0"/>
+                        <a:t>0.191</a:t>
+                      </a:r>
                     </a:p>
                   </a:txBody>
                   <a:tcPr/>
@@ -7971,7 +8068,10 @@
                     <a:bodyPr/>
                     <a:lstStyle/>
                     <a:p>
-                      <a:endParaRPr lang="en-US"/>
+                      <a:r>
+                        <a:rPr lang="en-US" dirty="0"/>
+                        <a:t>0.017</a:t>
+                      </a:r>
                     </a:p>
                   </a:txBody>
                   <a:tcPr/>
@@ -7981,17 +8081,10 @@
                     <a:bodyPr/>
                     <a:lstStyle/>
                     <a:p>
-                      <a:endParaRPr lang="en-US"/>
-                    </a:p>
-                  </a:txBody>
-                  <a:tcPr/>
-                </a:tc>
-                <a:tc>
-                  <a:txBody>
-                    <a:bodyPr/>
-                    <a:lstStyle/>
-                    <a:p>
-                      <a:endParaRPr lang="en-US"/>
+                      <a:r>
+                        <a:rPr lang="en-US" dirty="0"/>
+                        <a:t>0.005</a:t>
+                      </a:r>
                     </a:p>
                   </a:txBody>
                   <a:tcPr/>
@@ -8002,6 +8095,52 @@
                     <a:lstStyle/>
                     <a:p>
                       <a:endParaRPr lang="en-US" dirty="0"/>
+                    </a:p>
+                  </a:txBody>
+                  <a:tcPr/>
+                </a:tc>
+                <a:tc>
+                  <a:txBody>
+                    <a:bodyPr/>
+                    <a:lstStyle/>
+                    <a:p>
+                      <a:pPr marL="0" marR="0" lvl="0" indent="0" algn="l" defTabSz="457200" rtl="0" eaLnBrk="1" fontAlgn="auto" latinLnBrk="0" hangingPunct="1">
+                        <a:lnSpc>
+                          <a:spcPct val="100000"/>
+                        </a:lnSpc>
+                        <a:spcBef>
+                          <a:spcPts val="0"/>
+                        </a:spcBef>
+                        <a:spcAft>
+                          <a:spcPts val="0"/>
+                        </a:spcAft>
+                        <a:buClrTx/>
+                        <a:buSzTx/>
+                        <a:buFontTx/>
+                        <a:buNone/>
+                        <a:tabLst/>
+                        <a:defRPr/>
+                      </a:pPr>
+                      <a:r>
+                        <a:rPr lang="en-US" dirty="0"/>
+                        <a:t>0.091</a:t>
+                      </a:r>
+                    </a:p>
+                    <a:p>
+                      <a:endParaRPr lang="en-US" dirty="0"/>
+                    </a:p>
+                  </a:txBody>
+                  <a:tcPr/>
+                </a:tc>
+                <a:tc>
+                  <a:txBody>
+                    <a:bodyPr/>
+                    <a:lstStyle/>
+                    <a:p>
+                      <a:r>
+                        <a:rPr lang="en-US" dirty="0"/>
+                        <a:t>0.113</a:t>
+                      </a:r>
                     </a:p>
                   </a:txBody>
                   <a:tcPr/>
@@ -8107,14 +8246,14 @@
             <p:ph idx="1"/>
             <p:extLst>
               <p:ext uri="{D42A27DB-BD31-4B8C-83A1-F6EECF244321}">
-                <p14:modId xmlns:p14="http://schemas.microsoft.com/office/powerpoint/2010/main" val="226162743"/>
+                <p14:modId xmlns:p14="http://schemas.microsoft.com/office/powerpoint/2010/main" val="1580181882"/>
               </p:ext>
             </p:extLst>
           </p:nvPr>
         </p:nvGraphicFramePr>
         <p:xfrm>
           <a:off x="663431" y="1519084"/>
-          <a:ext cx="11002540" cy="4689984"/>
+          <a:ext cx="11002542" cy="4689984"/>
         </p:xfrm>
         <a:graphic>
           <a:graphicData uri="http://schemas.openxmlformats.org/drawingml/2006/table">
@@ -8123,35 +8262,42 @@
                 <a:tableStyleId>{5C22544A-7EE6-4342-B048-85BDC9FD1C3A}</a:tableStyleId>
               </a:tblPr>
               <a:tblGrid>
-                <a:gridCol w="2200508">
+                <a:gridCol w="1833757">
                   <a:extLst>
                     <a:ext uri="{9D8B030D-6E8A-4147-A177-3AD203B41FA5}">
                       <a16:colId xmlns:a16="http://schemas.microsoft.com/office/drawing/2014/main" val="4172883840"/>
                     </a:ext>
                   </a:extLst>
                 </a:gridCol>
-                <a:gridCol w="2200508">
+                <a:gridCol w="1833757">
                   <a:extLst>
                     <a:ext uri="{9D8B030D-6E8A-4147-A177-3AD203B41FA5}">
                       <a16:colId xmlns:a16="http://schemas.microsoft.com/office/drawing/2014/main" val="1001523375"/>
                     </a:ext>
                   </a:extLst>
                 </a:gridCol>
-                <a:gridCol w="2200508">
+                <a:gridCol w="1833757">
                   <a:extLst>
                     <a:ext uri="{9D8B030D-6E8A-4147-A177-3AD203B41FA5}">
                       <a16:colId xmlns:a16="http://schemas.microsoft.com/office/drawing/2014/main" val="2616206518"/>
                     </a:ext>
                   </a:extLst>
                 </a:gridCol>
-                <a:gridCol w="2200508">
+                <a:gridCol w="1833757">
                   <a:extLst>
                     <a:ext uri="{9D8B030D-6E8A-4147-A177-3AD203B41FA5}">
                       <a16:colId xmlns:a16="http://schemas.microsoft.com/office/drawing/2014/main" val="2559281583"/>
                     </a:ext>
                   </a:extLst>
                 </a:gridCol>
-                <a:gridCol w="2200508">
+                <a:gridCol w="1833757">
+                  <a:extLst>
+                    <a:ext uri="{9D8B030D-6E8A-4147-A177-3AD203B41FA5}">
+                      <a16:colId xmlns:a16="http://schemas.microsoft.com/office/drawing/2014/main" val="3292020684"/>
+                    </a:ext>
+                  </a:extLst>
+                </a:gridCol>
+                <a:gridCol w="1833757">
                   <a:extLst>
                     <a:ext uri="{9D8B030D-6E8A-4147-A177-3AD203B41FA5}">
                       <a16:colId xmlns:a16="http://schemas.microsoft.com/office/drawing/2014/main" val="3316237672"/>
@@ -8207,6 +8353,19 @@
                       <a:r>
                         <a:rPr lang="en-US" dirty="0"/>
                         <a:t>Propensity Matching</a:t>
+                      </a:r>
+                    </a:p>
+                  </a:txBody>
+                  <a:tcPr/>
+                </a:tc>
+                <a:tc>
+                  <a:txBody>
+                    <a:bodyPr/>
+                    <a:lstStyle/>
+                    <a:p>
+                      <a:r>
+                        <a:rPr lang="en-US" dirty="0"/>
+                        <a:t>Regression</a:t>
                       </a:r>
                     </a:p>
                   </a:txBody>
@@ -8294,6 +8453,19 @@
                   </a:txBody>
                   <a:tcPr/>
                 </a:tc>
+                <a:tc>
+                  <a:txBody>
+                    <a:bodyPr/>
+                    <a:lstStyle/>
+                    <a:p>
+                      <a:r>
+                        <a:rPr lang="en-US" dirty="0"/>
+                        <a:t>4.669</a:t>
+                      </a:r>
+                    </a:p>
+                  </a:txBody>
+                  <a:tcPr/>
+                </a:tc>
                 <a:extLst>
                   <a:ext uri="{0D108BD9-81ED-4DB2-BD59-A6C34878D82A}">
                     <a16:rowId xmlns:a16="http://schemas.microsoft.com/office/drawing/2014/main" val="1632148400"/>
@@ -8363,6 +8535,19 @@
                   </a:txBody>
                   <a:tcPr/>
                 </a:tc>
+                <a:tc>
+                  <a:txBody>
+                    <a:bodyPr/>
+                    <a:lstStyle/>
+                    <a:p>
+                      <a:r>
+                        <a:rPr lang="en-US" dirty="0"/>
+                        <a:t>6.74</a:t>
+                      </a:r>
+                    </a:p>
+                  </a:txBody>
+                  <a:tcPr/>
+                </a:tc>
                 <a:extLst>
                   <a:ext uri="{0D108BD9-81ED-4DB2-BD59-A6C34878D82A}">
                     <a16:rowId xmlns:a16="http://schemas.microsoft.com/office/drawing/2014/main" val="1632524358"/>
@@ -8428,6 +8613,19 @@
                     <a:lstStyle/>
                     <a:p>
                       <a:endParaRPr lang="en-US" dirty="0"/>
+                    </a:p>
+                  </a:txBody>
+                  <a:tcPr/>
+                </a:tc>
+                <a:tc>
+                  <a:txBody>
+                    <a:bodyPr/>
+                    <a:lstStyle/>
+                    <a:p>
+                      <a:r>
+                        <a:rPr lang="en-US" dirty="0"/>
+                        <a:t>3.678</a:t>
+                      </a:r>
                     </a:p>
                   </a:txBody>
                   <a:tcPr/>
@@ -8513,7 +8711,20 @@
                     <a:bodyPr/>
                     <a:lstStyle/>
                     <a:p>
-                      <a:endParaRPr lang="en-US"/>
+                      <a:endParaRPr lang="en-US" dirty="0"/>
+                    </a:p>
+                  </a:txBody>
+                  <a:tcPr/>
+                </a:tc>
+                <a:tc>
+                  <a:txBody>
+                    <a:bodyPr/>
+                    <a:lstStyle/>
+                    <a:p>
+                      <a:r>
+                        <a:rPr lang="en-US" dirty="0"/>
+                        <a:t>5.497</a:t>
+                      </a:r>
                     </a:p>
                   </a:txBody>
                   <a:tcPr/>
@@ -8599,7 +8810,20 @@
                     <a:bodyPr/>
                     <a:lstStyle/>
                     <a:p>
-                      <a:endParaRPr lang="en-US"/>
+                      <a:endParaRPr lang="en-US" dirty="0"/>
+                    </a:p>
+                  </a:txBody>
+                  <a:tcPr/>
+                </a:tc>
+                <a:tc>
+                  <a:txBody>
+                    <a:bodyPr/>
+                    <a:lstStyle/>
+                    <a:p>
+                      <a:r>
+                        <a:rPr lang="en-US" dirty="0"/>
+                        <a:t>4.535</a:t>
+                      </a:r>
                     </a:p>
                   </a:txBody>
                   <a:tcPr/>
@@ -8629,7 +8853,23 @@
                     <a:bodyPr/>
                     <a:lstStyle/>
                     <a:p>
-                      <a:endParaRPr lang="en-US" dirty="0"/>
+                      <a:r>
+                        <a:rPr lang="en-US" dirty="0"/>
+                        <a:t>3.625</a:t>
+                      </a:r>
+                    </a:p>
+                  </a:txBody>
+                  <a:tcPr/>
+                </a:tc>
+                <a:tc>
+                  <a:txBody>
+                    <a:bodyPr/>
+                    <a:lstStyle/>
+                    <a:p>
+                      <a:r>
+                        <a:rPr lang="en-US" dirty="0"/>
+                        <a:t>0.014</a:t>
+                      </a:r>
                     </a:p>
                   </a:txBody>
                   <a:tcPr/>
@@ -8649,7 +8889,10 @@
                     <a:bodyPr/>
                     <a:lstStyle/>
                     <a:p>
-                      <a:endParaRPr lang="en-US"/>
+                      <a:r>
+                        <a:rPr lang="en-US" dirty="0"/>
+                        <a:t>1.392</a:t>
+                      </a:r>
                     </a:p>
                   </a:txBody>
                   <a:tcPr/>
@@ -8659,7 +8902,10 @@
                     <a:bodyPr/>
                     <a:lstStyle/>
                     <a:p>
-                      <a:endParaRPr lang="en-US" dirty="0"/>
+                      <a:r>
+                        <a:rPr lang="en-US" dirty="0"/>
+                        <a:t>5.031</a:t>
+                      </a:r>
                     </a:p>
                   </a:txBody>
                   <a:tcPr/>
@@ -8732,7 +8978,12 @@
             <p:ph type="title"/>
           </p:nvPr>
         </p:nvSpPr>
-        <p:spPr/>
+        <p:spPr>
+          <a:xfrm>
+            <a:off x="1141413" y="0"/>
+            <a:ext cx="9905998" cy="810409"/>
+          </a:xfrm>
+        </p:spPr>
         <p:txBody>
           <a:bodyPr/>
           <a:lstStyle/>
@@ -8760,12 +9011,152 @@
             <p:ph idx="1"/>
           </p:nvPr>
         </p:nvSpPr>
-        <p:spPr/>
+        <p:spPr>
+          <a:xfrm>
+            <a:off x="1141413" y="810409"/>
+            <a:ext cx="9905998" cy="2077123"/>
+          </a:xfrm>
+        </p:spPr>
         <p:txBody>
-          <a:bodyPr/>
+          <a:bodyPr>
+            <a:normAutofit/>
+          </a:bodyPr>
           <a:lstStyle/>
           <a:p>
-            <a:endParaRPr lang="en-US"/>
+            <a:pPr marL="0" indent="0">
+              <a:buNone/>
+            </a:pPr>
+            <a:r>
+              <a:rPr lang="en-US" dirty="0"/>
+              <a:t>Our preferred causal inference algorithm is…</a:t>
+            </a:r>
+          </a:p>
+          <a:p>
+            <a:pPr marL="0" indent="0">
+              <a:buNone/>
+            </a:pPr>
+            <a:endParaRPr lang="en-US" dirty="0"/>
+          </a:p>
+          <a:p>
+            <a:pPr marL="0" indent="0" algn="ctr">
+              <a:buNone/>
+            </a:pPr>
+            <a:r>
+              <a:rPr lang="en-US" sz="3400" u="sng" dirty="0"/>
+              <a:t>Weighted Regression with L1 Penalized Logistic Regression Propensity Scoring</a:t>
+            </a:r>
+          </a:p>
+        </p:txBody>
+      </p:sp>
+      <p:sp>
+        <p:nvSpPr>
+          <p:cNvPr id="4" name="TextBox 3">
+            <a:extLst>
+              <a:ext uri="{FF2B5EF4-FFF2-40B4-BE49-F238E27FC236}">
+                <a16:creationId xmlns:a16="http://schemas.microsoft.com/office/drawing/2014/main" id="{7A23B166-4A1C-D843-B71C-ED9DB14182C8}"/>
+              </a:ext>
+            </a:extLst>
+          </p:cNvPr>
+          <p:cNvSpPr txBox="1"/>
+          <p:nvPr/>
+        </p:nvSpPr>
+        <p:spPr>
+          <a:xfrm>
+            <a:off x="1141413" y="3324114"/>
+            <a:ext cx="9905998" cy="2532616"/>
+          </a:xfrm>
+          <a:prstGeom prst="rect">
+            <a:avLst/>
+          </a:prstGeom>
+          <a:noFill/>
+        </p:spPr>
+        <p:txBody>
+          <a:bodyPr wrap="square" rtlCol="0">
+            <a:spAutoFit/>
+          </a:bodyPr>
+          <a:lstStyle/>
+          <a:p>
+            <a:pPr marL="285750" indent="-285750">
+              <a:lnSpc>
+                <a:spcPct val="150000"/>
+              </a:lnSpc>
+              <a:buFont typeface="Arial" panose="020B0604020202020204" pitchFamily="34" charset="0"/>
+              <a:buChar char="•"/>
+            </a:pPr>
+            <a:r>
+              <a:rPr lang="en-US" dirty="0"/>
+              <a:t>Achieved comparable estimates to all other combinations</a:t>
+            </a:r>
+          </a:p>
+          <a:p>
+            <a:pPr marL="285750" indent="-285750">
+              <a:lnSpc>
+                <a:spcPct val="150000"/>
+              </a:lnSpc>
+              <a:buFont typeface="Arial" panose="020B0604020202020204" pitchFamily="34" charset="0"/>
+              <a:buChar char="•"/>
+            </a:pPr>
+            <a:r>
+              <a:rPr lang="en-US" dirty="0"/>
+              <a:t>Achieved best estimate on low-dimensional dataset</a:t>
+            </a:r>
+          </a:p>
+          <a:p>
+            <a:pPr marL="285750" indent="-285750">
+              <a:lnSpc>
+                <a:spcPct val="150000"/>
+              </a:lnSpc>
+              <a:buFont typeface="Arial" panose="020B0604020202020204" pitchFamily="34" charset="0"/>
+              <a:buChar char="•"/>
+            </a:pPr>
+            <a:r>
+              <a:rPr lang="en-US" dirty="0"/>
+              <a:t> Regression itself faster than full matching</a:t>
+            </a:r>
+          </a:p>
+          <a:p>
+            <a:pPr marL="285750" indent="-285750">
+              <a:lnSpc>
+                <a:spcPct val="150000"/>
+              </a:lnSpc>
+              <a:buFont typeface="Arial" panose="020B0604020202020204" pitchFamily="34" charset="0"/>
+              <a:buChar char="•"/>
+            </a:pPr>
+            <a:r>
+              <a:rPr lang="en-US" dirty="0"/>
+              <a:t>Can achieve even faster estimates with different scoring model</a:t>
+            </a:r>
+          </a:p>
+          <a:p>
+            <a:pPr marL="285750" indent="-285750">
+              <a:lnSpc>
+                <a:spcPct val="150000"/>
+              </a:lnSpc>
+              <a:buFont typeface="Arial" panose="020B0604020202020204" pitchFamily="34" charset="0"/>
+              <a:buChar char="•"/>
+            </a:pPr>
+            <a:r>
+              <a:rPr lang="en-US" dirty="0"/>
+              <a:t>Easy to implement</a:t>
+            </a:r>
+          </a:p>
+          <a:p>
+            <a:pPr marL="285750" indent="-285750">
+              <a:lnSpc>
+                <a:spcPct val="150000"/>
+              </a:lnSpc>
+              <a:buFont typeface="Arial" panose="020B0604020202020204" pitchFamily="34" charset="0"/>
+              <a:buChar char="•"/>
+            </a:pPr>
+            <a:r>
+              <a:rPr lang="en-US" dirty="0"/>
+              <a:t>Unlike full matching, does not require </a:t>
+            </a:r>
+            <a:r>
+              <a:rPr lang="en-US"/>
+              <a:t>hyper-parameter tuning</a:t>
+            </a:r>
+            <a:endParaRPr lang="en-US" dirty="0"/>
           </a:p>
         </p:txBody>
       </p:sp>

--- a/doc/ADS Project 4 Presentation.pptx
+++ b/doc/ADS Project 4 Presentation.pptx
@@ -18,6 +18,7 @@
     <p:sldId id="265" r:id="rId12"/>
     <p:sldId id="268" r:id="rId13"/>
     <p:sldId id="266" r:id="rId14"/>
+    <p:sldId id="269" r:id="rId15"/>
   </p:sldIdLst>
   <p:sldSz cx="12192000" cy="6858000"/>
   <p:notesSz cx="6858000" cy="9144000"/>
@@ -6710,6 +6711,380 @@
       </p:transition>
     </mc:Fallback>
   </mc:AlternateContent>
+  <p:timing>
+    <p:tnLst>
+      <p:par>
+        <p:cTn id="1" dur="indefinite" restart="never" nodeType="tmRoot">
+          <p:childTnLst>
+            <p:seq concurrent="1" nextAc="seek">
+              <p:cTn id="2" dur="indefinite" nodeType="mainSeq">
+                <p:childTnLst>
+                  <p:par>
+                    <p:cTn id="3" fill="hold">
+                      <p:stCondLst>
+                        <p:cond delay="indefinite"/>
+                        <p:cond evt="onBegin" delay="0">
+                          <p:tn val="2"/>
+                        </p:cond>
+                      </p:stCondLst>
+                      <p:childTnLst>
+                        <p:par>
+                          <p:cTn id="4" fill="hold">
+                            <p:stCondLst>
+                              <p:cond delay="0"/>
+                            </p:stCondLst>
+                            <p:childTnLst>
+                              <p:par>
+                                <p:cTn id="5" presetID="10" presetClass="entr" presetSubtype="0" fill="hold" grpId="0" nodeType="afterEffect">
+                                  <p:stCondLst>
+                                    <p:cond delay="0"/>
+                                  </p:stCondLst>
+                                  <p:childTnLst>
+                                    <p:set>
+                                      <p:cBhvr>
+                                        <p:cTn id="6" dur="1" fill="hold">
+                                          <p:stCondLst>
+                                            <p:cond delay="0"/>
+                                          </p:stCondLst>
+                                        </p:cTn>
+                                        <p:tgtEl>
+                                          <p:spTgt spid="2"/>
+                                        </p:tgtEl>
+                                        <p:attrNameLst>
+                                          <p:attrName>style.visibility</p:attrName>
+                                        </p:attrNameLst>
+                                      </p:cBhvr>
+                                      <p:to>
+                                        <p:strVal val="visible"/>
+                                      </p:to>
+                                    </p:set>
+                                    <p:animEffect transition="in" filter="fade">
+                                      <p:cBhvr>
+                                        <p:cTn id="7" dur="1000"/>
+                                        <p:tgtEl>
+                                          <p:spTgt spid="2"/>
+                                        </p:tgtEl>
+                                      </p:cBhvr>
+                                    </p:animEffect>
+                                  </p:childTnLst>
+                                </p:cTn>
+                              </p:par>
+                            </p:childTnLst>
+                          </p:cTn>
+                        </p:par>
+                        <p:par>
+                          <p:cTn id="8" fill="hold">
+                            <p:stCondLst>
+                              <p:cond delay="1000"/>
+                            </p:stCondLst>
+                            <p:childTnLst>
+                              <p:par>
+                                <p:cTn id="9" presetID="10" presetClass="entr" presetSubtype="0" fill="hold" grpId="0" nodeType="afterEffect">
+                                  <p:stCondLst>
+                                    <p:cond delay="0"/>
+                                  </p:stCondLst>
+                                  <p:childTnLst>
+                                    <p:set>
+                                      <p:cBhvr>
+                                        <p:cTn id="10" dur="1" fill="hold">
+                                          <p:stCondLst>
+                                            <p:cond delay="0"/>
+                                          </p:stCondLst>
+                                        </p:cTn>
+                                        <p:tgtEl>
+                                          <p:spTgt spid="5"/>
+                                        </p:tgtEl>
+                                        <p:attrNameLst>
+                                          <p:attrName>style.visibility</p:attrName>
+                                        </p:attrNameLst>
+                                      </p:cBhvr>
+                                      <p:to>
+                                        <p:strVal val="visible"/>
+                                      </p:to>
+                                    </p:set>
+                                    <p:animEffect transition="in" filter="fade">
+                                      <p:cBhvr>
+                                        <p:cTn id="11" dur="1000"/>
+                                        <p:tgtEl>
+                                          <p:spTgt spid="5"/>
+                                        </p:tgtEl>
+                                      </p:cBhvr>
+                                    </p:animEffect>
+                                  </p:childTnLst>
+                                </p:cTn>
+                              </p:par>
+                            </p:childTnLst>
+                          </p:cTn>
+                        </p:par>
+                        <p:par>
+                          <p:cTn id="12" fill="hold">
+                            <p:stCondLst>
+                              <p:cond delay="2000"/>
+                            </p:stCondLst>
+                            <p:childTnLst>
+                              <p:par>
+                                <p:cTn id="13" presetID="10" presetClass="entr" presetSubtype="0" fill="hold" grpId="0" nodeType="afterEffect">
+                                  <p:stCondLst>
+                                    <p:cond delay="0"/>
+                                  </p:stCondLst>
+                                  <p:childTnLst>
+                                    <p:set>
+                                      <p:cBhvr>
+                                        <p:cTn id="14" dur="1" fill="hold">
+                                          <p:stCondLst>
+                                            <p:cond delay="0"/>
+                                          </p:stCondLst>
+                                        </p:cTn>
+                                        <p:tgtEl>
+                                          <p:spTgt spid="10"/>
+                                        </p:tgtEl>
+                                        <p:attrNameLst>
+                                          <p:attrName>style.visibility</p:attrName>
+                                        </p:attrNameLst>
+                                      </p:cBhvr>
+                                      <p:to>
+                                        <p:strVal val="visible"/>
+                                      </p:to>
+                                    </p:set>
+                                    <p:animEffect transition="in" filter="fade">
+                                      <p:cBhvr>
+                                        <p:cTn id="15" dur="1000"/>
+                                        <p:tgtEl>
+                                          <p:spTgt spid="10"/>
+                                        </p:tgtEl>
+                                      </p:cBhvr>
+                                    </p:animEffect>
+                                  </p:childTnLst>
+                                </p:cTn>
+                              </p:par>
+                            </p:childTnLst>
+                          </p:cTn>
+                        </p:par>
+                        <p:par>
+                          <p:cTn id="16" fill="hold">
+                            <p:stCondLst>
+                              <p:cond delay="3000"/>
+                            </p:stCondLst>
+                            <p:childTnLst>
+                              <p:par>
+                                <p:cTn id="17" presetID="10" presetClass="entr" presetSubtype="0" fill="hold" grpId="0" nodeType="afterEffect">
+                                  <p:stCondLst>
+                                    <p:cond delay="0"/>
+                                  </p:stCondLst>
+                                  <p:childTnLst>
+                                    <p:set>
+                                      <p:cBhvr>
+                                        <p:cTn id="18" dur="1" fill="hold">
+                                          <p:stCondLst>
+                                            <p:cond delay="0"/>
+                                          </p:stCondLst>
+                                        </p:cTn>
+                                        <p:tgtEl>
+                                          <p:spTgt spid="11"/>
+                                        </p:tgtEl>
+                                        <p:attrNameLst>
+                                          <p:attrName>style.visibility</p:attrName>
+                                        </p:attrNameLst>
+                                      </p:cBhvr>
+                                      <p:to>
+                                        <p:strVal val="visible"/>
+                                      </p:to>
+                                    </p:set>
+                                    <p:animEffect transition="in" filter="fade">
+                                      <p:cBhvr>
+                                        <p:cTn id="19" dur="1000"/>
+                                        <p:tgtEl>
+                                          <p:spTgt spid="11"/>
+                                        </p:tgtEl>
+                                      </p:cBhvr>
+                                    </p:animEffect>
+                                  </p:childTnLst>
+                                </p:cTn>
+                              </p:par>
+                            </p:childTnLst>
+                          </p:cTn>
+                        </p:par>
+                        <p:par>
+                          <p:cTn id="20" fill="hold">
+                            <p:stCondLst>
+                              <p:cond delay="4000"/>
+                            </p:stCondLst>
+                            <p:childTnLst>
+                              <p:par>
+                                <p:cTn id="21" presetID="10" presetClass="entr" presetSubtype="0" fill="hold" grpId="0" nodeType="afterEffect">
+                                  <p:stCondLst>
+                                    <p:cond delay="0"/>
+                                  </p:stCondLst>
+                                  <p:childTnLst>
+                                    <p:set>
+                                      <p:cBhvr>
+                                        <p:cTn id="22" dur="1" fill="hold">
+                                          <p:stCondLst>
+                                            <p:cond delay="0"/>
+                                          </p:stCondLst>
+                                        </p:cTn>
+                                        <p:tgtEl>
+                                          <p:spTgt spid="9"/>
+                                        </p:tgtEl>
+                                        <p:attrNameLst>
+                                          <p:attrName>style.visibility</p:attrName>
+                                        </p:attrNameLst>
+                                      </p:cBhvr>
+                                      <p:to>
+                                        <p:strVal val="visible"/>
+                                      </p:to>
+                                    </p:set>
+                                    <p:animEffect transition="in" filter="fade">
+                                      <p:cBhvr>
+                                        <p:cTn id="23" dur="1000"/>
+                                        <p:tgtEl>
+                                          <p:spTgt spid="9"/>
+                                        </p:tgtEl>
+                                      </p:cBhvr>
+                                    </p:animEffect>
+                                  </p:childTnLst>
+                                </p:cTn>
+                              </p:par>
+                            </p:childTnLst>
+                          </p:cTn>
+                        </p:par>
+                        <p:par>
+                          <p:cTn id="24" fill="hold">
+                            <p:stCondLst>
+                              <p:cond delay="5000"/>
+                            </p:stCondLst>
+                            <p:childTnLst>
+                              <p:par>
+                                <p:cTn id="25" presetID="10" presetClass="entr" presetSubtype="0" fill="hold" grpId="0" nodeType="afterEffect">
+                                  <p:stCondLst>
+                                    <p:cond delay="0"/>
+                                  </p:stCondLst>
+                                  <p:childTnLst>
+                                    <p:set>
+                                      <p:cBhvr>
+                                        <p:cTn id="26" dur="1" fill="hold">
+                                          <p:stCondLst>
+                                            <p:cond delay="0"/>
+                                          </p:stCondLst>
+                                        </p:cTn>
+                                        <p:tgtEl>
+                                          <p:spTgt spid="3">
+                                            <p:txEl>
+                                              <p:pRg st="0" end="0"/>
+                                            </p:txEl>
+                                          </p:spTgt>
+                                        </p:tgtEl>
+                                        <p:attrNameLst>
+                                          <p:attrName>style.visibility</p:attrName>
+                                        </p:attrNameLst>
+                                      </p:cBhvr>
+                                      <p:to>
+                                        <p:strVal val="visible"/>
+                                      </p:to>
+                                    </p:set>
+                                    <p:animEffect transition="in" filter="fade">
+                                      <p:cBhvr>
+                                        <p:cTn id="27" dur="1000"/>
+                                        <p:tgtEl>
+                                          <p:spTgt spid="3">
+                                            <p:txEl>
+                                              <p:pRg st="0" end="0"/>
+                                            </p:txEl>
+                                          </p:spTgt>
+                                        </p:tgtEl>
+                                      </p:cBhvr>
+                                    </p:animEffect>
+                                  </p:childTnLst>
+                                </p:cTn>
+                              </p:par>
+                            </p:childTnLst>
+                          </p:cTn>
+                        </p:par>
+                        <p:par>
+                          <p:cTn id="28" fill="hold">
+                            <p:stCondLst>
+                              <p:cond delay="6000"/>
+                            </p:stCondLst>
+                            <p:childTnLst>
+                              <p:par>
+                                <p:cTn id="29" presetID="10" presetClass="entr" presetSubtype="0" fill="hold" grpId="0" nodeType="afterEffect">
+                                  <p:stCondLst>
+                                    <p:cond delay="0"/>
+                                  </p:stCondLst>
+                                  <p:childTnLst>
+                                    <p:set>
+                                      <p:cBhvr>
+                                        <p:cTn id="30" dur="1" fill="hold">
+                                          <p:stCondLst>
+                                            <p:cond delay="0"/>
+                                          </p:stCondLst>
+                                        </p:cTn>
+                                        <p:tgtEl>
+                                          <p:spTgt spid="3">
+                                            <p:txEl>
+                                              <p:pRg st="1" end="1"/>
+                                            </p:txEl>
+                                          </p:spTgt>
+                                        </p:tgtEl>
+                                        <p:attrNameLst>
+                                          <p:attrName>style.visibility</p:attrName>
+                                        </p:attrNameLst>
+                                      </p:cBhvr>
+                                      <p:to>
+                                        <p:strVal val="visible"/>
+                                      </p:to>
+                                    </p:set>
+                                    <p:animEffect transition="in" filter="fade">
+                                      <p:cBhvr>
+                                        <p:cTn id="31" dur="1000"/>
+                                        <p:tgtEl>
+                                          <p:spTgt spid="3">
+                                            <p:txEl>
+                                              <p:pRg st="1" end="1"/>
+                                            </p:txEl>
+                                          </p:spTgt>
+                                        </p:tgtEl>
+                                      </p:cBhvr>
+                                    </p:animEffect>
+                                  </p:childTnLst>
+                                </p:cTn>
+                              </p:par>
+                            </p:childTnLst>
+                          </p:cTn>
+                        </p:par>
+                      </p:childTnLst>
+                    </p:cTn>
+                  </p:par>
+                </p:childTnLst>
+              </p:cTn>
+              <p:prevCondLst>
+                <p:cond evt="onPrev" delay="0">
+                  <p:tgtEl>
+                    <p:sldTgt/>
+                  </p:tgtEl>
+                </p:cond>
+              </p:prevCondLst>
+              <p:nextCondLst>
+                <p:cond evt="onNext" delay="0">
+                  <p:tgtEl>
+                    <p:sldTgt/>
+                  </p:tgtEl>
+                </p:cond>
+              </p:nextCondLst>
+            </p:seq>
+          </p:childTnLst>
+        </p:cTn>
+      </p:par>
+    </p:tnLst>
+    <p:bldLst>
+      <p:bldP spid="2" grpId="0"/>
+      <p:bldP spid="3" grpId="0" build="p"/>
+      <p:bldP spid="5" grpId="0"/>
+      <p:bldP spid="9" grpId="0"/>
+      <p:bldP spid="10" grpId="0"/>
+      <p:bldP spid="11" grpId="0"/>
+    </p:bldLst>
+  </p:timing>
 </p:sld>
 </file>
 
@@ -7392,6 +7767,148 @@
       </p:transition>
     </mc:Fallback>
   </mc:AlternateContent>
+  <p:timing>
+    <p:tnLst>
+      <p:par>
+        <p:cTn id="1" dur="indefinite" restart="never" nodeType="tmRoot">
+          <p:childTnLst>
+            <p:seq concurrent="1" nextAc="seek">
+              <p:cTn id="2" dur="indefinite" nodeType="mainSeq">
+                <p:childTnLst>
+                  <p:par>
+                    <p:cTn id="3" fill="hold">
+                      <p:stCondLst>
+                        <p:cond delay="indefinite"/>
+                        <p:cond evt="onBegin" delay="0">
+                          <p:tn val="2"/>
+                        </p:cond>
+                      </p:stCondLst>
+                      <p:childTnLst>
+                        <p:par>
+                          <p:cTn id="4" fill="hold">
+                            <p:stCondLst>
+                              <p:cond delay="0"/>
+                            </p:stCondLst>
+                            <p:childTnLst>
+                              <p:par>
+                                <p:cTn id="5" presetID="10" presetClass="entr" presetSubtype="0" fill="hold" grpId="0" nodeType="afterEffect">
+                                  <p:stCondLst>
+                                    <p:cond delay="0"/>
+                                  </p:stCondLst>
+                                  <p:childTnLst>
+                                    <p:set>
+                                      <p:cBhvr>
+                                        <p:cTn id="6" dur="1" fill="hold">
+                                          <p:stCondLst>
+                                            <p:cond delay="0"/>
+                                          </p:stCondLst>
+                                        </p:cTn>
+                                        <p:tgtEl>
+                                          <p:spTgt spid="2"/>
+                                        </p:tgtEl>
+                                        <p:attrNameLst>
+                                          <p:attrName>style.visibility</p:attrName>
+                                        </p:attrNameLst>
+                                      </p:cBhvr>
+                                      <p:to>
+                                        <p:strVal val="visible"/>
+                                      </p:to>
+                                    </p:set>
+                                    <p:animEffect transition="in" filter="fade">
+                                      <p:cBhvr>
+                                        <p:cTn id="7" dur="1000"/>
+                                        <p:tgtEl>
+                                          <p:spTgt spid="2"/>
+                                        </p:tgtEl>
+                                      </p:cBhvr>
+                                    </p:animEffect>
+                                  </p:childTnLst>
+                                </p:cTn>
+                              </p:par>
+                            </p:childTnLst>
+                          </p:cTn>
+                        </p:par>
+                      </p:childTnLst>
+                    </p:cTn>
+                  </p:par>
+                  <p:par>
+                    <p:cTn id="8" fill="hold">
+                      <p:stCondLst>
+                        <p:cond delay="indefinite"/>
+                      </p:stCondLst>
+                      <p:childTnLst>
+                        <p:par>
+                          <p:cTn id="9" fill="hold">
+                            <p:stCondLst>
+                              <p:cond delay="0"/>
+                            </p:stCondLst>
+                            <p:childTnLst>
+                              <p:par>
+                                <p:cTn id="10" presetID="10" presetClass="entr" presetSubtype="0" fill="hold" nodeType="clickEffect">
+                                  <p:stCondLst>
+                                    <p:cond delay="0"/>
+                                  </p:stCondLst>
+                                  <p:childTnLst>
+                                    <p:set>
+                                      <p:cBhvr>
+                                        <p:cTn id="11" dur="1" fill="hold">
+                                          <p:stCondLst>
+                                            <p:cond delay="0"/>
+                                          </p:stCondLst>
+                                        </p:cTn>
+                                        <p:tgtEl>
+                                          <p:spTgt spid="4"/>
+                                        </p:tgtEl>
+                                        <p:attrNameLst>
+                                          <p:attrName>style.visibility</p:attrName>
+                                        </p:attrNameLst>
+                                      </p:cBhvr>
+                                      <p:to>
+                                        <p:strVal val="visible"/>
+                                      </p:to>
+                                    </p:set>
+                                    <p:animEffect transition="in" filter="fade">
+                                      <p:cBhvr>
+                                        <p:cTn id="12" dur="1000"/>
+                                        <p:tgtEl>
+                                          <p:spTgt spid="4"/>
+                                        </p:tgtEl>
+                                      </p:cBhvr>
+                                    </p:animEffect>
+                                  </p:childTnLst>
+                                </p:cTn>
+                              </p:par>
+                            </p:childTnLst>
+                          </p:cTn>
+                        </p:par>
+                      </p:childTnLst>
+                    </p:cTn>
+                  </p:par>
+                </p:childTnLst>
+              </p:cTn>
+              <p:prevCondLst>
+                <p:cond evt="onPrev" delay="0">
+                  <p:tgtEl>
+                    <p:sldTgt/>
+                  </p:tgtEl>
+                </p:cond>
+              </p:prevCondLst>
+              <p:nextCondLst>
+                <p:cond evt="onNext" delay="0">
+                  <p:tgtEl>
+                    <p:sldTgt/>
+                  </p:tgtEl>
+                </p:cond>
+              </p:nextCondLst>
+            </p:seq>
+          </p:childTnLst>
+        </p:cTn>
+      </p:par>
+    </p:tnLst>
+    <p:bldLst>
+      <p:bldP spid="2" grpId="0"/>
+    </p:bldLst>
+  </p:timing>
 </p:sld>
 </file>
 
@@ -8177,6 +8694,148 @@
       </p:transition>
     </mc:Fallback>
   </mc:AlternateContent>
+  <p:timing>
+    <p:tnLst>
+      <p:par>
+        <p:cTn id="1" dur="indefinite" restart="never" nodeType="tmRoot">
+          <p:childTnLst>
+            <p:seq concurrent="1" nextAc="seek">
+              <p:cTn id="2" dur="indefinite" nodeType="mainSeq">
+                <p:childTnLst>
+                  <p:par>
+                    <p:cTn id="3" fill="hold">
+                      <p:stCondLst>
+                        <p:cond delay="indefinite"/>
+                        <p:cond evt="onBegin" delay="0">
+                          <p:tn val="2"/>
+                        </p:cond>
+                      </p:stCondLst>
+                      <p:childTnLst>
+                        <p:par>
+                          <p:cTn id="4" fill="hold">
+                            <p:stCondLst>
+                              <p:cond delay="0"/>
+                            </p:stCondLst>
+                            <p:childTnLst>
+                              <p:par>
+                                <p:cTn id="5" presetID="10" presetClass="entr" presetSubtype="0" fill="hold" grpId="0" nodeType="afterEffect">
+                                  <p:stCondLst>
+                                    <p:cond delay="0"/>
+                                  </p:stCondLst>
+                                  <p:childTnLst>
+                                    <p:set>
+                                      <p:cBhvr>
+                                        <p:cTn id="6" dur="1" fill="hold">
+                                          <p:stCondLst>
+                                            <p:cond delay="0"/>
+                                          </p:stCondLst>
+                                        </p:cTn>
+                                        <p:tgtEl>
+                                          <p:spTgt spid="2"/>
+                                        </p:tgtEl>
+                                        <p:attrNameLst>
+                                          <p:attrName>style.visibility</p:attrName>
+                                        </p:attrNameLst>
+                                      </p:cBhvr>
+                                      <p:to>
+                                        <p:strVal val="visible"/>
+                                      </p:to>
+                                    </p:set>
+                                    <p:animEffect transition="in" filter="fade">
+                                      <p:cBhvr>
+                                        <p:cTn id="7" dur="1000"/>
+                                        <p:tgtEl>
+                                          <p:spTgt spid="2"/>
+                                        </p:tgtEl>
+                                      </p:cBhvr>
+                                    </p:animEffect>
+                                  </p:childTnLst>
+                                </p:cTn>
+                              </p:par>
+                            </p:childTnLst>
+                          </p:cTn>
+                        </p:par>
+                      </p:childTnLst>
+                    </p:cTn>
+                  </p:par>
+                  <p:par>
+                    <p:cTn id="8" fill="hold">
+                      <p:stCondLst>
+                        <p:cond delay="indefinite"/>
+                      </p:stCondLst>
+                      <p:childTnLst>
+                        <p:par>
+                          <p:cTn id="9" fill="hold">
+                            <p:stCondLst>
+                              <p:cond delay="0"/>
+                            </p:stCondLst>
+                            <p:childTnLst>
+                              <p:par>
+                                <p:cTn id="10" presetID="10" presetClass="entr" presetSubtype="0" fill="hold" nodeType="clickEffect">
+                                  <p:stCondLst>
+                                    <p:cond delay="0"/>
+                                  </p:stCondLst>
+                                  <p:childTnLst>
+                                    <p:set>
+                                      <p:cBhvr>
+                                        <p:cTn id="11" dur="1" fill="hold">
+                                          <p:stCondLst>
+                                            <p:cond delay="0"/>
+                                          </p:stCondLst>
+                                        </p:cTn>
+                                        <p:tgtEl>
+                                          <p:spTgt spid="4"/>
+                                        </p:tgtEl>
+                                        <p:attrNameLst>
+                                          <p:attrName>style.visibility</p:attrName>
+                                        </p:attrNameLst>
+                                      </p:cBhvr>
+                                      <p:to>
+                                        <p:strVal val="visible"/>
+                                      </p:to>
+                                    </p:set>
+                                    <p:animEffect transition="in" filter="fade">
+                                      <p:cBhvr>
+                                        <p:cTn id="12" dur="1000"/>
+                                        <p:tgtEl>
+                                          <p:spTgt spid="4"/>
+                                        </p:tgtEl>
+                                      </p:cBhvr>
+                                    </p:animEffect>
+                                  </p:childTnLst>
+                                </p:cTn>
+                              </p:par>
+                            </p:childTnLst>
+                          </p:cTn>
+                        </p:par>
+                      </p:childTnLst>
+                    </p:cTn>
+                  </p:par>
+                </p:childTnLst>
+              </p:cTn>
+              <p:prevCondLst>
+                <p:cond evt="onPrev" delay="0">
+                  <p:tgtEl>
+                    <p:sldTgt/>
+                  </p:tgtEl>
+                </p:cond>
+              </p:prevCondLst>
+              <p:nextCondLst>
+                <p:cond evt="onNext" delay="0">
+                  <p:tgtEl>
+                    <p:sldTgt/>
+                  </p:tgtEl>
+                </p:cond>
+              </p:nextCondLst>
+            </p:seq>
+          </p:childTnLst>
+        </p:cTn>
+      </p:par>
+    </p:tnLst>
+    <p:bldLst>
+      <p:bldP spid="2" grpId="0"/>
+    </p:bldLst>
+  </p:timing>
 </p:sld>
 </file>
 
@@ -8942,6 +9601,148 @@
       </p:transition>
     </mc:Fallback>
   </mc:AlternateContent>
+  <p:timing>
+    <p:tnLst>
+      <p:par>
+        <p:cTn id="1" dur="indefinite" restart="never" nodeType="tmRoot">
+          <p:childTnLst>
+            <p:seq concurrent="1" nextAc="seek">
+              <p:cTn id="2" dur="indefinite" nodeType="mainSeq">
+                <p:childTnLst>
+                  <p:par>
+                    <p:cTn id="3" fill="hold">
+                      <p:stCondLst>
+                        <p:cond delay="indefinite"/>
+                        <p:cond evt="onBegin" delay="0">
+                          <p:tn val="2"/>
+                        </p:cond>
+                      </p:stCondLst>
+                      <p:childTnLst>
+                        <p:par>
+                          <p:cTn id="4" fill="hold">
+                            <p:stCondLst>
+                              <p:cond delay="0"/>
+                            </p:stCondLst>
+                            <p:childTnLst>
+                              <p:par>
+                                <p:cTn id="5" presetID="10" presetClass="entr" presetSubtype="0" fill="hold" grpId="0" nodeType="afterEffect">
+                                  <p:stCondLst>
+                                    <p:cond delay="0"/>
+                                  </p:stCondLst>
+                                  <p:childTnLst>
+                                    <p:set>
+                                      <p:cBhvr>
+                                        <p:cTn id="6" dur="1" fill="hold">
+                                          <p:stCondLst>
+                                            <p:cond delay="0"/>
+                                          </p:stCondLst>
+                                        </p:cTn>
+                                        <p:tgtEl>
+                                          <p:spTgt spid="2"/>
+                                        </p:tgtEl>
+                                        <p:attrNameLst>
+                                          <p:attrName>style.visibility</p:attrName>
+                                        </p:attrNameLst>
+                                      </p:cBhvr>
+                                      <p:to>
+                                        <p:strVal val="visible"/>
+                                      </p:to>
+                                    </p:set>
+                                    <p:animEffect transition="in" filter="fade">
+                                      <p:cBhvr>
+                                        <p:cTn id="7" dur="1000"/>
+                                        <p:tgtEl>
+                                          <p:spTgt spid="2"/>
+                                        </p:tgtEl>
+                                      </p:cBhvr>
+                                    </p:animEffect>
+                                  </p:childTnLst>
+                                </p:cTn>
+                              </p:par>
+                            </p:childTnLst>
+                          </p:cTn>
+                        </p:par>
+                      </p:childTnLst>
+                    </p:cTn>
+                  </p:par>
+                  <p:par>
+                    <p:cTn id="8" fill="hold">
+                      <p:stCondLst>
+                        <p:cond delay="indefinite"/>
+                      </p:stCondLst>
+                      <p:childTnLst>
+                        <p:par>
+                          <p:cTn id="9" fill="hold">
+                            <p:stCondLst>
+                              <p:cond delay="0"/>
+                            </p:stCondLst>
+                            <p:childTnLst>
+                              <p:par>
+                                <p:cTn id="10" presetID="10" presetClass="entr" presetSubtype="0" fill="hold" nodeType="clickEffect">
+                                  <p:stCondLst>
+                                    <p:cond delay="0"/>
+                                  </p:stCondLst>
+                                  <p:childTnLst>
+                                    <p:set>
+                                      <p:cBhvr>
+                                        <p:cTn id="11" dur="1" fill="hold">
+                                          <p:stCondLst>
+                                            <p:cond delay="0"/>
+                                          </p:stCondLst>
+                                        </p:cTn>
+                                        <p:tgtEl>
+                                          <p:spTgt spid="4"/>
+                                        </p:tgtEl>
+                                        <p:attrNameLst>
+                                          <p:attrName>style.visibility</p:attrName>
+                                        </p:attrNameLst>
+                                      </p:cBhvr>
+                                      <p:to>
+                                        <p:strVal val="visible"/>
+                                      </p:to>
+                                    </p:set>
+                                    <p:animEffect transition="in" filter="fade">
+                                      <p:cBhvr>
+                                        <p:cTn id="12" dur="1000"/>
+                                        <p:tgtEl>
+                                          <p:spTgt spid="4"/>
+                                        </p:tgtEl>
+                                      </p:cBhvr>
+                                    </p:animEffect>
+                                  </p:childTnLst>
+                                </p:cTn>
+                              </p:par>
+                            </p:childTnLst>
+                          </p:cTn>
+                        </p:par>
+                      </p:childTnLst>
+                    </p:cTn>
+                  </p:par>
+                </p:childTnLst>
+              </p:cTn>
+              <p:prevCondLst>
+                <p:cond evt="onPrev" delay="0">
+                  <p:tgtEl>
+                    <p:sldTgt/>
+                  </p:tgtEl>
+                </p:cond>
+              </p:prevCondLst>
+              <p:nextCondLst>
+                <p:cond evt="onNext" delay="0">
+                  <p:tgtEl>
+                    <p:sldTgt/>
+                  </p:tgtEl>
+                </p:cond>
+              </p:nextCondLst>
+            </p:seq>
+          </p:childTnLst>
+        </p:cTn>
+      </p:par>
+    </p:tnLst>
+    <p:bldLst>
+      <p:bldP spid="2" grpId="0"/>
+    </p:bldLst>
+  </p:timing>
 </p:sld>
 </file>
 
@@ -9150,13 +9951,8 @@
             </a:pPr>
             <a:r>
               <a:rPr lang="en-US" dirty="0"/>
-              <a:t>Unlike full matching, does not require </a:t>
+              <a:t>Unlike full matching, does not require hyper-parameter tuning</a:t>
             </a:r>
-            <a:r>
-              <a:rPr lang="en-US"/>
-              <a:t>hyper-parameter tuning</a:t>
-            </a:r>
-            <a:endParaRPr lang="en-US" dirty="0"/>
           </a:p>
         </p:txBody>
       </p:sp>
@@ -9182,6 +9978,765 @@
       </p:transition>
     </mc:Fallback>
   </mc:AlternateContent>
+  <p:timing>
+    <p:tnLst>
+      <p:par>
+        <p:cTn id="1" dur="indefinite" restart="never" nodeType="tmRoot">
+          <p:childTnLst>
+            <p:seq concurrent="1" nextAc="seek">
+              <p:cTn id="2" dur="indefinite" nodeType="mainSeq">
+                <p:childTnLst>
+                  <p:par>
+                    <p:cTn id="3" fill="hold">
+                      <p:stCondLst>
+                        <p:cond delay="indefinite"/>
+                        <p:cond evt="onBegin" delay="0">
+                          <p:tn val="2"/>
+                        </p:cond>
+                      </p:stCondLst>
+                      <p:childTnLst>
+                        <p:par>
+                          <p:cTn id="4" fill="hold">
+                            <p:stCondLst>
+                              <p:cond delay="0"/>
+                            </p:stCondLst>
+                            <p:childTnLst>
+                              <p:par>
+                                <p:cTn id="5" presetID="10" presetClass="entr" presetSubtype="0" fill="hold" grpId="0" nodeType="afterEffect">
+                                  <p:stCondLst>
+                                    <p:cond delay="0"/>
+                                  </p:stCondLst>
+                                  <p:childTnLst>
+                                    <p:set>
+                                      <p:cBhvr>
+                                        <p:cTn id="6" dur="1" fill="hold">
+                                          <p:stCondLst>
+                                            <p:cond delay="0"/>
+                                          </p:stCondLst>
+                                        </p:cTn>
+                                        <p:tgtEl>
+                                          <p:spTgt spid="2"/>
+                                        </p:tgtEl>
+                                        <p:attrNameLst>
+                                          <p:attrName>style.visibility</p:attrName>
+                                        </p:attrNameLst>
+                                      </p:cBhvr>
+                                      <p:to>
+                                        <p:strVal val="visible"/>
+                                      </p:to>
+                                    </p:set>
+                                    <p:animEffect transition="in" filter="fade">
+                                      <p:cBhvr>
+                                        <p:cTn id="7" dur="1000"/>
+                                        <p:tgtEl>
+                                          <p:spTgt spid="2"/>
+                                        </p:tgtEl>
+                                      </p:cBhvr>
+                                    </p:animEffect>
+                                  </p:childTnLst>
+                                </p:cTn>
+                              </p:par>
+                            </p:childTnLst>
+                          </p:cTn>
+                        </p:par>
+                      </p:childTnLst>
+                    </p:cTn>
+                  </p:par>
+                  <p:par>
+                    <p:cTn id="8" fill="hold">
+                      <p:stCondLst>
+                        <p:cond delay="indefinite"/>
+                      </p:stCondLst>
+                      <p:childTnLst>
+                        <p:par>
+                          <p:cTn id="9" fill="hold">
+                            <p:stCondLst>
+                              <p:cond delay="0"/>
+                            </p:stCondLst>
+                            <p:childTnLst>
+                              <p:par>
+                                <p:cTn id="10" presetID="10" presetClass="entr" presetSubtype="0" fill="hold" grpId="0" nodeType="clickEffect">
+                                  <p:stCondLst>
+                                    <p:cond delay="0"/>
+                                  </p:stCondLst>
+                                  <p:childTnLst>
+                                    <p:set>
+                                      <p:cBhvr>
+                                        <p:cTn id="11" dur="1" fill="hold">
+                                          <p:stCondLst>
+                                            <p:cond delay="0"/>
+                                          </p:stCondLst>
+                                        </p:cTn>
+                                        <p:tgtEl>
+                                          <p:spTgt spid="3">
+                                            <p:txEl>
+                                              <p:pRg st="0" end="0"/>
+                                            </p:txEl>
+                                          </p:spTgt>
+                                        </p:tgtEl>
+                                        <p:attrNameLst>
+                                          <p:attrName>style.visibility</p:attrName>
+                                        </p:attrNameLst>
+                                      </p:cBhvr>
+                                      <p:to>
+                                        <p:strVal val="visible"/>
+                                      </p:to>
+                                    </p:set>
+                                    <p:animEffect transition="in" filter="fade">
+                                      <p:cBhvr>
+                                        <p:cTn id="12" dur="1000"/>
+                                        <p:tgtEl>
+                                          <p:spTgt spid="3">
+                                            <p:txEl>
+                                              <p:pRg st="0" end="0"/>
+                                            </p:txEl>
+                                          </p:spTgt>
+                                        </p:tgtEl>
+                                      </p:cBhvr>
+                                    </p:animEffect>
+                                  </p:childTnLst>
+                                </p:cTn>
+                              </p:par>
+                            </p:childTnLst>
+                          </p:cTn>
+                        </p:par>
+                      </p:childTnLst>
+                    </p:cTn>
+                  </p:par>
+                  <p:par>
+                    <p:cTn id="13" fill="hold">
+                      <p:stCondLst>
+                        <p:cond delay="indefinite"/>
+                      </p:stCondLst>
+                      <p:childTnLst>
+                        <p:par>
+                          <p:cTn id="14" fill="hold">
+                            <p:stCondLst>
+                              <p:cond delay="0"/>
+                            </p:stCondLst>
+                            <p:childTnLst>
+                              <p:par>
+                                <p:cTn id="15" presetID="10" presetClass="entr" presetSubtype="0" fill="hold" grpId="0" nodeType="clickEffect">
+                                  <p:stCondLst>
+                                    <p:cond delay="0"/>
+                                  </p:stCondLst>
+                                  <p:childTnLst>
+                                    <p:set>
+                                      <p:cBhvr>
+                                        <p:cTn id="16" dur="1" fill="hold">
+                                          <p:stCondLst>
+                                            <p:cond delay="0"/>
+                                          </p:stCondLst>
+                                        </p:cTn>
+                                        <p:tgtEl>
+                                          <p:spTgt spid="3">
+                                            <p:txEl>
+                                              <p:pRg st="2" end="2"/>
+                                            </p:txEl>
+                                          </p:spTgt>
+                                        </p:tgtEl>
+                                        <p:attrNameLst>
+                                          <p:attrName>style.visibility</p:attrName>
+                                        </p:attrNameLst>
+                                      </p:cBhvr>
+                                      <p:to>
+                                        <p:strVal val="visible"/>
+                                      </p:to>
+                                    </p:set>
+                                    <p:animEffect transition="in" filter="fade">
+                                      <p:cBhvr>
+                                        <p:cTn id="17" dur="1000"/>
+                                        <p:tgtEl>
+                                          <p:spTgt spid="3">
+                                            <p:txEl>
+                                              <p:pRg st="2" end="2"/>
+                                            </p:txEl>
+                                          </p:spTgt>
+                                        </p:tgtEl>
+                                      </p:cBhvr>
+                                    </p:animEffect>
+                                  </p:childTnLst>
+                                </p:cTn>
+                              </p:par>
+                            </p:childTnLst>
+                          </p:cTn>
+                        </p:par>
+                      </p:childTnLst>
+                    </p:cTn>
+                  </p:par>
+                  <p:par>
+                    <p:cTn id="18" fill="hold">
+                      <p:stCondLst>
+                        <p:cond delay="indefinite"/>
+                      </p:stCondLst>
+                      <p:childTnLst>
+                        <p:par>
+                          <p:cTn id="19" fill="hold">
+                            <p:stCondLst>
+                              <p:cond delay="0"/>
+                            </p:stCondLst>
+                            <p:childTnLst>
+                              <p:par>
+                                <p:cTn id="20" presetID="10" presetClass="entr" presetSubtype="0" fill="hold" grpId="0" nodeType="clickEffect">
+                                  <p:stCondLst>
+                                    <p:cond delay="0"/>
+                                  </p:stCondLst>
+                                  <p:childTnLst>
+                                    <p:set>
+                                      <p:cBhvr>
+                                        <p:cTn id="21" dur="1" fill="hold">
+                                          <p:stCondLst>
+                                            <p:cond delay="0"/>
+                                          </p:stCondLst>
+                                        </p:cTn>
+                                        <p:tgtEl>
+                                          <p:spTgt spid="4">
+                                            <p:txEl>
+                                              <p:pRg st="0" end="0"/>
+                                            </p:txEl>
+                                          </p:spTgt>
+                                        </p:tgtEl>
+                                        <p:attrNameLst>
+                                          <p:attrName>style.visibility</p:attrName>
+                                        </p:attrNameLst>
+                                      </p:cBhvr>
+                                      <p:to>
+                                        <p:strVal val="visible"/>
+                                      </p:to>
+                                    </p:set>
+                                    <p:animEffect transition="in" filter="fade">
+                                      <p:cBhvr>
+                                        <p:cTn id="22" dur="500"/>
+                                        <p:tgtEl>
+                                          <p:spTgt spid="4">
+                                            <p:txEl>
+                                              <p:pRg st="0" end="0"/>
+                                            </p:txEl>
+                                          </p:spTgt>
+                                        </p:tgtEl>
+                                      </p:cBhvr>
+                                    </p:animEffect>
+                                  </p:childTnLst>
+                                </p:cTn>
+                              </p:par>
+                            </p:childTnLst>
+                          </p:cTn>
+                        </p:par>
+                      </p:childTnLst>
+                    </p:cTn>
+                  </p:par>
+                  <p:par>
+                    <p:cTn id="23" fill="hold">
+                      <p:stCondLst>
+                        <p:cond delay="indefinite"/>
+                      </p:stCondLst>
+                      <p:childTnLst>
+                        <p:par>
+                          <p:cTn id="24" fill="hold">
+                            <p:stCondLst>
+                              <p:cond delay="0"/>
+                            </p:stCondLst>
+                            <p:childTnLst>
+                              <p:par>
+                                <p:cTn id="25" presetID="10" presetClass="entr" presetSubtype="0" fill="hold" grpId="0" nodeType="clickEffect">
+                                  <p:stCondLst>
+                                    <p:cond delay="0"/>
+                                  </p:stCondLst>
+                                  <p:childTnLst>
+                                    <p:set>
+                                      <p:cBhvr>
+                                        <p:cTn id="26" dur="1" fill="hold">
+                                          <p:stCondLst>
+                                            <p:cond delay="0"/>
+                                          </p:stCondLst>
+                                        </p:cTn>
+                                        <p:tgtEl>
+                                          <p:spTgt spid="4">
+                                            <p:txEl>
+                                              <p:pRg st="1" end="1"/>
+                                            </p:txEl>
+                                          </p:spTgt>
+                                        </p:tgtEl>
+                                        <p:attrNameLst>
+                                          <p:attrName>style.visibility</p:attrName>
+                                        </p:attrNameLst>
+                                      </p:cBhvr>
+                                      <p:to>
+                                        <p:strVal val="visible"/>
+                                      </p:to>
+                                    </p:set>
+                                    <p:animEffect transition="in" filter="fade">
+                                      <p:cBhvr>
+                                        <p:cTn id="27" dur="500"/>
+                                        <p:tgtEl>
+                                          <p:spTgt spid="4">
+                                            <p:txEl>
+                                              <p:pRg st="1" end="1"/>
+                                            </p:txEl>
+                                          </p:spTgt>
+                                        </p:tgtEl>
+                                      </p:cBhvr>
+                                    </p:animEffect>
+                                  </p:childTnLst>
+                                </p:cTn>
+                              </p:par>
+                            </p:childTnLst>
+                          </p:cTn>
+                        </p:par>
+                      </p:childTnLst>
+                    </p:cTn>
+                  </p:par>
+                  <p:par>
+                    <p:cTn id="28" fill="hold">
+                      <p:stCondLst>
+                        <p:cond delay="indefinite"/>
+                      </p:stCondLst>
+                      <p:childTnLst>
+                        <p:par>
+                          <p:cTn id="29" fill="hold">
+                            <p:stCondLst>
+                              <p:cond delay="0"/>
+                            </p:stCondLst>
+                            <p:childTnLst>
+                              <p:par>
+                                <p:cTn id="30" presetID="10" presetClass="entr" presetSubtype="0" fill="hold" grpId="0" nodeType="clickEffect">
+                                  <p:stCondLst>
+                                    <p:cond delay="0"/>
+                                  </p:stCondLst>
+                                  <p:childTnLst>
+                                    <p:set>
+                                      <p:cBhvr>
+                                        <p:cTn id="31" dur="1" fill="hold">
+                                          <p:stCondLst>
+                                            <p:cond delay="0"/>
+                                          </p:stCondLst>
+                                        </p:cTn>
+                                        <p:tgtEl>
+                                          <p:spTgt spid="4">
+                                            <p:txEl>
+                                              <p:pRg st="2" end="2"/>
+                                            </p:txEl>
+                                          </p:spTgt>
+                                        </p:tgtEl>
+                                        <p:attrNameLst>
+                                          <p:attrName>style.visibility</p:attrName>
+                                        </p:attrNameLst>
+                                      </p:cBhvr>
+                                      <p:to>
+                                        <p:strVal val="visible"/>
+                                      </p:to>
+                                    </p:set>
+                                    <p:animEffect transition="in" filter="fade">
+                                      <p:cBhvr>
+                                        <p:cTn id="32" dur="500"/>
+                                        <p:tgtEl>
+                                          <p:spTgt spid="4">
+                                            <p:txEl>
+                                              <p:pRg st="2" end="2"/>
+                                            </p:txEl>
+                                          </p:spTgt>
+                                        </p:tgtEl>
+                                      </p:cBhvr>
+                                    </p:animEffect>
+                                  </p:childTnLst>
+                                </p:cTn>
+                              </p:par>
+                            </p:childTnLst>
+                          </p:cTn>
+                        </p:par>
+                      </p:childTnLst>
+                    </p:cTn>
+                  </p:par>
+                  <p:par>
+                    <p:cTn id="33" fill="hold">
+                      <p:stCondLst>
+                        <p:cond delay="indefinite"/>
+                      </p:stCondLst>
+                      <p:childTnLst>
+                        <p:par>
+                          <p:cTn id="34" fill="hold">
+                            <p:stCondLst>
+                              <p:cond delay="0"/>
+                            </p:stCondLst>
+                            <p:childTnLst>
+                              <p:par>
+                                <p:cTn id="35" presetID="10" presetClass="entr" presetSubtype="0" fill="hold" grpId="0" nodeType="clickEffect">
+                                  <p:stCondLst>
+                                    <p:cond delay="0"/>
+                                  </p:stCondLst>
+                                  <p:childTnLst>
+                                    <p:set>
+                                      <p:cBhvr>
+                                        <p:cTn id="36" dur="1" fill="hold">
+                                          <p:stCondLst>
+                                            <p:cond delay="0"/>
+                                          </p:stCondLst>
+                                        </p:cTn>
+                                        <p:tgtEl>
+                                          <p:spTgt spid="4">
+                                            <p:txEl>
+                                              <p:pRg st="3" end="3"/>
+                                            </p:txEl>
+                                          </p:spTgt>
+                                        </p:tgtEl>
+                                        <p:attrNameLst>
+                                          <p:attrName>style.visibility</p:attrName>
+                                        </p:attrNameLst>
+                                      </p:cBhvr>
+                                      <p:to>
+                                        <p:strVal val="visible"/>
+                                      </p:to>
+                                    </p:set>
+                                    <p:animEffect transition="in" filter="fade">
+                                      <p:cBhvr>
+                                        <p:cTn id="37" dur="500"/>
+                                        <p:tgtEl>
+                                          <p:spTgt spid="4">
+                                            <p:txEl>
+                                              <p:pRg st="3" end="3"/>
+                                            </p:txEl>
+                                          </p:spTgt>
+                                        </p:tgtEl>
+                                      </p:cBhvr>
+                                    </p:animEffect>
+                                  </p:childTnLst>
+                                </p:cTn>
+                              </p:par>
+                            </p:childTnLst>
+                          </p:cTn>
+                        </p:par>
+                      </p:childTnLst>
+                    </p:cTn>
+                  </p:par>
+                  <p:par>
+                    <p:cTn id="38" fill="hold">
+                      <p:stCondLst>
+                        <p:cond delay="indefinite"/>
+                      </p:stCondLst>
+                      <p:childTnLst>
+                        <p:par>
+                          <p:cTn id="39" fill="hold">
+                            <p:stCondLst>
+                              <p:cond delay="0"/>
+                            </p:stCondLst>
+                            <p:childTnLst>
+                              <p:par>
+                                <p:cTn id="40" presetID="10" presetClass="entr" presetSubtype="0" fill="hold" grpId="0" nodeType="clickEffect">
+                                  <p:stCondLst>
+                                    <p:cond delay="0"/>
+                                  </p:stCondLst>
+                                  <p:childTnLst>
+                                    <p:set>
+                                      <p:cBhvr>
+                                        <p:cTn id="41" dur="1" fill="hold">
+                                          <p:stCondLst>
+                                            <p:cond delay="0"/>
+                                          </p:stCondLst>
+                                        </p:cTn>
+                                        <p:tgtEl>
+                                          <p:spTgt spid="4">
+                                            <p:txEl>
+                                              <p:pRg st="4" end="4"/>
+                                            </p:txEl>
+                                          </p:spTgt>
+                                        </p:tgtEl>
+                                        <p:attrNameLst>
+                                          <p:attrName>style.visibility</p:attrName>
+                                        </p:attrNameLst>
+                                      </p:cBhvr>
+                                      <p:to>
+                                        <p:strVal val="visible"/>
+                                      </p:to>
+                                    </p:set>
+                                    <p:animEffect transition="in" filter="fade">
+                                      <p:cBhvr>
+                                        <p:cTn id="42" dur="500"/>
+                                        <p:tgtEl>
+                                          <p:spTgt spid="4">
+                                            <p:txEl>
+                                              <p:pRg st="4" end="4"/>
+                                            </p:txEl>
+                                          </p:spTgt>
+                                        </p:tgtEl>
+                                      </p:cBhvr>
+                                    </p:animEffect>
+                                  </p:childTnLst>
+                                </p:cTn>
+                              </p:par>
+                            </p:childTnLst>
+                          </p:cTn>
+                        </p:par>
+                      </p:childTnLst>
+                    </p:cTn>
+                  </p:par>
+                  <p:par>
+                    <p:cTn id="43" fill="hold">
+                      <p:stCondLst>
+                        <p:cond delay="indefinite"/>
+                      </p:stCondLst>
+                      <p:childTnLst>
+                        <p:par>
+                          <p:cTn id="44" fill="hold">
+                            <p:stCondLst>
+                              <p:cond delay="0"/>
+                            </p:stCondLst>
+                            <p:childTnLst>
+                              <p:par>
+                                <p:cTn id="45" presetID="10" presetClass="entr" presetSubtype="0" fill="hold" grpId="0" nodeType="clickEffect">
+                                  <p:stCondLst>
+                                    <p:cond delay="0"/>
+                                  </p:stCondLst>
+                                  <p:childTnLst>
+                                    <p:set>
+                                      <p:cBhvr>
+                                        <p:cTn id="46" dur="1" fill="hold">
+                                          <p:stCondLst>
+                                            <p:cond delay="0"/>
+                                          </p:stCondLst>
+                                        </p:cTn>
+                                        <p:tgtEl>
+                                          <p:spTgt spid="4">
+                                            <p:txEl>
+                                              <p:pRg st="5" end="5"/>
+                                            </p:txEl>
+                                          </p:spTgt>
+                                        </p:tgtEl>
+                                        <p:attrNameLst>
+                                          <p:attrName>style.visibility</p:attrName>
+                                        </p:attrNameLst>
+                                      </p:cBhvr>
+                                      <p:to>
+                                        <p:strVal val="visible"/>
+                                      </p:to>
+                                    </p:set>
+                                    <p:animEffect transition="in" filter="fade">
+                                      <p:cBhvr>
+                                        <p:cTn id="47" dur="500"/>
+                                        <p:tgtEl>
+                                          <p:spTgt spid="4">
+                                            <p:txEl>
+                                              <p:pRg st="5" end="5"/>
+                                            </p:txEl>
+                                          </p:spTgt>
+                                        </p:tgtEl>
+                                      </p:cBhvr>
+                                    </p:animEffect>
+                                  </p:childTnLst>
+                                </p:cTn>
+                              </p:par>
+                            </p:childTnLst>
+                          </p:cTn>
+                        </p:par>
+                      </p:childTnLst>
+                    </p:cTn>
+                  </p:par>
+                </p:childTnLst>
+              </p:cTn>
+              <p:prevCondLst>
+                <p:cond evt="onPrev" delay="0">
+                  <p:tgtEl>
+                    <p:sldTgt/>
+                  </p:tgtEl>
+                </p:cond>
+              </p:prevCondLst>
+              <p:nextCondLst>
+                <p:cond evt="onNext" delay="0">
+                  <p:tgtEl>
+                    <p:sldTgt/>
+                  </p:tgtEl>
+                </p:cond>
+              </p:nextCondLst>
+            </p:seq>
+          </p:childTnLst>
+        </p:cTn>
+      </p:par>
+    </p:tnLst>
+    <p:bldLst>
+      <p:bldP spid="2" grpId="0"/>
+      <p:bldP spid="3" grpId="0" uiExpand="1" build="p"/>
+      <p:bldP spid="4" grpId="0" build="p"/>
+    </p:bldLst>
+  </p:timing>
+</p:sld>
+</file>
+
+<file path=ppt/slides/slide14.xml><?xml version="1.0" encoding="utf-8"?>
+<p:sld xmlns:a="http://schemas.openxmlformats.org/drawingml/2006/main" xmlns:r="http://schemas.openxmlformats.org/officeDocument/2006/relationships" xmlns:p="http://schemas.openxmlformats.org/presentationml/2006/main">
+  <p:cSld>
+    <p:spTree>
+      <p:nvGrpSpPr>
+        <p:cNvPr id="1" name=""/>
+        <p:cNvGrpSpPr/>
+        <p:nvPr/>
+      </p:nvGrpSpPr>
+      <p:grpSpPr>
+        <a:xfrm>
+          <a:off x="0" y="0"/>
+          <a:ext cx="0" cy="0"/>
+          <a:chOff x="0" y="0"/>
+          <a:chExt cx="0" cy="0"/>
+        </a:xfrm>
+      </p:grpSpPr>
+      <p:sp>
+        <p:nvSpPr>
+          <p:cNvPr id="2" name="Title 1">
+            <a:extLst>
+              <a:ext uri="{FF2B5EF4-FFF2-40B4-BE49-F238E27FC236}">
+                <a16:creationId xmlns:a16="http://schemas.microsoft.com/office/drawing/2014/main" id="{C9668695-3DEE-7545-98EF-6A95849B62BA}"/>
+              </a:ext>
+            </a:extLst>
+          </p:cNvPr>
+          <p:cNvSpPr>
+            <a:spLocks noGrp="1"/>
+          </p:cNvSpPr>
+          <p:nvPr>
+            <p:ph type="title"/>
+          </p:nvPr>
+        </p:nvSpPr>
+        <p:spPr>
+          <a:xfrm>
+            <a:off x="1141413" y="609600"/>
+            <a:ext cx="9905998" cy="4801496"/>
+          </a:xfrm>
+        </p:spPr>
+        <p:txBody>
+          <a:bodyPr>
+            <a:normAutofit/>
+          </a:bodyPr>
+          <a:lstStyle/>
+          <a:p>
+            <a:pPr algn="ctr"/>
+            <a:r>
+              <a:rPr lang="en-US" dirty="0"/>
+              <a:t>Thank You For Listening!</a:t>
+            </a:r>
+            <a:br>
+              <a:rPr lang="en-US" dirty="0"/>
+            </a:br>
+            <a:br>
+              <a:rPr lang="en-US" dirty="0"/>
+            </a:br>
+            <a:br>
+              <a:rPr lang="en-US" dirty="0"/>
+            </a:br>
+            <a:r>
+              <a:rPr lang="en-US" dirty="0"/>
+              <a:t>Questions?</a:t>
+            </a:r>
+          </a:p>
+        </p:txBody>
+      </p:sp>
+    </p:spTree>
+    <p:extLst>
+      <p:ext uri="{BB962C8B-B14F-4D97-AF65-F5344CB8AC3E}">
+        <p14:creationId xmlns:p14="http://schemas.microsoft.com/office/powerpoint/2010/main" val="421411953"/>
+      </p:ext>
+    </p:extLst>
+  </p:cSld>
+  <p:clrMapOvr>
+    <a:masterClrMapping/>
+  </p:clrMapOvr>
+  <mc:AlternateContent xmlns:mc="http://schemas.openxmlformats.org/markup-compatibility/2006">
+    <mc:Choice xmlns:p14="http://schemas.microsoft.com/office/powerpoint/2010/main" Requires="p14">
+      <p:transition spd="slow" p14:dur="800">
+        <p:fade/>
+      </p:transition>
+    </mc:Choice>
+    <mc:Fallback>
+      <p:transition spd="slow">
+        <p:fade/>
+      </p:transition>
+    </mc:Fallback>
+  </mc:AlternateContent>
+  <p:timing>
+    <p:tnLst>
+      <p:par>
+        <p:cTn id="1" dur="indefinite" restart="never" nodeType="tmRoot">
+          <p:childTnLst>
+            <p:seq concurrent="1" nextAc="seek">
+              <p:cTn id="2" dur="indefinite" nodeType="mainSeq">
+                <p:childTnLst>
+                  <p:par>
+                    <p:cTn id="3" fill="hold">
+                      <p:stCondLst>
+                        <p:cond delay="indefinite"/>
+                        <p:cond evt="onBegin" delay="0">
+                          <p:tn val="2"/>
+                        </p:cond>
+                      </p:stCondLst>
+                      <p:childTnLst>
+                        <p:par>
+                          <p:cTn id="4" fill="hold">
+                            <p:stCondLst>
+                              <p:cond delay="0"/>
+                            </p:stCondLst>
+                            <p:childTnLst>
+                              <p:par>
+                                <p:cTn id="5" presetID="10" presetClass="entr" presetSubtype="0" fill="hold" grpId="0" nodeType="afterEffect">
+                                  <p:stCondLst>
+                                    <p:cond delay="0"/>
+                                  </p:stCondLst>
+                                  <p:childTnLst>
+                                    <p:set>
+                                      <p:cBhvr>
+                                        <p:cTn id="6" dur="1" fill="hold">
+                                          <p:stCondLst>
+                                            <p:cond delay="0"/>
+                                          </p:stCondLst>
+                                        </p:cTn>
+                                        <p:tgtEl>
+                                          <p:spTgt spid="2"/>
+                                        </p:tgtEl>
+                                        <p:attrNameLst>
+                                          <p:attrName>style.visibility</p:attrName>
+                                        </p:attrNameLst>
+                                      </p:cBhvr>
+                                      <p:to>
+                                        <p:strVal val="visible"/>
+                                      </p:to>
+                                    </p:set>
+                                    <p:animEffect transition="in" filter="fade">
+                                      <p:cBhvr>
+                                        <p:cTn id="7" dur="1000"/>
+                                        <p:tgtEl>
+                                          <p:spTgt spid="2"/>
+                                        </p:tgtEl>
+                                      </p:cBhvr>
+                                    </p:animEffect>
+                                  </p:childTnLst>
+                                </p:cTn>
+                              </p:par>
+                            </p:childTnLst>
+                          </p:cTn>
+                        </p:par>
+                      </p:childTnLst>
+                    </p:cTn>
+                  </p:par>
+                </p:childTnLst>
+              </p:cTn>
+              <p:prevCondLst>
+                <p:cond evt="onPrev" delay="0">
+                  <p:tgtEl>
+                    <p:sldTgt/>
+                  </p:tgtEl>
+                </p:cond>
+              </p:prevCondLst>
+              <p:nextCondLst>
+                <p:cond evt="onNext" delay="0">
+                  <p:tgtEl>
+                    <p:sldTgt/>
+                  </p:tgtEl>
+                </p:cond>
+              </p:nextCondLst>
+            </p:seq>
+          </p:childTnLst>
+        </p:cTn>
+      </p:par>
+    </p:tnLst>
+    <p:bldLst>
+      <p:bldP spid="2" grpId="0"/>
+    </p:bldLst>
+  </p:timing>
 </p:sld>
 </file>
 
@@ -9312,6 +10867,340 @@
       </p:transition>
     </mc:Fallback>
   </mc:AlternateContent>
+  <p:timing>
+    <p:tnLst>
+      <p:par>
+        <p:cTn id="1" dur="indefinite" restart="never" nodeType="tmRoot">
+          <p:childTnLst>
+            <p:seq concurrent="1" nextAc="seek">
+              <p:cTn id="2" dur="indefinite" nodeType="mainSeq">
+                <p:childTnLst>
+                  <p:par>
+                    <p:cTn id="3" fill="hold">
+                      <p:stCondLst>
+                        <p:cond delay="indefinite"/>
+                        <p:cond evt="onBegin" delay="0">
+                          <p:tn val="2"/>
+                        </p:cond>
+                      </p:stCondLst>
+                      <p:childTnLst>
+                        <p:par>
+                          <p:cTn id="4" fill="hold">
+                            <p:stCondLst>
+                              <p:cond delay="0"/>
+                            </p:stCondLst>
+                            <p:childTnLst>
+                              <p:par>
+                                <p:cTn id="5" presetID="10" presetClass="entr" presetSubtype="0" fill="hold" grpId="0" nodeType="afterEffect">
+                                  <p:stCondLst>
+                                    <p:cond delay="0"/>
+                                  </p:stCondLst>
+                                  <p:childTnLst>
+                                    <p:set>
+                                      <p:cBhvr>
+                                        <p:cTn id="6" dur="1" fill="hold">
+                                          <p:stCondLst>
+                                            <p:cond delay="0"/>
+                                          </p:stCondLst>
+                                        </p:cTn>
+                                        <p:tgtEl>
+                                          <p:spTgt spid="2"/>
+                                        </p:tgtEl>
+                                        <p:attrNameLst>
+                                          <p:attrName>style.visibility</p:attrName>
+                                        </p:attrNameLst>
+                                      </p:cBhvr>
+                                      <p:to>
+                                        <p:strVal val="visible"/>
+                                      </p:to>
+                                    </p:set>
+                                    <p:animEffect transition="in" filter="fade">
+                                      <p:cBhvr>
+                                        <p:cTn id="7" dur="1000"/>
+                                        <p:tgtEl>
+                                          <p:spTgt spid="2"/>
+                                        </p:tgtEl>
+                                      </p:cBhvr>
+                                    </p:animEffect>
+                                  </p:childTnLst>
+                                </p:cTn>
+                              </p:par>
+                            </p:childTnLst>
+                          </p:cTn>
+                        </p:par>
+                      </p:childTnLst>
+                    </p:cTn>
+                  </p:par>
+                  <p:par>
+                    <p:cTn id="8" fill="hold">
+                      <p:stCondLst>
+                        <p:cond delay="indefinite"/>
+                      </p:stCondLst>
+                      <p:childTnLst>
+                        <p:par>
+                          <p:cTn id="9" fill="hold">
+                            <p:stCondLst>
+                              <p:cond delay="0"/>
+                            </p:stCondLst>
+                            <p:childTnLst>
+                              <p:par>
+                                <p:cTn id="10" presetID="10" presetClass="entr" presetSubtype="0" fill="hold" grpId="0" nodeType="clickEffect">
+                                  <p:stCondLst>
+                                    <p:cond delay="0"/>
+                                  </p:stCondLst>
+                                  <p:childTnLst>
+                                    <p:set>
+                                      <p:cBhvr>
+                                        <p:cTn id="11" dur="1" fill="hold">
+                                          <p:stCondLst>
+                                            <p:cond delay="0"/>
+                                          </p:stCondLst>
+                                        </p:cTn>
+                                        <p:tgtEl>
+                                          <p:spTgt spid="3">
+                                            <p:txEl>
+                                              <p:pRg st="0" end="0"/>
+                                            </p:txEl>
+                                          </p:spTgt>
+                                        </p:tgtEl>
+                                        <p:attrNameLst>
+                                          <p:attrName>style.visibility</p:attrName>
+                                        </p:attrNameLst>
+                                      </p:cBhvr>
+                                      <p:to>
+                                        <p:strVal val="visible"/>
+                                      </p:to>
+                                    </p:set>
+                                    <p:animEffect transition="in" filter="fade">
+                                      <p:cBhvr>
+                                        <p:cTn id="12" dur="500"/>
+                                        <p:tgtEl>
+                                          <p:spTgt spid="3">
+                                            <p:txEl>
+                                              <p:pRg st="0" end="0"/>
+                                            </p:txEl>
+                                          </p:spTgt>
+                                        </p:tgtEl>
+                                      </p:cBhvr>
+                                    </p:animEffect>
+                                  </p:childTnLst>
+                                </p:cTn>
+                              </p:par>
+                            </p:childTnLst>
+                          </p:cTn>
+                        </p:par>
+                      </p:childTnLst>
+                    </p:cTn>
+                  </p:par>
+                  <p:par>
+                    <p:cTn id="13" fill="hold">
+                      <p:stCondLst>
+                        <p:cond delay="indefinite"/>
+                      </p:stCondLst>
+                      <p:childTnLst>
+                        <p:par>
+                          <p:cTn id="14" fill="hold">
+                            <p:stCondLst>
+                              <p:cond delay="0"/>
+                            </p:stCondLst>
+                            <p:childTnLst>
+                              <p:par>
+                                <p:cTn id="15" presetID="10" presetClass="entr" presetSubtype="0" fill="hold" grpId="0" nodeType="clickEffect">
+                                  <p:stCondLst>
+                                    <p:cond delay="0"/>
+                                  </p:stCondLst>
+                                  <p:childTnLst>
+                                    <p:set>
+                                      <p:cBhvr>
+                                        <p:cTn id="16" dur="1" fill="hold">
+                                          <p:stCondLst>
+                                            <p:cond delay="0"/>
+                                          </p:stCondLst>
+                                        </p:cTn>
+                                        <p:tgtEl>
+                                          <p:spTgt spid="3">
+                                            <p:txEl>
+                                              <p:pRg st="1" end="1"/>
+                                            </p:txEl>
+                                          </p:spTgt>
+                                        </p:tgtEl>
+                                        <p:attrNameLst>
+                                          <p:attrName>style.visibility</p:attrName>
+                                        </p:attrNameLst>
+                                      </p:cBhvr>
+                                      <p:to>
+                                        <p:strVal val="visible"/>
+                                      </p:to>
+                                    </p:set>
+                                    <p:animEffect transition="in" filter="fade">
+                                      <p:cBhvr>
+                                        <p:cTn id="17" dur="500"/>
+                                        <p:tgtEl>
+                                          <p:spTgt spid="3">
+                                            <p:txEl>
+                                              <p:pRg st="1" end="1"/>
+                                            </p:txEl>
+                                          </p:spTgt>
+                                        </p:tgtEl>
+                                      </p:cBhvr>
+                                    </p:animEffect>
+                                  </p:childTnLst>
+                                </p:cTn>
+                              </p:par>
+                            </p:childTnLst>
+                          </p:cTn>
+                        </p:par>
+                      </p:childTnLst>
+                    </p:cTn>
+                  </p:par>
+                  <p:par>
+                    <p:cTn id="18" fill="hold">
+                      <p:stCondLst>
+                        <p:cond delay="indefinite"/>
+                      </p:stCondLst>
+                      <p:childTnLst>
+                        <p:par>
+                          <p:cTn id="19" fill="hold">
+                            <p:stCondLst>
+                              <p:cond delay="0"/>
+                            </p:stCondLst>
+                            <p:childTnLst>
+                              <p:par>
+                                <p:cTn id="20" presetID="10" presetClass="entr" presetSubtype="0" fill="hold" grpId="0" nodeType="clickEffect">
+                                  <p:stCondLst>
+                                    <p:cond delay="0"/>
+                                  </p:stCondLst>
+                                  <p:childTnLst>
+                                    <p:set>
+                                      <p:cBhvr>
+                                        <p:cTn id="21" dur="1" fill="hold">
+                                          <p:stCondLst>
+                                            <p:cond delay="0"/>
+                                          </p:stCondLst>
+                                        </p:cTn>
+                                        <p:tgtEl>
+                                          <p:spTgt spid="3">
+                                            <p:txEl>
+                                              <p:pRg st="2" end="2"/>
+                                            </p:txEl>
+                                          </p:spTgt>
+                                        </p:tgtEl>
+                                        <p:attrNameLst>
+                                          <p:attrName>style.visibility</p:attrName>
+                                        </p:attrNameLst>
+                                      </p:cBhvr>
+                                      <p:to>
+                                        <p:strVal val="visible"/>
+                                      </p:to>
+                                    </p:set>
+                                    <p:animEffect transition="in" filter="fade">
+                                      <p:cBhvr>
+                                        <p:cTn id="22" dur="500"/>
+                                        <p:tgtEl>
+                                          <p:spTgt spid="3">
+                                            <p:txEl>
+                                              <p:pRg st="2" end="2"/>
+                                            </p:txEl>
+                                          </p:spTgt>
+                                        </p:tgtEl>
+                                      </p:cBhvr>
+                                    </p:animEffect>
+                                  </p:childTnLst>
+                                </p:cTn>
+                              </p:par>
+                            </p:childTnLst>
+                          </p:cTn>
+                        </p:par>
+                      </p:childTnLst>
+                    </p:cTn>
+                  </p:par>
+                  <p:par>
+                    <p:cTn id="23" fill="hold">
+                      <p:stCondLst>
+                        <p:cond delay="indefinite"/>
+                      </p:stCondLst>
+                      <p:childTnLst>
+                        <p:par>
+                          <p:cTn id="24" fill="hold">
+                            <p:stCondLst>
+                              <p:cond delay="0"/>
+                            </p:stCondLst>
+                            <p:childTnLst>
+                              <p:par>
+                                <p:cTn id="25" presetID="10" presetClass="entr" presetSubtype="0" fill="hold" grpId="0" nodeType="clickEffect">
+                                  <p:stCondLst>
+                                    <p:cond delay="0"/>
+                                  </p:stCondLst>
+                                  <p:childTnLst>
+                                    <p:set>
+                                      <p:cBhvr>
+                                        <p:cTn id="26" dur="1" fill="hold">
+                                          <p:stCondLst>
+                                            <p:cond delay="0"/>
+                                          </p:stCondLst>
+                                        </p:cTn>
+                                        <p:tgtEl>
+                                          <p:spTgt spid="3">
+                                            <p:txEl>
+                                              <p:pRg st="3" end="3"/>
+                                            </p:txEl>
+                                          </p:spTgt>
+                                        </p:tgtEl>
+                                        <p:attrNameLst>
+                                          <p:attrName>style.visibility</p:attrName>
+                                        </p:attrNameLst>
+                                      </p:cBhvr>
+                                      <p:to>
+                                        <p:strVal val="visible"/>
+                                      </p:to>
+                                    </p:set>
+                                    <p:animEffect transition="in" filter="fade">
+                                      <p:cBhvr>
+                                        <p:cTn id="27" dur="500"/>
+                                        <p:tgtEl>
+                                          <p:spTgt spid="3">
+                                            <p:txEl>
+                                              <p:pRg st="3" end="3"/>
+                                            </p:txEl>
+                                          </p:spTgt>
+                                        </p:tgtEl>
+                                      </p:cBhvr>
+                                    </p:animEffect>
+                                  </p:childTnLst>
+                                </p:cTn>
+                              </p:par>
+                            </p:childTnLst>
+                          </p:cTn>
+                        </p:par>
+                      </p:childTnLst>
+                    </p:cTn>
+                  </p:par>
+                </p:childTnLst>
+              </p:cTn>
+              <p:prevCondLst>
+                <p:cond evt="onPrev" delay="0">
+                  <p:tgtEl>
+                    <p:sldTgt/>
+                  </p:tgtEl>
+                </p:cond>
+              </p:prevCondLst>
+              <p:nextCondLst>
+                <p:cond evt="onNext" delay="0">
+                  <p:tgtEl>
+                    <p:sldTgt/>
+                  </p:tgtEl>
+                </p:cond>
+              </p:nextCondLst>
+            </p:seq>
+          </p:childTnLst>
+        </p:cTn>
+      </p:par>
+    </p:tnLst>
+    <p:bldLst>
+      <p:bldP spid="2" grpId="0"/>
+      <p:bldP spid="3" grpId="0" build="p"/>
+    </p:bldLst>
+  </p:timing>
 </p:sld>
 </file>
 
@@ -9920,6 +11809,148 @@
       </p:transition>
     </mc:Fallback>
   </mc:AlternateContent>
+  <p:timing>
+    <p:tnLst>
+      <p:par>
+        <p:cTn id="1" dur="indefinite" restart="never" nodeType="tmRoot">
+          <p:childTnLst>
+            <p:seq concurrent="1" nextAc="seek">
+              <p:cTn id="2" dur="indefinite" nodeType="mainSeq">
+                <p:childTnLst>
+                  <p:par>
+                    <p:cTn id="3" fill="hold">
+                      <p:stCondLst>
+                        <p:cond delay="indefinite"/>
+                        <p:cond evt="onBegin" delay="0">
+                          <p:tn val="2"/>
+                        </p:cond>
+                      </p:stCondLst>
+                      <p:childTnLst>
+                        <p:par>
+                          <p:cTn id="4" fill="hold">
+                            <p:stCondLst>
+                              <p:cond delay="0"/>
+                            </p:stCondLst>
+                            <p:childTnLst>
+                              <p:par>
+                                <p:cTn id="5" presetID="10" presetClass="entr" presetSubtype="0" fill="hold" grpId="0" nodeType="afterEffect">
+                                  <p:stCondLst>
+                                    <p:cond delay="0"/>
+                                  </p:stCondLst>
+                                  <p:childTnLst>
+                                    <p:set>
+                                      <p:cBhvr>
+                                        <p:cTn id="6" dur="1" fill="hold">
+                                          <p:stCondLst>
+                                            <p:cond delay="0"/>
+                                          </p:stCondLst>
+                                        </p:cTn>
+                                        <p:tgtEl>
+                                          <p:spTgt spid="2"/>
+                                        </p:tgtEl>
+                                        <p:attrNameLst>
+                                          <p:attrName>style.visibility</p:attrName>
+                                        </p:attrNameLst>
+                                      </p:cBhvr>
+                                      <p:to>
+                                        <p:strVal val="visible"/>
+                                      </p:to>
+                                    </p:set>
+                                    <p:animEffect transition="in" filter="fade">
+                                      <p:cBhvr>
+                                        <p:cTn id="7" dur="500"/>
+                                        <p:tgtEl>
+                                          <p:spTgt spid="2"/>
+                                        </p:tgtEl>
+                                      </p:cBhvr>
+                                    </p:animEffect>
+                                  </p:childTnLst>
+                                </p:cTn>
+                              </p:par>
+                            </p:childTnLst>
+                          </p:cTn>
+                        </p:par>
+                      </p:childTnLst>
+                    </p:cTn>
+                  </p:par>
+                  <p:par>
+                    <p:cTn id="8" fill="hold">
+                      <p:stCondLst>
+                        <p:cond delay="indefinite"/>
+                      </p:stCondLst>
+                      <p:childTnLst>
+                        <p:par>
+                          <p:cTn id="9" fill="hold">
+                            <p:stCondLst>
+                              <p:cond delay="0"/>
+                            </p:stCondLst>
+                            <p:childTnLst>
+                              <p:par>
+                                <p:cTn id="10" presetID="10" presetClass="entr" presetSubtype="0" fill="hold" nodeType="clickEffect">
+                                  <p:stCondLst>
+                                    <p:cond delay="0"/>
+                                  </p:stCondLst>
+                                  <p:childTnLst>
+                                    <p:set>
+                                      <p:cBhvr>
+                                        <p:cTn id="11" dur="1" fill="hold">
+                                          <p:stCondLst>
+                                            <p:cond delay="0"/>
+                                          </p:stCondLst>
+                                        </p:cTn>
+                                        <p:tgtEl>
+                                          <p:spTgt spid="4"/>
+                                        </p:tgtEl>
+                                        <p:attrNameLst>
+                                          <p:attrName>style.visibility</p:attrName>
+                                        </p:attrNameLst>
+                                      </p:cBhvr>
+                                      <p:to>
+                                        <p:strVal val="visible"/>
+                                      </p:to>
+                                    </p:set>
+                                    <p:animEffect transition="in" filter="fade">
+                                      <p:cBhvr>
+                                        <p:cTn id="12" dur="1000"/>
+                                        <p:tgtEl>
+                                          <p:spTgt spid="4"/>
+                                        </p:tgtEl>
+                                      </p:cBhvr>
+                                    </p:animEffect>
+                                  </p:childTnLst>
+                                </p:cTn>
+                              </p:par>
+                            </p:childTnLst>
+                          </p:cTn>
+                        </p:par>
+                      </p:childTnLst>
+                    </p:cTn>
+                  </p:par>
+                </p:childTnLst>
+              </p:cTn>
+              <p:prevCondLst>
+                <p:cond evt="onPrev" delay="0">
+                  <p:tgtEl>
+                    <p:sldTgt/>
+                  </p:tgtEl>
+                </p:cond>
+              </p:prevCondLst>
+              <p:nextCondLst>
+                <p:cond evt="onNext" delay="0">
+                  <p:tgtEl>
+                    <p:sldTgt/>
+                  </p:tgtEl>
+                </p:cond>
+              </p:nextCondLst>
+            </p:seq>
+          </p:childTnLst>
+        </p:cTn>
+      </p:par>
+    </p:tnLst>
+    <p:bldLst>
+      <p:bldP spid="2" grpId="0"/>
+    </p:bldLst>
+  </p:timing>
 </p:sld>
 </file>
 
@@ -11185,6 +13216,761 @@
       </p:transition>
     </mc:Fallback>
   </mc:AlternateContent>
+  <p:timing>
+    <p:tnLst>
+      <p:par>
+        <p:cTn id="1" dur="indefinite" restart="never" nodeType="tmRoot">
+          <p:childTnLst>
+            <p:seq concurrent="1" nextAc="seek">
+              <p:cTn id="2" dur="indefinite" nodeType="mainSeq">
+                <p:childTnLst>
+                  <p:par>
+                    <p:cTn id="3" fill="hold">
+                      <p:stCondLst>
+                        <p:cond delay="indefinite"/>
+                        <p:cond evt="onBegin" delay="0">
+                          <p:tn val="2"/>
+                        </p:cond>
+                      </p:stCondLst>
+                      <p:childTnLst>
+                        <p:par>
+                          <p:cTn id="4" fill="hold">
+                            <p:stCondLst>
+                              <p:cond delay="0"/>
+                            </p:stCondLst>
+                            <p:childTnLst>
+                              <p:par>
+                                <p:cTn id="5" presetID="10" presetClass="entr" presetSubtype="0" fill="hold" grpId="0" nodeType="afterEffect">
+                                  <p:stCondLst>
+                                    <p:cond delay="0"/>
+                                  </p:stCondLst>
+                                  <p:childTnLst>
+                                    <p:set>
+                                      <p:cBhvr>
+                                        <p:cTn id="6" dur="1" fill="hold">
+                                          <p:stCondLst>
+                                            <p:cond delay="0"/>
+                                          </p:stCondLst>
+                                        </p:cTn>
+                                        <p:tgtEl>
+                                          <p:spTgt spid="2"/>
+                                        </p:tgtEl>
+                                        <p:attrNameLst>
+                                          <p:attrName>style.visibility</p:attrName>
+                                        </p:attrNameLst>
+                                      </p:cBhvr>
+                                      <p:to>
+                                        <p:strVal val="visible"/>
+                                      </p:to>
+                                    </p:set>
+                                    <p:animEffect transition="in" filter="fade">
+                                      <p:cBhvr>
+                                        <p:cTn id="7" dur="1000"/>
+                                        <p:tgtEl>
+                                          <p:spTgt spid="2"/>
+                                        </p:tgtEl>
+                                      </p:cBhvr>
+                                    </p:animEffect>
+                                  </p:childTnLst>
+                                </p:cTn>
+                              </p:par>
+                            </p:childTnLst>
+                          </p:cTn>
+                        </p:par>
+                      </p:childTnLst>
+                    </p:cTn>
+                  </p:par>
+                  <p:par>
+                    <p:cTn id="8" fill="hold">
+                      <p:stCondLst>
+                        <p:cond delay="indefinite"/>
+                      </p:stCondLst>
+                      <p:childTnLst>
+                        <p:par>
+                          <p:cTn id="9" fill="hold">
+                            <p:stCondLst>
+                              <p:cond delay="0"/>
+                            </p:stCondLst>
+                            <p:childTnLst>
+                              <p:par>
+                                <p:cTn id="10" presetID="10" presetClass="entr" presetSubtype="0" fill="hold" grpId="0" nodeType="clickEffect">
+                                  <p:stCondLst>
+                                    <p:cond delay="0"/>
+                                  </p:stCondLst>
+                                  <p:childTnLst>
+                                    <p:set>
+                                      <p:cBhvr>
+                                        <p:cTn id="11" dur="1" fill="hold">
+                                          <p:stCondLst>
+                                            <p:cond delay="0"/>
+                                          </p:stCondLst>
+                                        </p:cTn>
+                                        <p:tgtEl>
+                                          <p:spTgt spid="4"/>
+                                        </p:tgtEl>
+                                        <p:attrNameLst>
+                                          <p:attrName>style.visibility</p:attrName>
+                                        </p:attrNameLst>
+                                      </p:cBhvr>
+                                      <p:to>
+                                        <p:strVal val="visible"/>
+                                      </p:to>
+                                    </p:set>
+                                    <p:animEffect transition="in" filter="fade">
+                                      <p:cBhvr>
+                                        <p:cTn id="12" dur="1000"/>
+                                        <p:tgtEl>
+                                          <p:spTgt spid="4"/>
+                                        </p:tgtEl>
+                                      </p:cBhvr>
+                                    </p:animEffect>
+                                  </p:childTnLst>
+                                </p:cTn>
+                              </p:par>
+                              <p:par>
+                                <p:cTn id="13" presetID="10" presetClass="entr" presetSubtype="0" fill="hold" grpId="0" nodeType="withEffect">
+                                  <p:stCondLst>
+                                    <p:cond delay="0"/>
+                                  </p:stCondLst>
+                                  <p:childTnLst>
+                                    <p:set>
+                                      <p:cBhvr>
+                                        <p:cTn id="14" dur="1" fill="hold">
+                                          <p:stCondLst>
+                                            <p:cond delay="0"/>
+                                          </p:stCondLst>
+                                        </p:cTn>
+                                        <p:tgtEl>
+                                          <p:spTgt spid="18"/>
+                                        </p:tgtEl>
+                                        <p:attrNameLst>
+                                          <p:attrName>style.visibility</p:attrName>
+                                        </p:attrNameLst>
+                                      </p:cBhvr>
+                                      <p:to>
+                                        <p:strVal val="visible"/>
+                                      </p:to>
+                                    </p:set>
+                                    <p:animEffect transition="in" filter="fade">
+                                      <p:cBhvr>
+                                        <p:cTn id="15" dur="1000"/>
+                                        <p:tgtEl>
+                                          <p:spTgt spid="18"/>
+                                        </p:tgtEl>
+                                      </p:cBhvr>
+                                    </p:animEffect>
+                                  </p:childTnLst>
+                                </p:cTn>
+                              </p:par>
+                              <p:par>
+                                <p:cTn id="16" presetID="10" presetClass="entr" presetSubtype="0" fill="hold" grpId="0" nodeType="withEffect">
+                                  <p:stCondLst>
+                                    <p:cond delay="0"/>
+                                  </p:stCondLst>
+                                  <p:childTnLst>
+                                    <p:set>
+                                      <p:cBhvr>
+                                        <p:cTn id="17" dur="1" fill="hold">
+                                          <p:stCondLst>
+                                            <p:cond delay="0"/>
+                                          </p:stCondLst>
+                                        </p:cTn>
+                                        <p:tgtEl>
+                                          <p:spTgt spid="8"/>
+                                        </p:tgtEl>
+                                        <p:attrNameLst>
+                                          <p:attrName>style.visibility</p:attrName>
+                                        </p:attrNameLst>
+                                      </p:cBhvr>
+                                      <p:to>
+                                        <p:strVal val="visible"/>
+                                      </p:to>
+                                    </p:set>
+                                    <p:animEffect transition="in" filter="fade">
+                                      <p:cBhvr>
+                                        <p:cTn id="18" dur="1000"/>
+                                        <p:tgtEl>
+                                          <p:spTgt spid="8"/>
+                                        </p:tgtEl>
+                                      </p:cBhvr>
+                                    </p:animEffect>
+                                  </p:childTnLst>
+                                </p:cTn>
+                              </p:par>
+                            </p:childTnLst>
+                          </p:cTn>
+                        </p:par>
+                      </p:childTnLst>
+                    </p:cTn>
+                  </p:par>
+                  <p:par>
+                    <p:cTn id="19" fill="hold">
+                      <p:stCondLst>
+                        <p:cond delay="indefinite"/>
+                      </p:stCondLst>
+                      <p:childTnLst>
+                        <p:par>
+                          <p:cTn id="20" fill="hold">
+                            <p:stCondLst>
+                              <p:cond delay="0"/>
+                            </p:stCondLst>
+                            <p:childTnLst>
+                              <p:par>
+                                <p:cTn id="21" presetID="10" presetClass="entr" presetSubtype="0" fill="hold" grpId="0" nodeType="clickEffect">
+                                  <p:stCondLst>
+                                    <p:cond delay="0"/>
+                                  </p:stCondLst>
+                                  <p:childTnLst>
+                                    <p:set>
+                                      <p:cBhvr>
+                                        <p:cTn id="22" dur="1" fill="hold">
+                                          <p:stCondLst>
+                                            <p:cond delay="0"/>
+                                          </p:stCondLst>
+                                        </p:cTn>
+                                        <p:tgtEl>
+                                          <p:spTgt spid="11"/>
+                                        </p:tgtEl>
+                                        <p:attrNameLst>
+                                          <p:attrName>style.visibility</p:attrName>
+                                        </p:attrNameLst>
+                                      </p:cBhvr>
+                                      <p:to>
+                                        <p:strVal val="visible"/>
+                                      </p:to>
+                                    </p:set>
+                                    <p:animEffect transition="in" filter="fade">
+                                      <p:cBhvr>
+                                        <p:cTn id="23" dur="1000"/>
+                                        <p:tgtEl>
+                                          <p:spTgt spid="11"/>
+                                        </p:tgtEl>
+                                      </p:cBhvr>
+                                    </p:animEffect>
+                                  </p:childTnLst>
+                                </p:cTn>
+                              </p:par>
+                              <p:par>
+                                <p:cTn id="24" presetID="10" presetClass="entr" presetSubtype="0" fill="hold" grpId="0" nodeType="withEffect">
+                                  <p:stCondLst>
+                                    <p:cond delay="0"/>
+                                  </p:stCondLst>
+                                  <p:childTnLst>
+                                    <p:set>
+                                      <p:cBhvr>
+                                        <p:cTn id="25" dur="1" fill="hold">
+                                          <p:stCondLst>
+                                            <p:cond delay="0"/>
+                                          </p:stCondLst>
+                                        </p:cTn>
+                                        <p:tgtEl>
+                                          <p:spTgt spid="10"/>
+                                        </p:tgtEl>
+                                        <p:attrNameLst>
+                                          <p:attrName>style.visibility</p:attrName>
+                                        </p:attrNameLst>
+                                      </p:cBhvr>
+                                      <p:to>
+                                        <p:strVal val="visible"/>
+                                      </p:to>
+                                    </p:set>
+                                    <p:animEffect transition="in" filter="fade">
+                                      <p:cBhvr>
+                                        <p:cTn id="26" dur="1000"/>
+                                        <p:tgtEl>
+                                          <p:spTgt spid="10"/>
+                                        </p:tgtEl>
+                                      </p:cBhvr>
+                                    </p:animEffect>
+                                  </p:childTnLst>
+                                </p:cTn>
+                              </p:par>
+                              <p:par>
+                                <p:cTn id="27" presetID="10" presetClass="entr" presetSubtype="0" fill="hold" grpId="0" nodeType="withEffect">
+                                  <p:stCondLst>
+                                    <p:cond delay="0"/>
+                                  </p:stCondLst>
+                                  <p:childTnLst>
+                                    <p:set>
+                                      <p:cBhvr>
+                                        <p:cTn id="28" dur="1" fill="hold">
+                                          <p:stCondLst>
+                                            <p:cond delay="0"/>
+                                          </p:stCondLst>
+                                        </p:cTn>
+                                        <p:tgtEl>
+                                          <p:spTgt spid="9"/>
+                                        </p:tgtEl>
+                                        <p:attrNameLst>
+                                          <p:attrName>style.visibility</p:attrName>
+                                        </p:attrNameLst>
+                                      </p:cBhvr>
+                                      <p:to>
+                                        <p:strVal val="visible"/>
+                                      </p:to>
+                                    </p:set>
+                                    <p:animEffect transition="in" filter="fade">
+                                      <p:cBhvr>
+                                        <p:cTn id="29" dur="1000"/>
+                                        <p:tgtEl>
+                                          <p:spTgt spid="9"/>
+                                        </p:tgtEl>
+                                      </p:cBhvr>
+                                    </p:animEffect>
+                                  </p:childTnLst>
+                                </p:cTn>
+                              </p:par>
+                            </p:childTnLst>
+                          </p:cTn>
+                        </p:par>
+                      </p:childTnLst>
+                    </p:cTn>
+                  </p:par>
+                  <p:par>
+                    <p:cTn id="30" fill="hold">
+                      <p:stCondLst>
+                        <p:cond delay="indefinite"/>
+                      </p:stCondLst>
+                      <p:childTnLst>
+                        <p:par>
+                          <p:cTn id="31" fill="hold">
+                            <p:stCondLst>
+                              <p:cond delay="0"/>
+                            </p:stCondLst>
+                            <p:childTnLst>
+                              <p:par>
+                                <p:cTn id="32" presetID="10" presetClass="entr" presetSubtype="0" fill="hold" grpId="0" nodeType="clickEffect">
+                                  <p:stCondLst>
+                                    <p:cond delay="0"/>
+                                  </p:stCondLst>
+                                  <p:childTnLst>
+                                    <p:set>
+                                      <p:cBhvr>
+                                        <p:cTn id="33" dur="1" fill="hold">
+                                          <p:stCondLst>
+                                            <p:cond delay="0"/>
+                                          </p:stCondLst>
+                                        </p:cTn>
+                                        <p:tgtEl>
+                                          <p:spTgt spid="13"/>
+                                        </p:tgtEl>
+                                        <p:attrNameLst>
+                                          <p:attrName>style.visibility</p:attrName>
+                                        </p:attrNameLst>
+                                      </p:cBhvr>
+                                      <p:to>
+                                        <p:strVal val="visible"/>
+                                      </p:to>
+                                    </p:set>
+                                    <p:animEffect transition="in" filter="fade">
+                                      <p:cBhvr>
+                                        <p:cTn id="34" dur="1000"/>
+                                        <p:tgtEl>
+                                          <p:spTgt spid="13"/>
+                                        </p:tgtEl>
+                                      </p:cBhvr>
+                                    </p:animEffect>
+                                  </p:childTnLst>
+                                </p:cTn>
+                              </p:par>
+                              <p:par>
+                                <p:cTn id="35" presetID="10" presetClass="entr" presetSubtype="0" fill="hold" grpId="0" nodeType="withEffect">
+                                  <p:stCondLst>
+                                    <p:cond delay="0"/>
+                                  </p:stCondLst>
+                                  <p:childTnLst>
+                                    <p:set>
+                                      <p:cBhvr>
+                                        <p:cTn id="36" dur="1" fill="hold">
+                                          <p:stCondLst>
+                                            <p:cond delay="0"/>
+                                          </p:stCondLst>
+                                        </p:cTn>
+                                        <p:tgtEl>
+                                          <p:spTgt spid="14"/>
+                                        </p:tgtEl>
+                                        <p:attrNameLst>
+                                          <p:attrName>style.visibility</p:attrName>
+                                        </p:attrNameLst>
+                                      </p:cBhvr>
+                                      <p:to>
+                                        <p:strVal val="visible"/>
+                                      </p:to>
+                                    </p:set>
+                                    <p:animEffect transition="in" filter="fade">
+                                      <p:cBhvr>
+                                        <p:cTn id="37" dur="1000"/>
+                                        <p:tgtEl>
+                                          <p:spTgt spid="14"/>
+                                        </p:tgtEl>
+                                      </p:cBhvr>
+                                    </p:animEffect>
+                                  </p:childTnLst>
+                                </p:cTn>
+                              </p:par>
+                              <p:par>
+                                <p:cTn id="38" presetID="10" presetClass="entr" presetSubtype="0" fill="hold" grpId="0" nodeType="withEffect">
+                                  <p:stCondLst>
+                                    <p:cond delay="0"/>
+                                  </p:stCondLst>
+                                  <p:childTnLst>
+                                    <p:set>
+                                      <p:cBhvr>
+                                        <p:cTn id="39" dur="1" fill="hold">
+                                          <p:stCondLst>
+                                            <p:cond delay="0"/>
+                                          </p:stCondLst>
+                                        </p:cTn>
+                                        <p:tgtEl>
+                                          <p:spTgt spid="16"/>
+                                        </p:tgtEl>
+                                        <p:attrNameLst>
+                                          <p:attrName>style.visibility</p:attrName>
+                                        </p:attrNameLst>
+                                      </p:cBhvr>
+                                      <p:to>
+                                        <p:strVal val="visible"/>
+                                      </p:to>
+                                    </p:set>
+                                    <p:animEffect transition="in" filter="fade">
+                                      <p:cBhvr>
+                                        <p:cTn id="40" dur="1000"/>
+                                        <p:tgtEl>
+                                          <p:spTgt spid="16"/>
+                                        </p:tgtEl>
+                                      </p:cBhvr>
+                                    </p:animEffect>
+                                  </p:childTnLst>
+                                </p:cTn>
+                              </p:par>
+                            </p:childTnLst>
+                          </p:cTn>
+                        </p:par>
+                      </p:childTnLst>
+                    </p:cTn>
+                  </p:par>
+                  <p:par>
+                    <p:cTn id="41" fill="hold">
+                      <p:stCondLst>
+                        <p:cond delay="indefinite"/>
+                      </p:stCondLst>
+                      <p:childTnLst>
+                        <p:par>
+                          <p:cTn id="42" fill="hold">
+                            <p:stCondLst>
+                              <p:cond delay="0"/>
+                            </p:stCondLst>
+                            <p:childTnLst>
+                              <p:par>
+                                <p:cTn id="43" presetID="10" presetClass="entr" presetSubtype="0" fill="hold" grpId="0" nodeType="clickEffect">
+                                  <p:stCondLst>
+                                    <p:cond delay="0"/>
+                                  </p:stCondLst>
+                                  <p:childTnLst>
+                                    <p:set>
+                                      <p:cBhvr>
+                                        <p:cTn id="44" dur="1" fill="hold">
+                                          <p:stCondLst>
+                                            <p:cond delay="0"/>
+                                          </p:stCondLst>
+                                        </p:cTn>
+                                        <p:tgtEl>
+                                          <p:spTgt spid="12"/>
+                                        </p:tgtEl>
+                                        <p:attrNameLst>
+                                          <p:attrName>style.visibility</p:attrName>
+                                        </p:attrNameLst>
+                                      </p:cBhvr>
+                                      <p:to>
+                                        <p:strVal val="visible"/>
+                                      </p:to>
+                                    </p:set>
+                                    <p:animEffect transition="in" filter="fade">
+                                      <p:cBhvr>
+                                        <p:cTn id="45" dur="1000"/>
+                                        <p:tgtEl>
+                                          <p:spTgt spid="12"/>
+                                        </p:tgtEl>
+                                      </p:cBhvr>
+                                    </p:animEffect>
+                                  </p:childTnLst>
+                                </p:cTn>
+                              </p:par>
+                              <p:par>
+                                <p:cTn id="46" presetID="10" presetClass="entr" presetSubtype="0" fill="hold" grpId="0" nodeType="withEffect">
+                                  <p:stCondLst>
+                                    <p:cond delay="0"/>
+                                  </p:stCondLst>
+                                  <p:childTnLst>
+                                    <p:set>
+                                      <p:cBhvr>
+                                        <p:cTn id="47" dur="1" fill="hold">
+                                          <p:stCondLst>
+                                            <p:cond delay="0"/>
+                                          </p:stCondLst>
+                                        </p:cTn>
+                                        <p:tgtEl>
+                                          <p:spTgt spid="17"/>
+                                        </p:tgtEl>
+                                        <p:attrNameLst>
+                                          <p:attrName>style.visibility</p:attrName>
+                                        </p:attrNameLst>
+                                      </p:cBhvr>
+                                      <p:to>
+                                        <p:strVal val="visible"/>
+                                      </p:to>
+                                    </p:set>
+                                    <p:animEffect transition="in" filter="fade">
+                                      <p:cBhvr>
+                                        <p:cTn id="48" dur="1000"/>
+                                        <p:tgtEl>
+                                          <p:spTgt spid="17"/>
+                                        </p:tgtEl>
+                                      </p:cBhvr>
+                                    </p:animEffect>
+                                  </p:childTnLst>
+                                </p:cTn>
+                              </p:par>
+                              <p:par>
+                                <p:cTn id="49" presetID="10" presetClass="entr" presetSubtype="0" fill="hold" grpId="0" nodeType="withEffect">
+                                  <p:stCondLst>
+                                    <p:cond delay="0"/>
+                                  </p:stCondLst>
+                                  <p:childTnLst>
+                                    <p:set>
+                                      <p:cBhvr>
+                                        <p:cTn id="50" dur="1" fill="hold">
+                                          <p:stCondLst>
+                                            <p:cond delay="0"/>
+                                          </p:stCondLst>
+                                        </p:cTn>
+                                        <p:tgtEl>
+                                          <p:spTgt spid="7"/>
+                                        </p:tgtEl>
+                                        <p:attrNameLst>
+                                          <p:attrName>style.visibility</p:attrName>
+                                        </p:attrNameLst>
+                                      </p:cBhvr>
+                                      <p:to>
+                                        <p:strVal val="visible"/>
+                                      </p:to>
+                                    </p:set>
+                                    <p:animEffect transition="in" filter="fade">
+                                      <p:cBhvr>
+                                        <p:cTn id="51" dur="1000"/>
+                                        <p:tgtEl>
+                                          <p:spTgt spid="7"/>
+                                        </p:tgtEl>
+                                      </p:cBhvr>
+                                    </p:animEffect>
+                                  </p:childTnLst>
+                                </p:cTn>
+                              </p:par>
+                              <p:par>
+                                <p:cTn id="52" presetID="10" presetClass="entr" presetSubtype="0" fill="hold" grpId="0" nodeType="withEffect">
+                                  <p:stCondLst>
+                                    <p:cond delay="0"/>
+                                  </p:stCondLst>
+                                  <p:childTnLst>
+                                    <p:set>
+                                      <p:cBhvr>
+                                        <p:cTn id="53" dur="1" fill="hold">
+                                          <p:stCondLst>
+                                            <p:cond delay="0"/>
+                                          </p:stCondLst>
+                                        </p:cTn>
+                                        <p:tgtEl>
+                                          <p:spTgt spid="19"/>
+                                        </p:tgtEl>
+                                        <p:attrNameLst>
+                                          <p:attrName>style.visibility</p:attrName>
+                                        </p:attrNameLst>
+                                      </p:cBhvr>
+                                      <p:to>
+                                        <p:strVal val="visible"/>
+                                      </p:to>
+                                    </p:set>
+                                    <p:animEffect transition="in" filter="fade">
+                                      <p:cBhvr>
+                                        <p:cTn id="54" dur="1000"/>
+                                        <p:tgtEl>
+                                          <p:spTgt spid="19"/>
+                                        </p:tgtEl>
+                                      </p:cBhvr>
+                                    </p:animEffect>
+                                  </p:childTnLst>
+                                </p:cTn>
+                              </p:par>
+                            </p:childTnLst>
+                          </p:cTn>
+                        </p:par>
+                      </p:childTnLst>
+                    </p:cTn>
+                  </p:par>
+                  <p:par>
+                    <p:cTn id="55" fill="hold">
+                      <p:stCondLst>
+                        <p:cond delay="indefinite"/>
+                      </p:stCondLst>
+                      <p:childTnLst>
+                        <p:par>
+                          <p:cTn id="56" fill="hold">
+                            <p:stCondLst>
+                              <p:cond delay="0"/>
+                            </p:stCondLst>
+                            <p:childTnLst>
+                              <p:par>
+                                <p:cTn id="57" presetID="10" presetClass="entr" presetSubtype="0" fill="hold" grpId="0" nodeType="clickEffect">
+                                  <p:stCondLst>
+                                    <p:cond delay="0"/>
+                                  </p:stCondLst>
+                                  <p:childTnLst>
+                                    <p:set>
+                                      <p:cBhvr>
+                                        <p:cTn id="58" dur="1" fill="hold">
+                                          <p:stCondLst>
+                                            <p:cond delay="0"/>
+                                          </p:stCondLst>
+                                        </p:cTn>
+                                        <p:tgtEl>
+                                          <p:spTgt spid="20"/>
+                                        </p:tgtEl>
+                                        <p:attrNameLst>
+                                          <p:attrName>style.visibility</p:attrName>
+                                        </p:attrNameLst>
+                                      </p:cBhvr>
+                                      <p:to>
+                                        <p:strVal val="visible"/>
+                                      </p:to>
+                                    </p:set>
+                                    <p:animEffect transition="in" filter="fade">
+                                      <p:cBhvr>
+                                        <p:cTn id="59" dur="1000"/>
+                                        <p:tgtEl>
+                                          <p:spTgt spid="20"/>
+                                        </p:tgtEl>
+                                      </p:cBhvr>
+                                    </p:animEffect>
+                                  </p:childTnLst>
+                                </p:cTn>
+                              </p:par>
+                              <p:par>
+                                <p:cTn id="60" presetID="10" presetClass="entr" presetSubtype="0" fill="hold" grpId="0" nodeType="withEffect">
+                                  <p:stCondLst>
+                                    <p:cond delay="0"/>
+                                  </p:stCondLst>
+                                  <p:childTnLst>
+                                    <p:set>
+                                      <p:cBhvr>
+                                        <p:cTn id="61" dur="1" fill="hold">
+                                          <p:stCondLst>
+                                            <p:cond delay="0"/>
+                                          </p:stCondLst>
+                                        </p:cTn>
+                                        <p:tgtEl>
+                                          <p:spTgt spid="21"/>
+                                        </p:tgtEl>
+                                        <p:attrNameLst>
+                                          <p:attrName>style.visibility</p:attrName>
+                                        </p:attrNameLst>
+                                      </p:cBhvr>
+                                      <p:to>
+                                        <p:strVal val="visible"/>
+                                      </p:to>
+                                    </p:set>
+                                    <p:animEffect transition="in" filter="fade">
+                                      <p:cBhvr>
+                                        <p:cTn id="62" dur="1000"/>
+                                        <p:tgtEl>
+                                          <p:spTgt spid="21"/>
+                                        </p:tgtEl>
+                                      </p:cBhvr>
+                                    </p:animEffect>
+                                  </p:childTnLst>
+                                </p:cTn>
+                              </p:par>
+                              <p:par>
+                                <p:cTn id="63" presetID="10" presetClass="entr" presetSubtype="0" fill="hold" grpId="0" nodeType="withEffect">
+                                  <p:stCondLst>
+                                    <p:cond delay="0"/>
+                                  </p:stCondLst>
+                                  <p:childTnLst>
+                                    <p:set>
+                                      <p:cBhvr>
+                                        <p:cTn id="64" dur="1" fill="hold">
+                                          <p:stCondLst>
+                                            <p:cond delay="0"/>
+                                          </p:stCondLst>
+                                        </p:cTn>
+                                        <p:tgtEl>
+                                          <p:spTgt spid="22"/>
+                                        </p:tgtEl>
+                                        <p:attrNameLst>
+                                          <p:attrName>style.visibility</p:attrName>
+                                        </p:attrNameLst>
+                                      </p:cBhvr>
+                                      <p:to>
+                                        <p:strVal val="visible"/>
+                                      </p:to>
+                                    </p:set>
+                                    <p:animEffect transition="in" filter="fade">
+                                      <p:cBhvr>
+                                        <p:cTn id="65" dur="1000"/>
+                                        <p:tgtEl>
+                                          <p:spTgt spid="22"/>
+                                        </p:tgtEl>
+                                      </p:cBhvr>
+                                    </p:animEffect>
+                                  </p:childTnLst>
+                                </p:cTn>
+                              </p:par>
+                            </p:childTnLst>
+                          </p:cTn>
+                        </p:par>
+                      </p:childTnLst>
+                    </p:cTn>
+                  </p:par>
+                </p:childTnLst>
+              </p:cTn>
+              <p:prevCondLst>
+                <p:cond evt="onPrev" delay="0">
+                  <p:tgtEl>
+                    <p:sldTgt/>
+                  </p:tgtEl>
+                </p:cond>
+              </p:prevCondLst>
+              <p:nextCondLst>
+                <p:cond evt="onNext" delay="0">
+                  <p:tgtEl>
+                    <p:sldTgt/>
+                  </p:tgtEl>
+                </p:cond>
+              </p:nextCondLst>
+            </p:seq>
+          </p:childTnLst>
+        </p:cTn>
+      </p:par>
+    </p:tnLst>
+    <p:bldLst>
+      <p:bldP spid="2" grpId="0"/>
+      <p:bldP spid="4" grpId="0"/>
+      <p:bldP spid="7" grpId="0" animBg="1"/>
+      <p:bldP spid="8" grpId="0"/>
+      <p:bldP spid="9" grpId="0"/>
+      <p:bldP spid="10" grpId="0" animBg="1"/>
+      <p:bldP spid="11" grpId="0"/>
+      <p:bldP spid="12" grpId="0"/>
+      <p:bldP spid="13" grpId="0"/>
+      <p:bldP spid="14" grpId="0" animBg="1"/>
+      <p:bldP spid="16" grpId="0"/>
+      <p:bldP spid="17" grpId="0"/>
+      <p:bldP spid="18" grpId="0" animBg="1"/>
+      <p:bldP spid="19" grpId="0"/>
+      <p:bldP spid="20" grpId="0"/>
+      <p:bldP spid="21" grpId="0" animBg="1"/>
+      <p:bldP spid="22" grpId="0"/>
+    </p:bldLst>
+  </p:timing>
 </p:sld>
 </file>
 
@@ -12325,6 +15111,318 @@
       </p:transition>
     </mc:Fallback>
   </mc:AlternateContent>
+  <p:timing>
+    <p:tnLst>
+      <p:par>
+        <p:cTn id="1" dur="indefinite" restart="never" nodeType="tmRoot">
+          <p:childTnLst>
+            <p:seq concurrent="1" nextAc="seek">
+              <p:cTn id="2" dur="indefinite" nodeType="mainSeq">
+                <p:childTnLst>
+                  <p:par>
+                    <p:cTn id="3" fill="hold">
+                      <p:stCondLst>
+                        <p:cond delay="indefinite"/>
+                        <p:cond evt="onBegin" delay="0">
+                          <p:tn val="2"/>
+                        </p:cond>
+                      </p:stCondLst>
+                      <p:childTnLst>
+                        <p:par>
+                          <p:cTn id="4" fill="hold">
+                            <p:stCondLst>
+                              <p:cond delay="0"/>
+                            </p:stCondLst>
+                            <p:childTnLst>
+                              <p:par>
+                                <p:cTn id="5" presetID="10" presetClass="entr" presetSubtype="0" fill="hold" grpId="0" nodeType="afterEffect">
+                                  <p:stCondLst>
+                                    <p:cond delay="0"/>
+                                  </p:stCondLst>
+                                  <p:childTnLst>
+                                    <p:set>
+                                      <p:cBhvr>
+                                        <p:cTn id="6" dur="1" fill="hold">
+                                          <p:stCondLst>
+                                            <p:cond delay="0"/>
+                                          </p:stCondLst>
+                                        </p:cTn>
+                                        <p:tgtEl>
+                                          <p:spTgt spid="2"/>
+                                        </p:tgtEl>
+                                        <p:attrNameLst>
+                                          <p:attrName>style.visibility</p:attrName>
+                                        </p:attrNameLst>
+                                      </p:cBhvr>
+                                      <p:to>
+                                        <p:strVal val="visible"/>
+                                      </p:to>
+                                    </p:set>
+                                    <p:animEffect transition="in" filter="fade">
+                                      <p:cBhvr>
+                                        <p:cTn id="7" dur="1000"/>
+                                        <p:tgtEl>
+                                          <p:spTgt spid="2"/>
+                                        </p:tgtEl>
+                                      </p:cBhvr>
+                                    </p:animEffect>
+                                  </p:childTnLst>
+                                </p:cTn>
+                              </p:par>
+                            </p:childTnLst>
+                          </p:cTn>
+                        </p:par>
+                      </p:childTnLst>
+                    </p:cTn>
+                  </p:par>
+                  <p:par>
+                    <p:cTn id="8" fill="hold">
+                      <p:stCondLst>
+                        <p:cond delay="indefinite"/>
+                      </p:stCondLst>
+                      <p:childTnLst>
+                        <p:par>
+                          <p:cTn id="9" fill="hold">
+                            <p:stCondLst>
+                              <p:cond delay="0"/>
+                            </p:stCondLst>
+                            <p:childTnLst>
+                              <p:par>
+                                <p:cTn id="10" presetID="10" presetClass="entr" presetSubtype="0" fill="hold" grpId="0" nodeType="clickEffect">
+                                  <p:stCondLst>
+                                    <p:cond delay="0"/>
+                                  </p:stCondLst>
+                                  <p:childTnLst>
+                                    <p:set>
+                                      <p:cBhvr>
+                                        <p:cTn id="11" dur="1" fill="hold">
+                                          <p:stCondLst>
+                                            <p:cond delay="0"/>
+                                          </p:stCondLst>
+                                        </p:cTn>
+                                        <p:tgtEl>
+                                          <p:spTgt spid="3">
+                                            <p:txEl>
+                                              <p:pRg st="0" end="0"/>
+                                            </p:txEl>
+                                          </p:spTgt>
+                                        </p:tgtEl>
+                                        <p:attrNameLst>
+                                          <p:attrName>style.visibility</p:attrName>
+                                        </p:attrNameLst>
+                                      </p:cBhvr>
+                                      <p:to>
+                                        <p:strVal val="visible"/>
+                                      </p:to>
+                                    </p:set>
+                                    <p:animEffect transition="in" filter="fade">
+                                      <p:cBhvr>
+                                        <p:cTn id="12" dur="1000"/>
+                                        <p:tgtEl>
+                                          <p:spTgt spid="3">
+                                            <p:txEl>
+                                              <p:pRg st="0" end="0"/>
+                                            </p:txEl>
+                                          </p:spTgt>
+                                        </p:tgtEl>
+                                      </p:cBhvr>
+                                    </p:animEffect>
+                                  </p:childTnLst>
+                                </p:cTn>
+                              </p:par>
+                            </p:childTnLst>
+                          </p:cTn>
+                        </p:par>
+                      </p:childTnLst>
+                    </p:cTn>
+                  </p:par>
+                  <p:par>
+                    <p:cTn id="13" fill="hold">
+                      <p:stCondLst>
+                        <p:cond delay="indefinite"/>
+                      </p:stCondLst>
+                      <p:childTnLst>
+                        <p:par>
+                          <p:cTn id="14" fill="hold">
+                            <p:stCondLst>
+                              <p:cond delay="0"/>
+                            </p:stCondLst>
+                            <p:childTnLst>
+                              <p:par>
+                                <p:cTn id="15" presetID="10" presetClass="entr" presetSubtype="0" fill="hold" nodeType="clickEffect">
+                                  <p:stCondLst>
+                                    <p:cond delay="0"/>
+                                  </p:stCondLst>
+                                  <p:childTnLst>
+                                    <p:set>
+                                      <p:cBhvr>
+                                        <p:cTn id="16" dur="1" fill="hold">
+                                          <p:stCondLst>
+                                            <p:cond delay="0"/>
+                                          </p:stCondLst>
+                                        </p:cTn>
+                                        <p:tgtEl>
+                                          <p:spTgt spid="5"/>
+                                        </p:tgtEl>
+                                        <p:attrNameLst>
+                                          <p:attrName>style.visibility</p:attrName>
+                                        </p:attrNameLst>
+                                      </p:cBhvr>
+                                      <p:to>
+                                        <p:strVal val="visible"/>
+                                      </p:to>
+                                    </p:set>
+                                    <p:animEffect transition="in" filter="fade">
+                                      <p:cBhvr>
+                                        <p:cTn id="17" dur="1000"/>
+                                        <p:tgtEl>
+                                          <p:spTgt spid="5"/>
+                                        </p:tgtEl>
+                                      </p:cBhvr>
+                                    </p:animEffect>
+                                  </p:childTnLst>
+                                </p:cTn>
+                              </p:par>
+                            </p:childTnLst>
+                          </p:cTn>
+                        </p:par>
+                      </p:childTnLst>
+                    </p:cTn>
+                  </p:par>
+                  <p:par>
+                    <p:cTn id="18" fill="hold">
+                      <p:stCondLst>
+                        <p:cond delay="indefinite"/>
+                      </p:stCondLst>
+                      <p:childTnLst>
+                        <p:par>
+                          <p:cTn id="19" fill="hold">
+                            <p:stCondLst>
+                              <p:cond delay="0"/>
+                            </p:stCondLst>
+                            <p:childTnLst>
+                              <p:par>
+                                <p:cTn id="20" presetID="10" presetClass="entr" presetSubtype="0" fill="hold" grpId="0" nodeType="clickEffect">
+                                  <p:stCondLst>
+                                    <p:cond delay="0"/>
+                                  </p:stCondLst>
+                                  <p:childTnLst>
+                                    <p:set>
+                                      <p:cBhvr>
+                                        <p:cTn id="21" dur="1" fill="hold">
+                                          <p:stCondLst>
+                                            <p:cond delay="0"/>
+                                          </p:stCondLst>
+                                        </p:cTn>
+                                        <p:tgtEl>
+                                          <p:spTgt spid="8"/>
+                                        </p:tgtEl>
+                                        <p:attrNameLst>
+                                          <p:attrName>style.visibility</p:attrName>
+                                        </p:attrNameLst>
+                                      </p:cBhvr>
+                                      <p:to>
+                                        <p:strVal val="visible"/>
+                                      </p:to>
+                                    </p:set>
+                                    <p:animEffect transition="in" filter="fade">
+                                      <p:cBhvr>
+                                        <p:cTn id="22" dur="1000"/>
+                                        <p:tgtEl>
+                                          <p:spTgt spid="8"/>
+                                        </p:tgtEl>
+                                      </p:cBhvr>
+                                    </p:animEffect>
+                                  </p:childTnLst>
+                                </p:cTn>
+                              </p:par>
+                            </p:childTnLst>
+                          </p:cTn>
+                        </p:par>
+                      </p:childTnLst>
+                    </p:cTn>
+                  </p:par>
+                  <p:par>
+                    <p:cTn id="23" fill="hold">
+                      <p:stCondLst>
+                        <p:cond delay="indefinite"/>
+                      </p:stCondLst>
+                      <p:childTnLst>
+                        <p:par>
+                          <p:cTn id="24" fill="hold">
+                            <p:stCondLst>
+                              <p:cond delay="0"/>
+                            </p:stCondLst>
+                            <p:childTnLst>
+                              <p:par>
+                                <p:cTn id="25" presetID="10" presetClass="entr" presetSubtype="0" fill="hold" grpId="0" nodeType="clickEffect">
+                                  <p:stCondLst>
+                                    <p:cond delay="0"/>
+                                  </p:stCondLst>
+                                  <p:childTnLst>
+                                    <p:set>
+                                      <p:cBhvr>
+                                        <p:cTn id="26" dur="1" fill="hold">
+                                          <p:stCondLst>
+                                            <p:cond delay="0"/>
+                                          </p:stCondLst>
+                                        </p:cTn>
+                                        <p:tgtEl>
+                                          <p:spTgt spid="9"/>
+                                        </p:tgtEl>
+                                        <p:attrNameLst>
+                                          <p:attrName>style.visibility</p:attrName>
+                                        </p:attrNameLst>
+                                      </p:cBhvr>
+                                      <p:to>
+                                        <p:strVal val="visible"/>
+                                      </p:to>
+                                    </p:set>
+                                    <p:animEffect transition="in" filter="fade">
+                                      <p:cBhvr>
+                                        <p:cTn id="27" dur="1000"/>
+                                        <p:tgtEl>
+                                          <p:spTgt spid="9"/>
+                                        </p:tgtEl>
+                                      </p:cBhvr>
+                                    </p:animEffect>
+                                  </p:childTnLst>
+                                </p:cTn>
+                              </p:par>
+                            </p:childTnLst>
+                          </p:cTn>
+                        </p:par>
+                      </p:childTnLst>
+                    </p:cTn>
+                  </p:par>
+                </p:childTnLst>
+              </p:cTn>
+              <p:prevCondLst>
+                <p:cond evt="onPrev" delay="0">
+                  <p:tgtEl>
+                    <p:sldTgt/>
+                  </p:tgtEl>
+                </p:cond>
+              </p:prevCondLst>
+              <p:nextCondLst>
+                <p:cond evt="onNext" delay="0">
+                  <p:tgtEl>
+                    <p:sldTgt/>
+                  </p:tgtEl>
+                </p:cond>
+              </p:nextCondLst>
+            </p:seq>
+          </p:childTnLst>
+        </p:cTn>
+      </p:par>
+    </p:tnLst>
+    <p:bldLst>
+      <p:bldP spid="2" grpId="0"/>
+      <p:bldP spid="3" grpId="0" build="p"/>
+      <p:bldP spid="8" grpId="0"/>
+      <p:bldP spid="9" grpId="0"/>
+    </p:bldLst>
+  </p:timing>
 </p:sld>
 </file>
 
@@ -13433,6 +16531,318 @@
       </p:transition>
     </mc:Fallback>
   </mc:AlternateContent>
+  <p:timing>
+    <p:tnLst>
+      <p:par>
+        <p:cTn id="1" dur="indefinite" restart="never" nodeType="tmRoot">
+          <p:childTnLst>
+            <p:seq concurrent="1" nextAc="seek">
+              <p:cTn id="2" dur="indefinite" nodeType="mainSeq">
+                <p:childTnLst>
+                  <p:par>
+                    <p:cTn id="3" fill="hold">
+                      <p:stCondLst>
+                        <p:cond delay="indefinite"/>
+                        <p:cond evt="onBegin" delay="0">
+                          <p:tn val="2"/>
+                        </p:cond>
+                      </p:stCondLst>
+                      <p:childTnLst>
+                        <p:par>
+                          <p:cTn id="4" fill="hold">
+                            <p:stCondLst>
+                              <p:cond delay="0"/>
+                            </p:stCondLst>
+                            <p:childTnLst>
+                              <p:par>
+                                <p:cTn id="5" presetID="10" presetClass="entr" presetSubtype="0" fill="hold" grpId="0" nodeType="afterEffect">
+                                  <p:stCondLst>
+                                    <p:cond delay="0"/>
+                                  </p:stCondLst>
+                                  <p:childTnLst>
+                                    <p:set>
+                                      <p:cBhvr>
+                                        <p:cTn id="6" dur="1" fill="hold">
+                                          <p:stCondLst>
+                                            <p:cond delay="0"/>
+                                          </p:stCondLst>
+                                        </p:cTn>
+                                        <p:tgtEl>
+                                          <p:spTgt spid="4"/>
+                                        </p:tgtEl>
+                                        <p:attrNameLst>
+                                          <p:attrName>style.visibility</p:attrName>
+                                        </p:attrNameLst>
+                                      </p:cBhvr>
+                                      <p:to>
+                                        <p:strVal val="visible"/>
+                                      </p:to>
+                                    </p:set>
+                                    <p:animEffect transition="in" filter="fade">
+                                      <p:cBhvr>
+                                        <p:cTn id="7" dur="1000"/>
+                                        <p:tgtEl>
+                                          <p:spTgt spid="4"/>
+                                        </p:tgtEl>
+                                      </p:cBhvr>
+                                    </p:animEffect>
+                                  </p:childTnLst>
+                                </p:cTn>
+                              </p:par>
+                            </p:childTnLst>
+                          </p:cTn>
+                        </p:par>
+                      </p:childTnLst>
+                    </p:cTn>
+                  </p:par>
+                  <p:par>
+                    <p:cTn id="8" fill="hold">
+                      <p:stCondLst>
+                        <p:cond delay="indefinite"/>
+                      </p:stCondLst>
+                      <p:childTnLst>
+                        <p:par>
+                          <p:cTn id="9" fill="hold">
+                            <p:stCondLst>
+                              <p:cond delay="0"/>
+                            </p:stCondLst>
+                            <p:childTnLst>
+                              <p:par>
+                                <p:cTn id="10" presetID="10" presetClass="entr" presetSubtype="0" fill="hold" grpId="0" nodeType="clickEffect">
+                                  <p:stCondLst>
+                                    <p:cond delay="0"/>
+                                  </p:stCondLst>
+                                  <p:childTnLst>
+                                    <p:set>
+                                      <p:cBhvr>
+                                        <p:cTn id="11" dur="1" fill="hold">
+                                          <p:stCondLst>
+                                            <p:cond delay="0"/>
+                                          </p:stCondLst>
+                                        </p:cTn>
+                                        <p:tgtEl>
+                                          <p:spTgt spid="5">
+                                            <p:txEl>
+                                              <p:pRg st="0" end="0"/>
+                                            </p:txEl>
+                                          </p:spTgt>
+                                        </p:tgtEl>
+                                        <p:attrNameLst>
+                                          <p:attrName>style.visibility</p:attrName>
+                                        </p:attrNameLst>
+                                      </p:cBhvr>
+                                      <p:to>
+                                        <p:strVal val="visible"/>
+                                      </p:to>
+                                    </p:set>
+                                    <p:animEffect transition="in" filter="fade">
+                                      <p:cBhvr>
+                                        <p:cTn id="12" dur="1000"/>
+                                        <p:tgtEl>
+                                          <p:spTgt spid="5">
+                                            <p:txEl>
+                                              <p:pRg st="0" end="0"/>
+                                            </p:txEl>
+                                          </p:spTgt>
+                                        </p:tgtEl>
+                                      </p:cBhvr>
+                                    </p:animEffect>
+                                  </p:childTnLst>
+                                </p:cTn>
+                              </p:par>
+                            </p:childTnLst>
+                          </p:cTn>
+                        </p:par>
+                      </p:childTnLst>
+                    </p:cTn>
+                  </p:par>
+                  <p:par>
+                    <p:cTn id="13" fill="hold">
+                      <p:stCondLst>
+                        <p:cond delay="indefinite"/>
+                      </p:stCondLst>
+                      <p:childTnLst>
+                        <p:par>
+                          <p:cTn id="14" fill="hold">
+                            <p:stCondLst>
+                              <p:cond delay="0"/>
+                            </p:stCondLst>
+                            <p:childTnLst>
+                              <p:par>
+                                <p:cTn id="15" presetID="10" presetClass="entr" presetSubtype="0" fill="hold" nodeType="clickEffect">
+                                  <p:stCondLst>
+                                    <p:cond delay="0"/>
+                                  </p:stCondLst>
+                                  <p:childTnLst>
+                                    <p:set>
+                                      <p:cBhvr>
+                                        <p:cTn id="16" dur="1" fill="hold">
+                                          <p:stCondLst>
+                                            <p:cond delay="0"/>
+                                          </p:stCondLst>
+                                        </p:cTn>
+                                        <p:tgtEl>
+                                          <p:spTgt spid="7"/>
+                                        </p:tgtEl>
+                                        <p:attrNameLst>
+                                          <p:attrName>style.visibility</p:attrName>
+                                        </p:attrNameLst>
+                                      </p:cBhvr>
+                                      <p:to>
+                                        <p:strVal val="visible"/>
+                                      </p:to>
+                                    </p:set>
+                                    <p:animEffect transition="in" filter="fade">
+                                      <p:cBhvr>
+                                        <p:cTn id="17" dur="1000"/>
+                                        <p:tgtEl>
+                                          <p:spTgt spid="7"/>
+                                        </p:tgtEl>
+                                      </p:cBhvr>
+                                    </p:animEffect>
+                                  </p:childTnLst>
+                                </p:cTn>
+                              </p:par>
+                            </p:childTnLst>
+                          </p:cTn>
+                        </p:par>
+                      </p:childTnLst>
+                    </p:cTn>
+                  </p:par>
+                  <p:par>
+                    <p:cTn id="18" fill="hold">
+                      <p:stCondLst>
+                        <p:cond delay="indefinite"/>
+                      </p:stCondLst>
+                      <p:childTnLst>
+                        <p:par>
+                          <p:cTn id="19" fill="hold">
+                            <p:stCondLst>
+                              <p:cond delay="0"/>
+                            </p:stCondLst>
+                            <p:childTnLst>
+                              <p:par>
+                                <p:cTn id="20" presetID="10" presetClass="entr" presetSubtype="0" fill="hold" grpId="0" nodeType="clickEffect">
+                                  <p:stCondLst>
+                                    <p:cond delay="0"/>
+                                  </p:stCondLst>
+                                  <p:childTnLst>
+                                    <p:set>
+                                      <p:cBhvr>
+                                        <p:cTn id="21" dur="1" fill="hold">
+                                          <p:stCondLst>
+                                            <p:cond delay="0"/>
+                                          </p:stCondLst>
+                                        </p:cTn>
+                                        <p:tgtEl>
+                                          <p:spTgt spid="8"/>
+                                        </p:tgtEl>
+                                        <p:attrNameLst>
+                                          <p:attrName>style.visibility</p:attrName>
+                                        </p:attrNameLst>
+                                      </p:cBhvr>
+                                      <p:to>
+                                        <p:strVal val="visible"/>
+                                      </p:to>
+                                    </p:set>
+                                    <p:animEffect transition="in" filter="fade">
+                                      <p:cBhvr>
+                                        <p:cTn id="22" dur="1000"/>
+                                        <p:tgtEl>
+                                          <p:spTgt spid="8"/>
+                                        </p:tgtEl>
+                                      </p:cBhvr>
+                                    </p:animEffect>
+                                  </p:childTnLst>
+                                </p:cTn>
+                              </p:par>
+                            </p:childTnLst>
+                          </p:cTn>
+                        </p:par>
+                      </p:childTnLst>
+                    </p:cTn>
+                  </p:par>
+                  <p:par>
+                    <p:cTn id="23" fill="hold">
+                      <p:stCondLst>
+                        <p:cond delay="indefinite"/>
+                      </p:stCondLst>
+                      <p:childTnLst>
+                        <p:par>
+                          <p:cTn id="24" fill="hold">
+                            <p:stCondLst>
+                              <p:cond delay="0"/>
+                            </p:stCondLst>
+                            <p:childTnLst>
+                              <p:par>
+                                <p:cTn id="25" presetID="10" presetClass="entr" presetSubtype="0" fill="hold" grpId="0" nodeType="clickEffect">
+                                  <p:stCondLst>
+                                    <p:cond delay="0"/>
+                                  </p:stCondLst>
+                                  <p:childTnLst>
+                                    <p:set>
+                                      <p:cBhvr>
+                                        <p:cTn id="26" dur="1" fill="hold">
+                                          <p:stCondLst>
+                                            <p:cond delay="0"/>
+                                          </p:stCondLst>
+                                        </p:cTn>
+                                        <p:tgtEl>
+                                          <p:spTgt spid="9"/>
+                                        </p:tgtEl>
+                                        <p:attrNameLst>
+                                          <p:attrName>style.visibility</p:attrName>
+                                        </p:attrNameLst>
+                                      </p:cBhvr>
+                                      <p:to>
+                                        <p:strVal val="visible"/>
+                                      </p:to>
+                                    </p:set>
+                                    <p:animEffect transition="in" filter="fade">
+                                      <p:cBhvr>
+                                        <p:cTn id="27" dur="1000"/>
+                                        <p:tgtEl>
+                                          <p:spTgt spid="9"/>
+                                        </p:tgtEl>
+                                      </p:cBhvr>
+                                    </p:animEffect>
+                                  </p:childTnLst>
+                                </p:cTn>
+                              </p:par>
+                            </p:childTnLst>
+                          </p:cTn>
+                        </p:par>
+                      </p:childTnLst>
+                    </p:cTn>
+                  </p:par>
+                </p:childTnLst>
+              </p:cTn>
+              <p:prevCondLst>
+                <p:cond evt="onPrev" delay="0">
+                  <p:tgtEl>
+                    <p:sldTgt/>
+                  </p:tgtEl>
+                </p:cond>
+              </p:prevCondLst>
+              <p:nextCondLst>
+                <p:cond evt="onNext" delay="0">
+                  <p:tgtEl>
+                    <p:sldTgt/>
+                  </p:tgtEl>
+                </p:cond>
+              </p:nextCondLst>
+            </p:seq>
+          </p:childTnLst>
+        </p:cTn>
+      </p:par>
+    </p:tnLst>
+    <p:bldLst>
+      <p:bldP spid="4" grpId="0"/>
+      <p:bldP spid="5" grpId="0" build="p"/>
+      <p:bldP spid="8" grpId="0"/>
+      <p:bldP spid="9" grpId="0"/>
+    </p:bldLst>
+  </p:timing>
 </p:sld>
 </file>
 
@@ -13646,6 +17056,9 @@
                     <p:cTn id="3" fill="hold">
                       <p:stCondLst>
                         <p:cond delay="indefinite"/>
+                        <p:cond evt="onBegin" delay="0">
+                          <p:tn val="2"/>
+                        </p:cond>
                       </p:stCondLst>
                       <p:childTnLst>
                         <p:par>
@@ -13655,7 +17068,7 @@
                             </p:stCondLst>
                             <p:childTnLst>
                               <p:par>
-                                <p:cTn id="5" presetID="10" presetClass="entr" presetSubtype="0" fill="hold" grpId="0" nodeType="clickEffect">
+                                <p:cTn id="5" presetID="10" presetClass="entr" presetSubtype="0" fill="hold" grpId="0" nodeType="afterEffect">
                                   <p:stCondLst>
                                     <p:cond delay="0"/>
                                   </p:stCondLst>
@@ -13668,11 +17081,7 @@
                                           </p:stCondLst>
                                         </p:cTn>
                                         <p:tgtEl>
-                                          <p:spTgt spid="3">
-                                            <p:txEl>
-                                              <p:pRg st="0" end="0"/>
-                                            </p:txEl>
-                                          </p:spTgt>
+                                          <p:spTgt spid="2"/>
                                         </p:tgtEl>
                                         <p:attrNameLst>
                                           <p:attrName>style.visibility</p:attrName>
@@ -13686,11 +17095,7 @@
                                       <p:cBhvr>
                                         <p:cTn id="7" dur="1000"/>
                                         <p:tgtEl>
-                                          <p:spTgt spid="3">
-                                            <p:txEl>
-                                              <p:pRg st="0" end="0"/>
-                                            </p:txEl>
-                                          </p:spTgt>
+                                          <p:spTgt spid="2"/>
                                         </p:tgtEl>
                                       </p:cBhvr>
                                     </p:animEffect>
@@ -13716,7 +17121,7 @@
                             </p:stCondLst>
                             <p:childTnLst>
                               <p:par>
-                                <p:cTn id="10" presetID="10" presetClass="entr" presetSubtype="0" fill="hold" nodeType="clickEffect">
+                                <p:cTn id="10" presetID="10" presetClass="entr" presetSubtype="0" fill="hold" grpId="0" nodeType="clickEffect">
                                   <p:stCondLst>
                                     <p:cond delay="0"/>
                                   </p:stCondLst>
@@ -13729,7 +17134,11 @@
                                           </p:stCondLst>
                                         </p:cTn>
                                         <p:tgtEl>
-                                          <p:spTgt spid="5"/>
+                                          <p:spTgt spid="3">
+                                            <p:txEl>
+                                              <p:pRg st="0" end="0"/>
+                                            </p:txEl>
+                                          </p:spTgt>
                                         </p:tgtEl>
                                         <p:attrNameLst>
                                           <p:attrName>style.visibility</p:attrName>
@@ -13743,7 +17152,11 @@
                                       <p:cBhvr>
                                         <p:cTn id="12" dur="1000"/>
                                         <p:tgtEl>
-                                          <p:spTgt spid="5"/>
+                                          <p:spTgt spid="3">
+                                            <p:txEl>
+                                              <p:pRg st="0" end="0"/>
+                                            </p:txEl>
+                                          </p:spTgt>
                                         </p:tgtEl>
                                       </p:cBhvr>
                                     </p:animEffect>
@@ -13769,14 +17182,67 @@
                             </p:stCondLst>
                             <p:childTnLst>
                               <p:par>
-                                <p:cTn id="15" presetID="10" presetClass="exit" presetSubtype="0" fill="hold" nodeType="clickEffect">
+                                <p:cTn id="15" presetID="10" presetClass="entr" presetSubtype="0" fill="hold" nodeType="clickEffect">
+                                  <p:stCondLst>
+                                    <p:cond delay="0"/>
+                                  </p:stCondLst>
+                                  <p:childTnLst>
+                                    <p:set>
+                                      <p:cBhvr>
+                                        <p:cTn id="16" dur="1" fill="hold">
+                                          <p:stCondLst>
+                                            <p:cond delay="0"/>
+                                          </p:stCondLst>
+                                        </p:cTn>
+                                        <p:tgtEl>
+                                          <p:spTgt spid="5"/>
+                                        </p:tgtEl>
+                                        <p:attrNameLst>
+                                          <p:attrName>style.visibility</p:attrName>
+                                        </p:attrNameLst>
+                                      </p:cBhvr>
+                                      <p:to>
+                                        <p:strVal val="visible"/>
+                                      </p:to>
+                                    </p:set>
+                                    <p:animEffect transition="in" filter="fade">
+                                      <p:cBhvr>
+                                        <p:cTn id="17" dur="1000"/>
+                                        <p:tgtEl>
+                                          <p:spTgt spid="5"/>
+                                        </p:tgtEl>
+                                      </p:cBhvr>
+                                    </p:animEffect>
+                                  </p:childTnLst>
+                                </p:cTn>
+                              </p:par>
+                            </p:childTnLst>
+                          </p:cTn>
+                        </p:par>
+                      </p:childTnLst>
+                    </p:cTn>
+                  </p:par>
+                  <p:par>
+                    <p:cTn id="18" fill="hold">
+                      <p:stCondLst>
+                        <p:cond delay="indefinite"/>
+                      </p:stCondLst>
+                      <p:childTnLst>
+                        <p:par>
+                          <p:cTn id="19" fill="hold">
+                            <p:stCondLst>
+                              <p:cond delay="0"/>
+                            </p:stCondLst>
+                            <p:childTnLst>
+                              <p:par>
+                                <p:cTn id="20" presetID="10" presetClass="exit" presetSubtype="0" fill="hold" nodeType="clickEffect">
                                   <p:stCondLst>
                                     <p:cond delay="0"/>
                                   </p:stCondLst>
                                   <p:childTnLst>
                                     <p:animEffect transition="out" filter="fade">
                                       <p:cBhvr>
-                                        <p:cTn id="16" dur="1000"/>
+                                        <p:cTn id="21" dur="1000"/>
                                         <p:tgtEl>
                                           <p:spTgt spid="5"/>
                                         </p:tgtEl>
@@ -13784,7 +17250,7 @@
                                     </p:animEffect>
                                     <p:set>
                                       <p:cBhvr>
-                                        <p:cTn id="17" dur="1" fill="hold">
+                                        <p:cTn id="22" dur="1" fill="hold">
                                           <p:stCondLst>
                                             <p:cond delay="999"/>
                                           </p:stCondLst>
@@ -13807,20 +17273,20 @@
                           </p:cTn>
                         </p:par>
                         <p:par>
-                          <p:cTn id="18" fill="hold">
+                          <p:cTn id="23" fill="hold">
                             <p:stCondLst>
                               <p:cond delay="1000"/>
                             </p:stCondLst>
                             <p:childTnLst>
                               <p:par>
-                                <p:cTn id="19" presetID="10" presetClass="entr" presetSubtype="0" fill="hold" nodeType="afterEffect">
+                                <p:cTn id="24" presetID="10" presetClass="entr" presetSubtype="0" fill="hold" nodeType="afterEffect">
                                   <p:stCondLst>
                                     <p:cond delay="0"/>
                                   </p:stCondLst>
                                   <p:childTnLst>
                                     <p:set>
                                       <p:cBhvr>
-                                        <p:cTn id="20" dur="1" fill="hold">
+                                        <p:cTn id="25" dur="1" fill="hold">
                                           <p:stCondLst>
                                             <p:cond delay="0"/>
                                           </p:stCondLst>
@@ -13838,7 +17304,7 @@
                                     </p:set>
                                     <p:animEffect transition="in" filter="fade">
                                       <p:cBhvr>
-                                        <p:cTn id="21" dur="1000"/>
+                                        <p:cTn id="26" dur="1000"/>
                                         <p:tgtEl>
                                           <p:spTgt spid="7"/>
                                         </p:tgtEl>
@@ -13854,26 +17320,26 @@
                     </p:cTn>
                   </p:par>
                   <p:par>
-                    <p:cTn id="22" fill="hold">
+                    <p:cTn id="27" fill="hold">
                       <p:stCondLst>
                         <p:cond delay="indefinite"/>
                       </p:stCondLst>
                       <p:childTnLst>
                         <p:par>
-                          <p:cTn id="23" fill="hold">
+                          <p:cTn id="28" fill="hold">
                             <p:stCondLst>
                               <p:cond delay="0"/>
                             </p:stCondLst>
                             <p:childTnLst>
                               <p:par>
-                                <p:cTn id="24" presetID="10" presetClass="entr" presetSubtype="0" fill="hold" nodeType="clickEffect">
+                                <p:cTn id="29" presetID="10" presetClass="entr" presetSubtype="0" fill="hold" nodeType="clickEffect">
                                   <p:stCondLst>
                                     <p:cond delay="0"/>
                                   </p:stCondLst>
                                   <p:childTnLst>
                                     <p:set>
                                       <p:cBhvr>
-                                        <p:cTn id="25" dur="1" fill="hold">
+                                        <p:cTn id="30" dur="1" fill="hold">
                                           <p:stCondLst>
                                             <p:cond delay="0"/>
                                           </p:stCondLst>
@@ -13891,7 +17357,7 @@
                                     </p:set>
                                     <p:animEffect transition="in" filter="fade">
                                       <p:cBhvr>
-                                        <p:cTn id="26" dur="1000"/>
+                                        <p:cTn id="31" dur="1000"/>
                                         <p:tgtEl>
                                           <p:spTgt spid="9"/>
                                         </p:tgtEl>
@@ -13928,6 +17394,7 @@
       </p:par>
     </p:tnLst>
     <p:bldLst>
+      <p:bldP spid="2" grpId="0"/>
       <p:bldP spid="3" grpId="0" build="p"/>
     </p:bldLst>
   </p:timing>
@@ -14501,7 +17968,7 @@
             </a:pPr>
             <a:r>
               <a:rPr lang="en-US" dirty="0"/>
-              <a:t>Didn’t have access to real ate, use default hyperparameters</a:t>
+              <a:t>use default hyperparameters</a:t>
             </a:r>
           </a:p>
           <a:p>
@@ -14577,6 +18044,9 @@
                     <p:cTn id="3" fill="hold">
                       <p:stCondLst>
                         <p:cond delay="indefinite"/>
+                        <p:cond evt="onBegin" delay="0">
+                          <p:tn val="2"/>
+                        </p:cond>
                       </p:stCondLst>
                       <p:childTnLst>
                         <p:par>
@@ -14586,7 +18056,7 @@
                             </p:stCondLst>
                             <p:childTnLst>
                               <p:par>
-                                <p:cTn id="5" presetID="10" presetClass="entr" presetSubtype="0" fill="hold" grpId="0" nodeType="clickEffect">
+                                <p:cTn id="5" presetID="10" presetClass="entr" presetSubtype="0" fill="hold" grpId="0" nodeType="afterEffect">
                                   <p:stCondLst>
                                     <p:cond delay="0"/>
                                   </p:stCondLst>
@@ -14599,11 +18069,7 @@
                                           </p:stCondLst>
                                         </p:cTn>
                                         <p:tgtEl>
-                                          <p:spTgt spid="3">
-                                            <p:txEl>
-                                              <p:pRg st="0" end="0"/>
-                                            </p:txEl>
-                                          </p:spTgt>
+                                          <p:spTgt spid="2"/>
                                         </p:tgtEl>
                                         <p:attrNameLst>
                                           <p:attrName>style.visibility</p:attrName>
@@ -14617,11 +18083,7 @@
                                       <p:cBhvr>
                                         <p:cTn id="7" dur="1000"/>
                                         <p:tgtEl>
-                                          <p:spTgt spid="3">
-                                            <p:txEl>
-                                              <p:pRg st="0" end="0"/>
-                                            </p:txEl>
-                                          </p:spTgt>
+                                          <p:spTgt spid="2"/>
                                         </p:tgtEl>
                                       </p:cBhvr>
                                     </p:animEffect>
@@ -14660,7 +18122,7 @@
                                           </p:stCondLst>
                                         </p:cTn>
                                         <p:tgtEl>
-                                          <p:spTgt spid="8">
+                                          <p:spTgt spid="3">
                                             <p:txEl>
                                               <p:pRg st="0" end="0"/>
                                             </p:txEl>
@@ -14678,6 +18140,67 @@
                                       <p:cBhvr>
                                         <p:cTn id="12" dur="1000"/>
                                         <p:tgtEl>
+                                          <p:spTgt spid="3">
+                                            <p:txEl>
+                                              <p:pRg st="0" end="0"/>
+                                            </p:txEl>
+                                          </p:spTgt>
+                                        </p:tgtEl>
+                                      </p:cBhvr>
+                                    </p:animEffect>
+                                  </p:childTnLst>
+                                </p:cTn>
+                              </p:par>
+                            </p:childTnLst>
+                          </p:cTn>
+                        </p:par>
+                      </p:childTnLst>
+                    </p:cTn>
+                  </p:par>
+                  <p:par>
+                    <p:cTn id="13" fill="hold">
+                      <p:stCondLst>
+                        <p:cond delay="indefinite"/>
+                      </p:stCondLst>
+                      <p:childTnLst>
+                        <p:par>
+                          <p:cTn id="14" fill="hold">
+                            <p:stCondLst>
+                              <p:cond delay="0"/>
+                            </p:stCondLst>
+                            <p:childTnLst>
+                              <p:par>
+                                <p:cTn id="15" presetID="10" presetClass="entr" presetSubtype="0" fill="hold" grpId="0" nodeType="clickEffect">
+                                  <p:stCondLst>
+                                    <p:cond delay="0"/>
+                                  </p:stCondLst>
+                                  <p:childTnLst>
+                                    <p:set>
+                                      <p:cBhvr>
+                                        <p:cTn id="16" dur="1" fill="hold">
+                                          <p:stCondLst>
+                                            <p:cond delay="0"/>
+                                          </p:stCondLst>
+                                        </p:cTn>
+                                        <p:tgtEl>
+                                          <p:spTgt spid="8">
+                                            <p:txEl>
+                                              <p:pRg st="0" end="0"/>
+                                            </p:txEl>
+                                          </p:spTgt>
+                                        </p:tgtEl>
+                                        <p:attrNameLst>
+                                          <p:attrName>style.visibility</p:attrName>
+                                        </p:attrNameLst>
+                                      </p:cBhvr>
+                                      <p:to>
+                                        <p:strVal val="visible"/>
+                                      </p:to>
+                                    </p:set>
+                                    <p:animEffect transition="in" filter="fade">
+                                      <p:cBhvr>
+                                        <p:cTn id="17" dur="1000"/>
+                                        <p:tgtEl>
                                           <p:spTgt spid="8">
                                             <p:txEl>
                                               <p:pRg st="0" end="0"/>
@@ -14690,14 +18213,14 @@
                                 </p:cTn>
                               </p:par>
                               <p:par>
-                                <p:cTn id="13" presetID="10" presetClass="entr" presetSubtype="0" fill="hold" grpId="0" nodeType="withEffect">
+                                <p:cTn id="18" presetID="10" presetClass="entr" presetSubtype="0" fill="hold" grpId="0" nodeType="withEffect">
                                   <p:stCondLst>
                                     <p:cond delay="0"/>
                                   </p:stCondLst>
                                   <p:childTnLst>
                                     <p:set>
                                       <p:cBhvr>
-                                        <p:cTn id="14" dur="1" fill="hold">
+                                        <p:cTn id="19" dur="1" fill="hold">
                                           <p:stCondLst>
                                             <p:cond delay="0"/>
                                           </p:stCondLst>
@@ -14719,72 +18242,11 @@
                                     </p:set>
                                     <p:animEffect transition="in" filter="fade">
                                       <p:cBhvr>
-                                        <p:cTn id="15" dur="1000"/>
+                                        <p:cTn id="20" dur="1000"/>
                                         <p:tgtEl>
                                           <p:spTgt spid="8">
                                             <p:txEl>
                                               <p:pRg st="1" end="1"/>
-                                            </p:txEl>
-                                          </p:spTgt>
-                                        </p:tgtEl>
-                                      </p:cBhvr>
-                                    </p:animEffect>
-                                  </p:childTnLst>
-                                </p:cTn>
-                              </p:par>
-                            </p:childTnLst>
-                          </p:cTn>
-                        </p:par>
-                      </p:childTnLst>
-                    </p:cTn>
-                  </p:par>
-                  <p:par>
-                    <p:cTn id="16" fill="hold">
-                      <p:stCondLst>
-                        <p:cond delay="indefinite"/>
-                      </p:stCondLst>
-                      <p:childTnLst>
-                        <p:par>
-                          <p:cTn id="17" fill="hold">
-                            <p:stCondLst>
-                              <p:cond delay="0"/>
-                            </p:stCondLst>
-                            <p:childTnLst>
-                              <p:par>
-                                <p:cTn id="18" presetID="10" presetClass="entr" presetSubtype="0" fill="hold" grpId="0" nodeType="clickEffect">
-                                  <p:stCondLst>
-                                    <p:cond delay="0"/>
-                                  </p:stCondLst>
-                                  <p:childTnLst>
-                                    <p:set>
-                                      <p:cBhvr>
-                                        <p:cTn id="19" dur="1" fill="hold">
-                                          <p:stCondLst>
-                                            <p:cond delay="0"/>
-                                          </p:stCondLst>
-                                        </p:cTn>
-                                        <p:tgtEl>
-                                          <p:spTgt spid="8">
-                                            <p:txEl>
-                                              <p:pRg st="2" end="2"/>
-                                            </p:txEl>
-                                          </p:spTgt>
-                                        </p:tgtEl>
-                                        <p:attrNameLst>
-                                          <p:attrName>style.visibility</p:attrName>
-                                        </p:attrNameLst>
-                                      </p:cBhvr>
-                                      <p:to>
-                                        <p:strVal val="visible"/>
-                                      </p:to>
-                                    </p:set>
-                                    <p:animEffect transition="in" filter="fade">
-                                      <p:cBhvr>
-                                        <p:cTn id="20" dur="1000"/>
-                                        <p:tgtEl>
-                                          <p:spTgt spid="8">
-                                            <p:txEl>
-                                              <p:pRg st="2" end="2"/>
                                             </p:txEl>
                                           </p:spTgt>
                                         </p:tgtEl>
@@ -14827,7 +18289,7 @@
                                         <p:tgtEl>
                                           <p:spTgt spid="8">
                                             <p:txEl>
-                                              <p:pRg st="3" end="3"/>
+                                              <p:pRg st="2" end="2"/>
                                             </p:txEl>
                                           </p:spTgt>
                                         </p:tgtEl>
@@ -14845,7 +18307,7 @@
                                         <p:tgtEl>
                                           <p:spTgt spid="8">
                                             <p:txEl>
-                                              <p:pRg st="3" end="3"/>
+                                              <p:pRg st="2" end="2"/>
                                             </p:txEl>
                                           </p:spTgt>
                                         </p:tgtEl>
@@ -14888,6 +18350,67 @@
                                         <p:tgtEl>
                                           <p:spTgt spid="8">
                                             <p:txEl>
+                                              <p:pRg st="3" end="3"/>
+                                            </p:txEl>
+                                          </p:spTgt>
+                                        </p:tgtEl>
+                                        <p:attrNameLst>
+                                          <p:attrName>style.visibility</p:attrName>
+                                        </p:attrNameLst>
+                                      </p:cBhvr>
+                                      <p:to>
+                                        <p:strVal val="visible"/>
+                                      </p:to>
+                                    </p:set>
+                                    <p:animEffect transition="in" filter="fade">
+                                      <p:cBhvr>
+                                        <p:cTn id="30" dur="1000"/>
+                                        <p:tgtEl>
+                                          <p:spTgt spid="8">
+                                            <p:txEl>
+                                              <p:pRg st="3" end="3"/>
+                                            </p:txEl>
+                                          </p:spTgt>
+                                        </p:tgtEl>
+                                      </p:cBhvr>
+                                    </p:animEffect>
+                                  </p:childTnLst>
+                                </p:cTn>
+                              </p:par>
+                            </p:childTnLst>
+                          </p:cTn>
+                        </p:par>
+                      </p:childTnLst>
+                    </p:cTn>
+                  </p:par>
+                  <p:par>
+                    <p:cTn id="31" fill="hold">
+                      <p:stCondLst>
+                        <p:cond delay="indefinite"/>
+                      </p:stCondLst>
+                      <p:childTnLst>
+                        <p:par>
+                          <p:cTn id="32" fill="hold">
+                            <p:stCondLst>
+                              <p:cond delay="0"/>
+                            </p:stCondLst>
+                            <p:childTnLst>
+                              <p:par>
+                                <p:cTn id="33" presetID="10" presetClass="entr" presetSubtype="0" fill="hold" grpId="0" nodeType="clickEffect">
+                                  <p:stCondLst>
+                                    <p:cond delay="0"/>
+                                  </p:stCondLst>
+                                  <p:childTnLst>
+                                    <p:set>
+                                      <p:cBhvr>
+                                        <p:cTn id="34" dur="1" fill="hold">
+                                          <p:stCondLst>
+                                            <p:cond delay="0"/>
+                                          </p:stCondLst>
+                                        </p:cTn>
+                                        <p:tgtEl>
+                                          <p:spTgt spid="8">
+                                            <p:txEl>
                                               <p:pRg st="4" end="4"/>
                                             </p:txEl>
                                           </p:spTgt>
@@ -14902,7 +18425,7 @@
                                     </p:set>
                                     <p:animEffect transition="in" filter="fade">
                                       <p:cBhvr>
-                                        <p:cTn id="30" dur="1000"/>
+                                        <p:cTn id="35" dur="1000"/>
                                         <p:tgtEl>
                                           <p:spTgt spid="8">
                                             <p:txEl>
@@ -14943,6 +18466,7 @@
       </p:par>
     </p:tnLst>
     <p:bldLst>
+      <p:bldP spid="2" grpId="0"/>
       <p:bldP spid="3" grpId="0" build="p"/>
       <p:bldP spid="8" grpId="0" build="p"/>
     </p:bldLst>
@@ -15471,7 +18995,7 @@
             </a:pPr>
             <a:r>
               <a:rPr lang="en-US" dirty="0"/>
-              <a:t>Didn’t have access to real ate, use default hyperparameters</a:t>
+              <a:t>use default hyperparameters</a:t>
             </a:r>
           </a:p>
           <a:p>
@@ -15540,6 +19064,9 @@
                     <p:cTn id="3" fill="hold">
                       <p:stCondLst>
                         <p:cond delay="indefinite"/>
+                        <p:cond evt="onBegin" delay="0">
+                          <p:tn val="2"/>
+                        </p:cond>
                       </p:stCondLst>
                       <p:childTnLst>
                         <p:par>
@@ -15549,7 +19076,7 @@
                             </p:stCondLst>
                             <p:childTnLst>
                               <p:par>
-                                <p:cTn id="5" presetID="10" presetClass="entr" presetSubtype="0" fill="hold" grpId="0" nodeType="clickEffect">
+                                <p:cTn id="5" presetID="10" presetClass="entr" presetSubtype="0" fill="hold" grpId="0" nodeType="afterEffect">
                                   <p:stCondLst>
                                     <p:cond delay="0"/>
                                   </p:stCondLst>
@@ -15557,6 +19084,59 @@
                                     <p:set>
                                       <p:cBhvr>
                                         <p:cTn id="6" dur="1" fill="hold">
+                                          <p:stCondLst>
+                                            <p:cond delay="0"/>
+                                          </p:stCondLst>
+                                        </p:cTn>
+                                        <p:tgtEl>
+                                          <p:spTgt spid="2"/>
+                                        </p:tgtEl>
+                                        <p:attrNameLst>
+                                          <p:attrName>style.visibility</p:attrName>
+                                        </p:attrNameLst>
+                                      </p:cBhvr>
+                                      <p:to>
+                                        <p:strVal val="visible"/>
+                                      </p:to>
+                                    </p:set>
+                                    <p:animEffect transition="in" filter="fade">
+                                      <p:cBhvr>
+                                        <p:cTn id="7" dur="1000"/>
+                                        <p:tgtEl>
+                                          <p:spTgt spid="2"/>
+                                        </p:tgtEl>
+                                      </p:cBhvr>
+                                    </p:animEffect>
+                                  </p:childTnLst>
+                                </p:cTn>
+                              </p:par>
+                            </p:childTnLst>
+                          </p:cTn>
+                        </p:par>
+                      </p:childTnLst>
+                    </p:cTn>
+                  </p:par>
+                  <p:par>
+                    <p:cTn id="8" fill="hold">
+                      <p:stCondLst>
+                        <p:cond delay="indefinite"/>
+                      </p:stCondLst>
+                      <p:childTnLst>
+                        <p:par>
+                          <p:cTn id="9" fill="hold">
+                            <p:stCondLst>
+                              <p:cond delay="0"/>
+                            </p:stCondLst>
+                            <p:childTnLst>
+                              <p:par>
+                                <p:cTn id="10" presetID="10" presetClass="entr" presetSubtype="0" fill="hold" grpId="0" nodeType="clickEffect">
+                                  <p:stCondLst>
+                                    <p:cond delay="0"/>
+                                  </p:stCondLst>
+                                  <p:childTnLst>
+                                    <p:set>
+                                      <p:cBhvr>
+                                        <p:cTn id="11" dur="1" fill="hold">
                                           <p:stCondLst>
                                             <p:cond delay="0"/>
                                           </p:stCondLst>
@@ -15578,7 +19158,7 @@
                                     </p:set>
                                     <p:animEffect transition="in" filter="fade">
                                       <p:cBhvr>
-                                        <p:cTn id="7" dur="1000"/>
+                                        <p:cTn id="12" dur="1000"/>
                                         <p:tgtEl>
                                           <p:spTgt spid="4">
                                             <p:txEl>
@@ -15592,14 +19172,14 @@
                                 </p:cTn>
                               </p:par>
                               <p:par>
-                                <p:cTn id="8" presetID="10" presetClass="entr" presetSubtype="0" fill="hold" grpId="0" nodeType="withEffect">
+                                <p:cTn id="13" presetID="10" presetClass="entr" presetSubtype="0" fill="hold" grpId="0" nodeType="withEffect">
                                   <p:stCondLst>
                                     <p:cond delay="0"/>
                                   </p:stCondLst>
                                   <p:childTnLst>
                                     <p:set>
                                       <p:cBhvr>
-                                        <p:cTn id="9" dur="1" fill="hold">
+                                        <p:cTn id="14" dur="1" fill="hold">
                                           <p:stCondLst>
                                             <p:cond delay="0"/>
                                           </p:stCondLst>
@@ -15621,72 +19201,11 @@
                                     </p:set>
                                     <p:animEffect transition="in" filter="fade">
                                       <p:cBhvr>
-                                        <p:cTn id="10" dur="1000"/>
+                                        <p:cTn id="15" dur="1000"/>
                                         <p:tgtEl>
                                           <p:spTgt spid="4">
                                             <p:txEl>
                                               <p:pRg st="1" end="1"/>
-                                            </p:txEl>
-                                          </p:spTgt>
-                                        </p:tgtEl>
-                                      </p:cBhvr>
-                                    </p:animEffect>
-                                  </p:childTnLst>
-                                </p:cTn>
-                              </p:par>
-                            </p:childTnLst>
-                          </p:cTn>
-                        </p:par>
-                      </p:childTnLst>
-                    </p:cTn>
-                  </p:par>
-                  <p:par>
-                    <p:cTn id="11" fill="hold">
-                      <p:stCondLst>
-                        <p:cond delay="indefinite"/>
-                      </p:stCondLst>
-                      <p:childTnLst>
-                        <p:par>
-                          <p:cTn id="12" fill="hold">
-                            <p:stCondLst>
-                              <p:cond delay="0"/>
-                            </p:stCondLst>
-                            <p:childTnLst>
-                              <p:par>
-                                <p:cTn id="13" presetID="10" presetClass="entr" presetSubtype="0" fill="hold" grpId="0" nodeType="clickEffect">
-                                  <p:stCondLst>
-                                    <p:cond delay="0"/>
-                                  </p:stCondLst>
-                                  <p:childTnLst>
-                                    <p:set>
-                                      <p:cBhvr>
-                                        <p:cTn id="14" dur="1" fill="hold">
-                                          <p:stCondLst>
-                                            <p:cond delay="0"/>
-                                          </p:stCondLst>
-                                        </p:cTn>
-                                        <p:tgtEl>
-                                          <p:spTgt spid="4">
-                                            <p:txEl>
-                                              <p:pRg st="2" end="2"/>
-                                            </p:txEl>
-                                          </p:spTgt>
-                                        </p:tgtEl>
-                                        <p:attrNameLst>
-                                          <p:attrName>style.visibility</p:attrName>
-                                        </p:attrNameLst>
-                                      </p:cBhvr>
-                                      <p:to>
-                                        <p:strVal val="visible"/>
-                                      </p:to>
-                                    </p:set>
-                                    <p:animEffect transition="in" filter="fade">
-                                      <p:cBhvr>
-                                        <p:cTn id="15" dur="1000"/>
-                                        <p:tgtEl>
-                                          <p:spTgt spid="4">
-                                            <p:txEl>
-                                              <p:pRg st="2" end="2"/>
                                             </p:txEl>
                                           </p:spTgt>
                                         </p:tgtEl>
@@ -15729,7 +19248,7 @@
                                         <p:tgtEl>
                                           <p:spTgt spid="4">
                                             <p:txEl>
-                                              <p:pRg st="3" end="3"/>
+                                              <p:pRg st="2" end="2"/>
                                             </p:txEl>
                                           </p:spTgt>
                                         </p:tgtEl>
@@ -15747,7 +19266,7 @@
                                         <p:tgtEl>
                                           <p:spTgt spid="4">
                                             <p:txEl>
-                                              <p:pRg st="3" end="3"/>
+                                              <p:pRg st="2" end="2"/>
                                             </p:txEl>
                                           </p:spTgt>
                                         </p:tgtEl>
@@ -15790,6 +19309,67 @@
                                         <p:tgtEl>
                                           <p:spTgt spid="4">
                                             <p:txEl>
+                                              <p:pRg st="3" end="3"/>
+                                            </p:txEl>
+                                          </p:spTgt>
+                                        </p:tgtEl>
+                                        <p:attrNameLst>
+                                          <p:attrName>style.visibility</p:attrName>
+                                        </p:attrNameLst>
+                                      </p:cBhvr>
+                                      <p:to>
+                                        <p:strVal val="visible"/>
+                                      </p:to>
+                                    </p:set>
+                                    <p:animEffect transition="in" filter="fade">
+                                      <p:cBhvr>
+                                        <p:cTn id="25" dur="1000"/>
+                                        <p:tgtEl>
+                                          <p:spTgt spid="4">
+                                            <p:txEl>
+                                              <p:pRg st="3" end="3"/>
+                                            </p:txEl>
+                                          </p:spTgt>
+                                        </p:tgtEl>
+                                      </p:cBhvr>
+                                    </p:animEffect>
+                                  </p:childTnLst>
+                                </p:cTn>
+                              </p:par>
+                            </p:childTnLst>
+                          </p:cTn>
+                        </p:par>
+                      </p:childTnLst>
+                    </p:cTn>
+                  </p:par>
+                  <p:par>
+                    <p:cTn id="26" fill="hold">
+                      <p:stCondLst>
+                        <p:cond delay="indefinite"/>
+                      </p:stCondLst>
+                      <p:childTnLst>
+                        <p:par>
+                          <p:cTn id="27" fill="hold">
+                            <p:stCondLst>
+                              <p:cond delay="0"/>
+                            </p:stCondLst>
+                            <p:childTnLst>
+                              <p:par>
+                                <p:cTn id="28" presetID="10" presetClass="entr" presetSubtype="0" fill="hold" grpId="0" nodeType="clickEffect">
+                                  <p:stCondLst>
+                                    <p:cond delay="0"/>
+                                  </p:stCondLst>
+                                  <p:childTnLst>
+                                    <p:set>
+                                      <p:cBhvr>
+                                        <p:cTn id="29" dur="1" fill="hold">
+                                          <p:stCondLst>
+                                            <p:cond delay="0"/>
+                                          </p:stCondLst>
+                                        </p:cTn>
+                                        <p:tgtEl>
+                                          <p:spTgt spid="4">
+                                            <p:txEl>
                                               <p:pRg st="4" end="4"/>
                                             </p:txEl>
                                           </p:spTgt>
@@ -15804,7 +19384,7 @@
                                     </p:set>
                                     <p:animEffect transition="in" filter="fade">
                                       <p:cBhvr>
-                                        <p:cTn id="25" dur="1000"/>
+                                        <p:cTn id="30" dur="1000"/>
                                         <p:tgtEl>
                                           <p:spTgt spid="4">
                                             <p:txEl>
@@ -15845,6 +19425,7 @@
       </p:par>
     </p:tnLst>
     <p:bldLst>
+      <p:bldP spid="2" grpId="0"/>
       <p:bldP spid="4" grpId="0" build="p"/>
     </p:bldLst>
   </p:timing>

--- a/doc/ADS Project 4 Presentation.pptx
+++ b/doc/ADS Project 4 Presentation.pptx
@@ -9951,7 +9951,7 @@
             </a:pPr>
             <a:r>
               <a:rPr lang="en-US" dirty="0"/>
-              <a:t>Unlike full matching, does not require hyper-parameter tuning</a:t>
+              <a:t>Easier hyperparameter tuning: alpha-level vs. group ratio</a:t>
             </a:r>
           </a:p>
         </p:txBody>
@@ -11270,7 +11270,7 @@
             <p:ph idx="1"/>
             <p:extLst>
               <p:ext uri="{D42A27DB-BD31-4B8C-83A1-F6EECF244321}">
-                <p14:modId xmlns:p14="http://schemas.microsoft.com/office/powerpoint/2010/main" val="1891741431"/>
+                <p14:modId xmlns:p14="http://schemas.microsoft.com/office/powerpoint/2010/main" val="3668094817"/>
               </p:ext>
             </p:extLst>
           </p:nvPr>
@@ -11316,7 +11316,7 @@
                     <a:p>
                       <a:r>
                         <a:rPr lang="en-US" dirty="0"/>
-                        <a:t>Matching Algorithm</a:t>
+                        <a:t>ATE Estimation Algorithm</a:t>
                       </a:r>
                     </a:p>
                   </a:txBody>
@@ -16891,7 +16891,7 @@
           <a:p>
             <a:r>
               <a:rPr lang="en-US" dirty="0"/>
-              <a:t>Algorithm 1 approach</a:t>
+              <a:t>Full Matching approach</a:t>
             </a:r>
           </a:p>
         </p:txBody>
@@ -17446,7 +17446,7 @@
           <a:p>
             <a:r>
               <a:rPr lang="en-US" dirty="0"/>
-              <a:t>Algorithm 1 approach</a:t>
+              <a:t>Full Matching approach</a:t>
             </a:r>
           </a:p>
         </p:txBody>
@@ -17953,6 +17953,9 @@
           </a:lstStyle>
           <a:p>
             <a:pPr marL="457200" indent="-457200">
+              <a:lnSpc>
+                <a:spcPct val="150000"/>
+              </a:lnSpc>
               <a:buFont typeface="+mj-lt"/>
               <a:buAutoNum type="arabicPeriod"/>
             </a:pPr>
@@ -17963,6 +17966,9 @@
           </a:p>
           <a:p>
             <a:pPr marL="914400" lvl="1" indent="-457200">
+              <a:lnSpc>
+                <a:spcPct val="150000"/>
+              </a:lnSpc>
               <a:buFont typeface="+mj-lt"/>
               <a:buAutoNum type="arabicPeriod"/>
             </a:pPr>
@@ -17973,6 +17979,9 @@
           </a:p>
           <a:p>
             <a:pPr marL="457200" indent="-457200">
+              <a:lnSpc>
+                <a:spcPct val="150000"/>
+              </a:lnSpc>
               <a:buFont typeface="+mj-lt"/>
               <a:buAutoNum type="arabicPeriod"/>
             </a:pPr>
@@ -17983,6 +17992,9 @@
           </a:p>
           <a:p>
             <a:pPr marL="457200" indent="-457200">
+              <a:lnSpc>
+                <a:spcPct val="150000"/>
+              </a:lnSpc>
               <a:buFont typeface="+mj-lt"/>
               <a:buAutoNum type="arabicPeriod"/>
             </a:pPr>
@@ -17993,6 +18005,9 @@
           </a:p>
           <a:p>
             <a:pPr marL="457200" indent="-457200">
+              <a:lnSpc>
+                <a:spcPct val="150000"/>
+              </a:lnSpc>
               <a:buFont typeface="+mj-lt"/>
               <a:buAutoNum type="arabicPeriod"/>
             </a:pPr>
@@ -18509,8 +18524,8 @@
         </p:nvSpPr>
         <p:spPr>
           <a:xfrm>
-            <a:off x="746558" y="0"/>
-            <a:ext cx="9905998" cy="779318"/>
+            <a:off x="746558" y="-1"/>
+            <a:ext cx="9905998" cy="1000461"/>
           </a:xfrm>
         </p:spPr>
         <p:txBody>
@@ -18519,7 +18534,7 @@
           <a:p>
             <a:r>
               <a:rPr lang="en-US" dirty="0"/>
-              <a:t>Algorithm 7 approach</a:t>
+              <a:t>Weighted Regression approach</a:t>
             </a:r>
           </a:p>
         </p:txBody>
@@ -18543,7 +18558,7 @@
         <p:spPr>
           <a:xfrm>
             <a:off x="746558" y="1192160"/>
-            <a:ext cx="10417971" cy="3124201"/>
+            <a:ext cx="10417971" cy="4218936"/>
           </a:xfrm>
           <a:prstGeom prst="rect">
             <a:avLst/>
@@ -18980,6 +18995,9 @@
           </a:lstStyle>
           <a:p>
             <a:pPr marL="457200" indent="-457200">
+              <a:lnSpc>
+                <a:spcPct val="150000"/>
+              </a:lnSpc>
               <a:buFont typeface="+mj-lt"/>
               <a:buAutoNum type="arabicPeriod"/>
             </a:pPr>
@@ -18990,6 +19008,9 @@
           </a:p>
           <a:p>
             <a:pPr marL="914400" lvl="1" indent="-457200">
+              <a:lnSpc>
+                <a:spcPct val="150000"/>
+              </a:lnSpc>
               <a:buFont typeface="+mj-lt"/>
               <a:buAutoNum type="arabicPeriod"/>
             </a:pPr>
@@ -19000,6 +19021,9 @@
           </a:p>
           <a:p>
             <a:pPr marL="457200" indent="-457200">
+              <a:lnSpc>
+                <a:spcPct val="150000"/>
+              </a:lnSpc>
               <a:buFont typeface="+mj-lt"/>
               <a:buAutoNum type="arabicPeriod"/>
             </a:pPr>
@@ -19010,6 +19034,9 @@
           </a:p>
           <a:p>
             <a:pPr marL="457200" indent="-457200">
+              <a:lnSpc>
+                <a:spcPct val="150000"/>
+              </a:lnSpc>
               <a:buFont typeface="+mj-lt"/>
               <a:buAutoNum type="arabicPeriod"/>
             </a:pPr>
@@ -19020,6 +19047,9 @@
           </a:p>
           <a:p>
             <a:pPr marL="457200" indent="-457200">
+              <a:lnSpc>
+                <a:spcPct val="150000"/>
+              </a:lnSpc>
               <a:buFont typeface="+mj-lt"/>
               <a:buAutoNum type="arabicPeriod"/>
             </a:pPr>
